--- a/Module 1 Intro and Terminology/Course Intro & Terminology.pptx
+++ b/Module 1 Intro and Terminology/Course Intro & Terminology.pptx
@@ -187,16 +187,47 @@
 </p:presentation>
 </file>
 
-<file path=ppt/revisionInfo.xml><?xml version="1.0" encoding="utf-8"?>
-<p1510:revInfo xmlns:a="http://schemas.openxmlformats.org/drawingml/2006/main" xmlns:r="http://schemas.openxmlformats.org/officeDocument/2006/relationships" xmlns:p1510="http://schemas.microsoft.com/office/powerpoint/2015/10/main">
-  <p1510:revLst>
-    <p1510:client id="{3B6BBC6A-93EF-4294-BF97-849CFD8902B4}" v="1" dt="2024-08-26T13:43:25.371"/>
-  </p1510:revLst>
-</p1510:revInfo>
-</file>
-
 <file path=ppt/changesInfos/changesInfo1.xml><?xml version="1.0" encoding="utf-8"?>
 <pc:chgInfo xmlns:a="http://schemas.openxmlformats.org/drawingml/2006/main" xmlns:r="http://schemas.openxmlformats.org/officeDocument/2006/relationships" xmlns:ac="http://schemas.microsoft.com/office/drawing/2013/main/command" xmlns:pc="http://schemas.microsoft.com/office/powerpoint/2013/main/command">
+  <pc:docChgLst>
+    <pc:chgData name="Pablo Esteban Gutiérrez-Fonseca (he/him)" userId="25bdc618-995f-415b-9b28-31563f05eb38" providerId="ADAL" clId="{D5B89412-1C73-4EF5-B80C-A145F21A38AD}"/>
+    <pc:docChg chg="undo custSel modSld">
+      <pc:chgData name="Pablo Esteban Gutiérrez-Fonseca (he/him)" userId="25bdc618-995f-415b-9b28-31563f05eb38" providerId="ADAL" clId="{D5B89412-1C73-4EF5-B80C-A145F21A38AD}" dt="2024-12-24T23:38:43.479" v="2"/>
+      <pc:docMkLst>
+        <pc:docMk/>
+      </pc:docMkLst>
+      <pc:sldChg chg="modSp mod">
+        <pc:chgData name="Pablo Esteban Gutiérrez-Fonseca (he/him)" userId="25bdc618-995f-415b-9b28-31563f05eb38" providerId="ADAL" clId="{D5B89412-1C73-4EF5-B80C-A145F21A38AD}" dt="2024-12-24T23:34:06.196" v="1" actId="20577"/>
+        <pc:sldMkLst>
+          <pc:docMk/>
+          <pc:sldMk cId="3187164498" sldId="445"/>
+        </pc:sldMkLst>
+        <pc:spChg chg="mod">
+          <ac:chgData name="Pablo Esteban Gutiérrez-Fonseca (he/him)" userId="25bdc618-995f-415b-9b28-31563f05eb38" providerId="ADAL" clId="{D5B89412-1C73-4EF5-B80C-A145F21A38AD}" dt="2024-12-24T23:34:06.196" v="1" actId="20577"/>
+          <ac:spMkLst>
+            <pc:docMk/>
+            <pc:sldMk cId="3187164498" sldId="445"/>
+            <ac:spMk id="3" creationId="{AACD5B01-19E6-C044-ECDE-EE6DF81C1CB0}"/>
+          </ac:spMkLst>
+        </pc:spChg>
+      </pc:sldChg>
+      <pc:sldChg chg="modSp mod">
+        <pc:chgData name="Pablo Esteban Gutiérrez-Fonseca (he/him)" userId="25bdc618-995f-415b-9b28-31563f05eb38" providerId="ADAL" clId="{D5B89412-1C73-4EF5-B80C-A145F21A38AD}" dt="2024-12-24T23:38:43.479" v="2"/>
+        <pc:sldMkLst>
+          <pc:docMk/>
+          <pc:sldMk cId="2616211322" sldId="446"/>
+        </pc:sldMkLst>
+        <pc:spChg chg="mod">
+          <ac:chgData name="Pablo Esteban Gutiérrez-Fonseca (he/him)" userId="25bdc618-995f-415b-9b28-31563f05eb38" providerId="ADAL" clId="{D5B89412-1C73-4EF5-B80C-A145F21A38AD}" dt="2024-12-24T23:38:43.479" v="2"/>
+          <ac:spMkLst>
+            <pc:docMk/>
+            <pc:sldMk cId="2616211322" sldId="446"/>
+            <ac:spMk id="3" creationId="{AACD5B01-19E6-C044-ECDE-EE6DF81C1CB0}"/>
+          </ac:spMkLst>
+        </pc:spChg>
+      </pc:sldChg>
+    </pc:docChg>
+  </pc:docChgLst>
   <pc:docChgLst>
     <pc:chgData name="Pablo Esteban Gutiérrez-Fonseca (he/him)" userId="25bdc618-995f-415b-9b28-31563f05eb38" providerId="ADAL" clId="{3B6BBC6A-93EF-4294-BF97-849CFD8902B4}"/>
     <pc:docChg chg="undo redo custSel addSld delSld modSld sldOrd delMainMaster modMainMaster modNotesMaster">
@@ -210,22 +241,6 @@
           <pc:docMk/>
           <pc:sldMk cId="1056264902" sldId="256"/>
         </pc:sldMkLst>
-        <pc:spChg chg="mod">
-          <ac:chgData name="Pablo Esteban Gutiérrez-Fonseca (he/him)" userId="25bdc618-995f-415b-9b28-31563f05eb38" providerId="ADAL" clId="{3B6BBC6A-93EF-4294-BF97-849CFD8902B4}" dt="2024-08-26T19:58:45.279" v="1225"/>
-          <ac:spMkLst>
-            <pc:docMk/>
-            <pc:sldMk cId="1056264902" sldId="256"/>
-            <ac:spMk id="2" creationId="{CFA5DF5E-A871-AB66-7C79-3EF7C076BB8F}"/>
-          </ac:spMkLst>
-        </pc:spChg>
-        <pc:spChg chg="mod">
-          <ac:chgData name="Pablo Esteban Gutiérrez-Fonseca (he/him)" userId="25bdc618-995f-415b-9b28-31563f05eb38" providerId="ADAL" clId="{3B6BBC6A-93EF-4294-BF97-849CFD8902B4}" dt="2024-08-26T19:58:45.279" v="1225"/>
-          <ac:spMkLst>
-            <pc:docMk/>
-            <pc:sldMk cId="1056264902" sldId="256"/>
-            <ac:spMk id="3" creationId="{B5376695-EF27-8187-24B0-E5A496139080}"/>
-          </ac:spMkLst>
-        </pc:spChg>
       </pc:sldChg>
       <pc:sldChg chg="addSp delSp modSp del mod modClrScheme chgLayout">
         <pc:chgData name="Pablo Esteban Gutiérrez-Fonseca (he/him)" userId="25bdc618-995f-415b-9b28-31563f05eb38" providerId="ADAL" clId="{3B6BBC6A-93EF-4294-BF97-849CFD8902B4}" dt="2024-08-26T15:10:10.874" v="311" actId="47"/>
@@ -233,46 +248,6 @@
           <pc:docMk/>
           <pc:sldMk cId="2898306405" sldId="363"/>
         </pc:sldMkLst>
-        <pc:spChg chg="add del mod ord">
-          <ac:chgData name="Pablo Esteban Gutiérrez-Fonseca (he/him)" userId="25bdc618-995f-415b-9b28-31563f05eb38" providerId="ADAL" clId="{3B6BBC6A-93EF-4294-BF97-849CFD8902B4}" dt="2024-08-26T15:09:01.761" v="284" actId="478"/>
-          <ac:spMkLst>
-            <pc:docMk/>
-            <pc:sldMk cId="2898306405" sldId="363"/>
-            <ac:spMk id="2" creationId="{77D7CEBB-8A90-58F3-06AD-3951837FF593}"/>
-          </ac:spMkLst>
-        </pc:spChg>
-        <pc:spChg chg="add del mod ord">
-          <ac:chgData name="Pablo Esteban Gutiérrez-Fonseca (he/him)" userId="25bdc618-995f-415b-9b28-31563f05eb38" providerId="ADAL" clId="{3B6BBC6A-93EF-4294-BF97-849CFD8902B4}" dt="2024-08-26T15:09:28.625" v="290" actId="478"/>
-          <ac:spMkLst>
-            <pc:docMk/>
-            <pc:sldMk cId="2898306405" sldId="363"/>
-            <ac:spMk id="4" creationId="{57C96A9E-A46E-14A0-0F3F-A5930E825909}"/>
-          </ac:spMkLst>
-        </pc:spChg>
-        <pc:spChg chg="mod">
-          <ac:chgData name="Pablo Esteban Gutiérrez-Fonseca (he/him)" userId="25bdc618-995f-415b-9b28-31563f05eb38" providerId="ADAL" clId="{3B6BBC6A-93EF-4294-BF97-849CFD8902B4}" dt="2024-08-26T15:09:15.936" v="288" actId="21"/>
-          <ac:spMkLst>
-            <pc:docMk/>
-            <pc:sldMk cId="2898306405" sldId="363"/>
-            <ac:spMk id="29700" creationId="{00000000-0000-0000-0000-000000000000}"/>
-          </ac:spMkLst>
-        </pc:spChg>
-        <pc:spChg chg="del mod">
-          <ac:chgData name="Pablo Esteban Gutiérrez-Fonseca (he/him)" userId="25bdc618-995f-415b-9b28-31563f05eb38" providerId="ADAL" clId="{3B6BBC6A-93EF-4294-BF97-849CFD8902B4}" dt="2024-08-26T15:09:31.832" v="293"/>
-          <ac:spMkLst>
-            <pc:docMk/>
-            <pc:sldMk cId="2898306405" sldId="363"/>
-            <ac:spMk id="29701" creationId="{00000000-0000-0000-0000-000000000000}"/>
-          </ac:spMkLst>
-        </pc:spChg>
-        <pc:picChg chg="del">
-          <ac:chgData name="Pablo Esteban Gutiérrez-Fonseca (he/him)" userId="25bdc618-995f-415b-9b28-31563f05eb38" providerId="ADAL" clId="{3B6BBC6A-93EF-4294-BF97-849CFD8902B4}" dt="2024-08-26T15:09:52.415" v="302" actId="21"/>
-          <ac:picMkLst>
-            <pc:docMk/>
-            <pc:sldMk cId="2898306405" sldId="363"/>
-            <ac:picMk id="29698" creationId="{00000000-0000-0000-0000-000000000000}"/>
-          </ac:picMkLst>
-        </pc:picChg>
       </pc:sldChg>
       <pc:sldChg chg="addSp delSp modSp del mod modClrScheme chgLayout">
         <pc:chgData name="Pablo Esteban Gutiérrez-Fonseca (he/him)" userId="25bdc618-995f-415b-9b28-31563f05eb38" providerId="ADAL" clId="{3B6BBC6A-93EF-4294-BF97-849CFD8902B4}" dt="2024-08-26T15:14:16.860" v="420" actId="47"/>
@@ -280,62 +255,6 @@
           <pc:docMk/>
           <pc:sldMk cId="1127550911" sldId="364"/>
         </pc:sldMkLst>
-        <pc:spChg chg="del mod">
-          <ac:chgData name="Pablo Esteban Gutiérrez-Fonseca (he/him)" userId="25bdc618-995f-415b-9b28-31563f05eb38" providerId="ADAL" clId="{3B6BBC6A-93EF-4294-BF97-849CFD8902B4}" dt="2024-08-26T15:12:55.687" v="395"/>
-          <ac:spMkLst>
-            <pc:docMk/>
-            <pc:sldMk cId="1127550911" sldId="364"/>
-            <ac:spMk id="2" creationId="{00000000-0000-0000-0000-000000000000}"/>
-          </ac:spMkLst>
-        </pc:spChg>
-        <pc:spChg chg="add del mod ord">
-          <ac:chgData name="Pablo Esteban Gutiérrez-Fonseca (he/him)" userId="25bdc618-995f-415b-9b28-31563f05eb38" providerId="ADAL" clId="{3B6BBC6A-93EF-4294-BF97-849CFD8902B4}" dt="2024-08-26T15:11:30.944" v="362" actId="700"/>
-          <ac:spMkLst>
-            <pc:docMk/>
-            <pc:sldMk cId="1127550911" sldId="364"/>
-            <ac:spMk id="3" creationId="{29EE5411-BC07-8342-801F-B9A08D849DF9}"/>
-          </ac:spMkLst>
-        </pc:spChg>
-        <pc:spChg chg="mod ord">
-          <ac:chgData name="Pablo Esteban Gutiérrez-Fonseca (he/him)" userId="25bdc618-995f-415b-9b28-31563f05eb38" providerId="ADAL" clId="{3B6BBC6A-93EF-4294-BF97-849CFD8902B4}" dt="2024-08-26T15:11:30.944" v="362" actId="700"/>
-          <ac:spMkLst>
-            <pc:docMk/>
-            <pc:sldMk cId="1127550911" sldId="364"/>
-            <ac:spMk id="30722" creationId="{00000000-0000-0000-0000-000000000000}"/>
-          </ac:spMkLst>
-        </pc:spChg>
-        <pc:spChg chg="mod">
-          <ac:chgData name="Pablo Esteban Gutiérrez-Fonseca (he/him)" userId="25bdc618-995f-415b-9b28-31563f05eb38" providerId="ADAL" clId="{3B6BBC6A-93EF-4294-BF97-849CFD8902B4}" dt="2024-08-26T15:11:41.124" v="364" actId="21"/>
-          <ac:spMkLst>
-            <pc:docMk/>
-            <pc:sldMk cId="1127550911" sldId="364"/>
-            <ac:spMk id="30725" creationId="{00000000-0000-0000-0000-000000000000}"/>
-          </ac:spMkLst>
-        </pc:spChg>
-        <pc:spChg chg="del mod">
-          <ac:chgData name="Pablo Esteban Gutiérrez-Fonseca (he/him)" userId="25bdc618-995f-415b-9b28-31563f05eb38" providerId="ADAL" clId="{3B6BBC6A-93EF-4294-BF97-849CFD8902B4}" dt="2024-08-26T15:11:56.883" v="370"/>
-          <ac:spMkLst>
-            <pc:docMk/>
-            <pc:sldMk cId="1127550911" sldId="364"/>
-            <ac:spMk id="62470" creationId="{00000000-0000-0000-0000-000000000000}"/>
-          </ac:spMkLst>
-        </pc:spChg>
-        <pc:spChg chg="del mod">
-          <ac:chgData name="Pablo Esteban Gutiérrez-Fonseca (he/him)" userId="25bdc618-995f-415b-9b28-31563f05eb38" providerId="ADAL" clId="{3B6BBC6A-93EF-4294-BF97-849CFD8902B4}" dt="2024-08-26T15:12:31.315" v="388"/>
-          <ac:spMkLst>
-            <pc:docMk/>
-            <pc:sldMk cId="1127550911" sldId="364"/>
-            <ac:spMk id="62471" creationId="{00000000-0000-0000-0000-000000000000}"/>
-          </ac:spMkLst>
-        </pc:spChg>
-        <pc:spChg chg="del mod">
-          <ac:chgData name="Pablo Esteban Gutiérrez-Fonseca (he/him)" userId="25bdc618-995f-415b-9b28-31563f05eb38" providerId="ADAL" clId="{3B6BBC6A-93EF-4294-BF97-849CFD8902B4}" dt="2024-08-26T15:12:13.282" v="381"/>
-          <ac:spMkLst>
-            <pc:docMk/>
-            <pc:sldMk cId="1127550911" sldId="364"/>
-            <ac:spMk id="62472" creationId="{00000000-0000-0000-0000-000000000000}"/>
-          </ac:spMkLst>
-        </pc:spChg>
       </pc:sldChg>
       <pc:sldChg chg="delSp modSp del mod">
         <pc:chgData name="Pablo Esteban Gutiérrez-Fonseca (he/him)" userId="25bdc618-995f-415b-9b28-31563f05eb38" providerId="ADAL" clId="{3B6BBC6A-93EF-4294-BF97-849CFD8902B4}" dt="2024-08-26T15:17:07.825" v="485" actId="47"/>
@@ -343,46 +262,6 @@
           <pc:docMk/>
           <pc:sldMk cId="1557744010" sldId="365"/>
         </pc:sldMkLst>
-        <pc:spChg chg="mod">
-          <ac:chgData name="Pablo Esteban Gutiérrez-Fonseca (he/him)" userId="25bdc618-995f-415b-9b28-31563f05eb38" providerId="ADAL" clId="{3B6BBC6A-93EF-4294-BF97-849CFD8902B4}" dt="2024-08-26T13:43:25.512" v="5" actId="27636"/>
-          <ac:spMkLst>
-            <pc:docMk/>
-            <pc:sldMk cId="1557744010" sldId="365"/>
-            <ac:spMk id="31746" creationId="{00000000-0000-0000-0000-000000000000}"/>
-          </ac:spMkLst>
-        </pc:spChg>
-        <pc:spChg chg="del mod">
-          <ac:chgData name="Pablo Esteban Gutiérrez-Fonseca (he/him)" userId="25bdc618-995f-415b-9b28-31563f05eb38" providerId="ADAL" clId="{3B6BBC6A-93EF-4294-BF97-849CFD8902B4}" dt="2024-08-26T15:16:05.502" v="452"/>
-          <ac:spMkLst>
-            <pc:docMk/>
-            <pc:sldMk cId="1557744010" sldId="365"/>
-            <ac:spMk id="31749" creationId="{00000000-0000-0000-0000-000000000000}"/>
-          </ac:spMkLst>
-        </pc:spChg>
-        <pc:spChg chg="del mod">
-          <ac:chgData name="Pablo Esteban Gutiérrez-Fonseca (he/him)" userId="25bdc618-995f-415b-9b28-31563f05eb38" providerId="ADAL" clId="{3B6BBC6A-93EF-4294-BF97-849CFD8902B4}" dt="2024-08-26T15:16:25.192" v="466"/>
-          <ac:spMkLst>
-            <pc:docMk/>
-            <pc:sldMk cId="1557744010" sldId="365"/>
-            <ac:spMk id="64520" creationId="{00000000-0000-0000-0000-000000000000}"/>
-          </ac:spMkLst>
-        </pc:spChg>
-        <pc:spChg chg="del mod">
-          <ac:chgData name="Pablo Esteban Gutiérrez-Fonseca (he/him)" userId="25bdc618-995f-415b-9b28-31563f05eb38" providerId="ADAL" clId="{3B6BBC6A-93EF-4294-BF97-849CFD8902B4}" dt="2024-08-26T15:16:35.191" v="472"/>
-          <ac:spMkLst>
-            <pc:docMk/>
-            <pc:sldMk cId="1557744010" sldId="365"/>
-            <ac:spMk id="64524" creationId="{00000000-0000-0000-0000-000000000000}"/>
-          </ac:spMkLst>
-        </pc:spChg>
-        <pc:spChg chg="del mod">
-          <ac:chgData name="Pablo Esteban Gutiérrez-Fonseca (he/him)" userId="25bdc618-995f-415b-9b28-31563f05eb38" providerId="ADAL" clId="{3B6BBC6A-93EF-4294-BF97-849CFD8902B4}" dt="2024-08-26T15:16:46.078" v="480"/>
-          <ac:spMkLst>
-            <pc:docMk/>
-            <pc:sldMk cId="1557744010" sldId="365"/>
-            <ac:spMk id="64525" creationId="{00000000-0000-0000-0000-000000000000}"/>
-          </ac:spMkLst>
-        </pc:spChg>
       </pc:sldChg>
       <pc:sldChg chg="delSp modSp del mod">
         <pc:chgData name="Pablo Esteban Gutiérrez-Fonseca (he/him)" userId="25bdc618-995f-415b-9b28-31563f05eb38" providerId="ADAL" clId="{3B6BBC6A-93EF-4294-BF97-849CFD8902B4}" dt="2024-08-26T15:18:57.889" v="505" actId="47"/>
@@ -390,30 +269,6 @@
           <pc:docMk/>
           <pc:sldMk cId="1032467975" sldId="366"/>
         </pc:sldMkLst>
-        <pc:spChg chg="mod">
-          <ac:chgData name="Pablo Esteban Gutiérrez-Fonseca (he/him)" userId="25bdc618-995f-415b-9b28-31563f05eb38" providerId="ADAL" clId="{3B6BBC6A-93EF-4294-BF97-849CFD8902B4}" dt="2024-08-26T13:43:25.512" v="6" actId="27636"/>
-          <ac:spMkLst>
-            <pc:docMk/>
-            <pc:sldMk cId="1032467975" sldId="366"/>
-            <ac:spMk id="32770" creationId="{00000000-0000-0000-0000-000000000000}"/>
-          </ac:spMkLst>
-        </pc:spChg>
-        <pc:spChg chg="del mod">
-          <ac:chgData name="Pablo Esteban Gutiérrez-Fonseca (he/him)" userId="25bdc618-995f-415b-9b28-31563f05eb38" providerId="ADAL" clId="{3B6BBC6A-93EF-4294-BF97-849CFD8902B4}" dt="2024-08-26T15:18:21.765" v="494"/>
-          <ac:spMkLst>
-            <pc:docMk/>
-            <pc:sldMk cId="1032467975" sldId="366"/>
-            <ac:spMk id="66572" creationId="{00000000-0000-0000-0000-000000000000}"/>
-          </ac:spMkLst>
-        </pc:spChg>
-        <pc:spChg chg="del mod">
-          <ac:chgData name="Pablo Esteban Gutiérrez-Fonseca (he/him)" userId="25bdc618-995f-415b-9b28-31563f05eb38" providerId="ADAL" clId="{3B6BBC6A-93EF-4294-BF97-849CFD8902B4}" dt="2024-08-26T15:18:46.317" v="501"/>
-          <ac:spMkLst>
-            <pc:docMk/>
-            <pc:sldMk cId="1032467975" sldId="366"/>
-            <ac:spMk id="66573" creationId="{00000000-0000-0000-0000-000000000000}"/>
-          </ac:spMkLst>
-        </pc:spChg>
       </pc:sldChg>
       <pc:sldChg chg="delSp modSp del mod">
         <pc:chgData name="Pablo Esteban Gutiérrez-Fonseca (he/him)" userId="25bdc618-995f-415b-9b28-31563f05eb38" providerId="ADAL" clId="{3B6BBC6A-93EF-4294-BF97-849CFD8902B4}" dt="2024-08-26T15:20:09.080" v="535" actId="47"/>
@@ -421,38 +276,6 @@
           <pc:docMk/>
           <pc:sldMk cId="119657927" sldId="367"/>
         </pc:sldMkLst>
-        <pc:spChg chg="mod">
-          <ac:chgData name="Pablo Esteban Gutiérrez-Fonseca (he/him)" userId="25bdc618-995f-415b-9b28-31563f05eb38" providerId="ADAL" clId="{3B6BBC6A-93EF-4294-BF97-849CFD8902B4}" dt="2024-08-26T13:43:25.516" v="7" actId="27636"/>
-          <ac:spMkLst>
-            <pc:docMk/>
-            <pc:sldMk cId="119657927" sldId="367"/>
-            <ac:spMk id="33794" creationId="{00000000-0000-0000-0000-000000000000}"/>
-          </ac:spMkLst>
-        </pc:spChg>
-        <pc:spChg chg="del mod">
-          <ac:chgData name="Pablo Esteban Gutiérrez-Fonseca (he/him)" userId="25bdc618-995f-415b-9b28-31563f05eb38" providerId="ADAL" clId="{3B6BBC6A-93EF-4294-BF97-849CFD8902B4}" dt="2024-08-26T15:19:10.840" v="509"/>
-          <ac:spMkLst>
-            <pc:docMk/>
-            <pc:sldMk cId="119657927" sldId="367"/>
-            <ac:spMk id="33797" creationId="{00000000-0000-0000-0000-000000000000}"/>
-          </ac:spMkLst>
-        </pc:spChg>
-        <pc:spChg chg="del mod">
-          <ac:chgData name="Pablo Esteban Gutiérrez-Fonseca (he/him)" userId="25bdc618-995f-415b-9b28-31563f05eb38" providerId="ADAL" clId="{3B6BBC6A-93EF-4294-BF97-849CFD8902B4}" dt="2024-08-26T15:19:18.102" v="513"/>
-          <ac:spMkLst>
-            <pc:docMk/>
-            <pc:sldMk cId="119657927" sldId="367"/>
-            <ac:spMk id="66568" creationId="{00000000-0000-0000-0000-000000000000}"/>
-          </ac:spMkLst>
-        </pc:spChg>
-        <pc:spChg chg="del mod">
-          <ac:chgData name="Pablo Esteban Gutiérrez-Fonseca (he/him)" userId="25bdc618-995f-415b-9b28-31563f05eb38" providerId="ADAL" clId="{3B6BBC6A-93EF-4294-BF97-849CFD8902B4}" dt="2024-08-26T15:19:37.749" v="521"/>
-          <ac:spMkLst>
-            <pc:docMk/>
-            <pc:sldMk cId="119657927" sldId="367"/>
-            <ac:spMk id="66571" creationId="{00000000-0000-0000-0000-000000000000}"/>
-          </ac:spMkLst>
-        </pc:spChg>
       </pc:sldChg>
       <pc:sldChg chg="delSp modSp del mod">
         <pc:chgData name="Pablo Esteban Gutiérrez-Fonseca (he/him)" userId="25bdc618-995f-415b-9b28-31563f05eb38" providerId="ADAL" clId="{3B6BBC6A-93EF-4294-BF97-849CFD8902B4}" dt="2024-08-26T15:22:47.408" v="617" actId="47"/>
@@ -460,22 +283,6 @@
           <pc:docMk/>
           <pc:sldMk cId="4039649030" sldId="368"/>
         </pc:sldMkLst>
-        <pc:spChg chg="mod">
-          <ac:chgData name="Pablo Esteban Gutiérrez-Fonseca (he/him)" userId="25bdc618-995f-415b-9b28-31563f05eb38" providerId="ADAL" clId="{3B6BBC6A-93EF-4294-BF97-849CFD8902B4}" dt="2024-08-26T13:43:25.518" v="8" actId="27636"/>
-          <ac:spMkLst>
-            <pc:docMk/>
-            <pc:sldMk cId="4039649030" sldId="368"/>
-            <ac:spMk id="34818" creationId="{00000000-0000-0000-0000-000000000000}"/>
-          </ac:spMkLst>
-        </pc:spChg>
-        <pc:spChg chg="del mod">
-          <ac:chgData name="Pablo Esteban Gutiérrez-Fonseca (he/him)" userId="25bdc618-995f-415b-9b28-31563f05eb38" providerId="ADAL" clId="{3B6BBC6A-93EF-4294-BF97-849CFD8902B4}" dt="2024-08-26T15:20:27.468" v="539"/>
-          <ac:spMkLst>
-            <pc:docMk/>
-            <pc:sldMk cId="4039649030" sldId="368"/>
-            <ac:spMk id="66571" creationId="{00000000-0000-0000-0000-000000000000}"/>
-          </ac:spMkLst>
-        </pc:spChg>
       </pc:sldChg>
       <pc:sldChg chg="modSp mod modClrScheme chgLayout">
         <pc:chgData name="Pablo Esteban Gutiérrez-Fonseca (he/him)" userId="25bdc618-995f-415b-9b28-31563f05eb38" providerId="ADAL" clId="{3B6BBC6A-93EF-4294-BF97-849CFD8902B4}" dt="2024-08-26T20:08:50.815" v="1298" actId="404"/>
@@ -483,22 +290,6 @@
           <pc:docMk/>
           <pc:sldMk cId="3328160568" sldId="374"/>
         </pc:sldMkLst>
-        <pc:spChg chg="mod ord">
-          <ac:chgData name="Pablo Esteban Gutiérrez-Fonseca (he/him)" userId="25bdc618-995f-415b-9b28-31563f05eb38" providerId="ADAL" clId="{3B6BBC6A-93EF-4294-BF97-849CFD8902B4}" dt="2024-08-26T20:08:50.815" v="1298" actId="404"/>
-          <ac:spMkLst>
-            <pc:docMk/>
-            <pc:sldMk cId="3328160568" sldId="374"/>
-            <ac:spMk id="8194" creationId="{00000000-0000-0000-0000-000000000000}"/>
-          </ac:spMkLst>
-        </pc:spChg>
-        <pc:picChg chg="mod">
-          <ac:chgData name="Pablo Esteban Gutiérrez-Fonseca (he/him)" userId="25bdc618-995f-415b-9b28-31563f05eb38" providerId="ADAL" clId="{3B6BBC6A-93EF-4294-BF97-849CFD8902B4}" dt="2024-08-26T19:58:45.279" v="1225"/>
-          <ac:picMkLst>
-            <pc:docMk/>
-            <pc:sldMk cId="3328160568" sldId="374"/>
-            <ac:picMk id="8196" creationId="{00000000-0000-0000-0000-000000000000}"/>
-          </ac:picMkLst>
-        </pc:picChg>
       </pc:sldChg>
       <pc:sldChg chg="delSp modSp mod modClrScheme chgLayout">
         <pc:chgData name="Pablo Esteban Gutiérrez-Fonseca (he/him)" userId="25bdc618-995f-415b-9b28-31563f05eb38" providerId="ADAL" clId="{3B6BBC6A-93EF-4294-BF97-849CFD8902B4}" dt="2024-08-26T20:09:04.315" v="1303" actId="1076"/>
@@ -506,46 +297,6 @@
           <pc:docMk/>
           <pc:sldMk cId="3613332560" sldId="375"/>
         </pc:sldMkLst>
-        <pc:spChg chg="del mod">
-          <ac:chgData name="Pablo Esteban Gutiérrez-Fonseca (he/him)" userId="25bdc618-995f-415b-9b28-31563f05eb38" providerId="ADAL" clId="{3B6BBC6A-93EF-4294-BF97-849CFD8902B4}" dt="2024-08-26T15:24:32.900" v="652" actId="478"/>
-          <ac:spMkLst>
-            <pc:docMk/>
-            <pc:sldMk cId="3613332560" sldId="375"/>
-            <ac:spMk id="5" creationId="{00000000-0000-0000-0000-000000000000}"/>
-          </ac:spMkLst>
-        </pc:spChg>
-        <pc:spChg chg="mod ord">
-          <ac:chgData name="Pablo Esteban Gutiérrez-Fonseca (he/him)" userId="25bdc618-995f-415b-9b28-31563f05eb38" providerId="ADAL" clId="{3B6BBC6A-93EF-4294-BF97-849CFD8902B4}" dt="2024-08-26T20:09:02.030" v="1302" actId="404"/>
-          <ac:spMkLst>
-            <pc:docMk/>
-            <pc:sldMk cId="3613332560" sldId="375"/>
-            <ac:spMk id="6146" creationId="{00000000-0000-0000-0000-000000000000}"/>
-          </ac:spMkLst>
-        </pc:spChg>
-        <pc:spChg chg="mod ord">
-          <ac:chgData name="Pablo Esteban Gutiérrez-Fonseca (he/him)" userId="25bdc618-995f-415b-9b28-31563f05eb38" providerId="ADAL" clId="{3B6BBC6A-93EF-4294-BF97-849CFD8902B4}" dt="2024-08-26T19:58:45.279" v="1225"/>
-          <ac:spMkLst>
-            <pc:docMk/>
-            <pc:sldMk cId="3613332560" sldId="375"/>
-            <ac:spMk id="6147" creationId="{00000000-0000-0000-0000-000000000000}"/>
-          </ac:spMkLst>
-        </pc:spChg>
-        <pc:picChg chg="mod">
-          <ac:chgData name="Pablo Esteban Gutiérrez-Fonseca (he/him)" userId="25bdc618-995f-415b-9b28-31563f05eb38" providerId="ADAL" clId="{3B6BBC6A-93EF-4294-BF97-849CFD8902B4}" dt="2024-08-26T20:09:04.315" v="1303" actId="1076"/>
-          <ac:picMkLst>
-            <pc:docMk/>
-            <pc:sldMk cId="3613332560" sldId="375"/>
-            <ac:picMk id="6" creationId="{00000000-0000-0000-0000-000000000000}"/>
-          </ac:picMkLst>
-        </pc:picChg>
-        <pc:picChg chg="mod">
-          <ac:chgData name="Pablo Esteban Gutiérrez-Fonseca (he/him)" userId="25bdc618-995f-415b-9b28-31563f05eb38" providerId="ADAL" clId="{3B6BBC6A-93EF-4294-BF97-849CFD8902B4}" dt="2024-08-26T19:58:45.279" v="1225"/>
-          <ac:picMkLst>
-            <pc:docMk/>
-            <pc:sldMk cId="3613332560" sldId="375"/>
-            <ac:picMk id="7" creationId="{00000000-0000-0000-0000-000000000000}"/>
-          </ac:picMkLst>
-        </pc:picChg>
       </pc:sldChg>
       <pc:sldChg chg="delSp modSp mod modClrScheme chgLayout">
         <pc:chgData name="Pablo Esteban Gutiérrez-Fonseca (he/him)" userId="25bdc618-995f-415b-9b28-31563f05eb38" providerId="ADAL" clId="{3B6BBC6A-93EF-4294-BF97-849CFD8902B4}" dt="2024-08-26T20:09:26.708" v="1306" actId="404"/>
@@ -553,46 +304,6 @@
           <pc:docMk/>
           <pc:sldMk cId="922435454" sldId="376"/>
         </pc:sldMkLst>
-        <pc:spChg chg="mod">
-          <ac:chgData name="Pablo Esteban Gutiérrez-Fonseca (he/him)" userId="25bdc618-995f-415b-9b28-31563f05eb38" providerId="ADAL" clId="{3B6BBC6A-93EF-4294-BF97-849CFD8902B4}" dt="2024-08-26T19:58:45.279" v="1225"/>
-          <ac:spMkLst>
-            <pc:docMk/>
-            <pc:sldMk cId="922435454" sldId="376"/>
-            <ac:spMk id="8" creationId="{00000000-0000-0000-0000-000000000000}"/>
-          </ac:spMkLst>
-        </pc:spChg>
-        <pc:spChg chg="mod ord">
-          <ac:chgData name="Pablo Esteban Gutiérrez-Fonseca (he/him)" userId="25bdc618-995f-415b-9b28-31563f05eb38" providerId="ADAL" clId="{3B6BBC6A-93EF-4294-BF97-849CFD8902B4}" dt="2024-08-26T20:09:26.708" v="1306" actId="404"/>
-          <ac:spMkLst>
-            <pc:docMk/>
-            <pc:sldMk cId="922435454" sldId="376"/>
-            <ac:spMk id="8194" creationId="{00000000-0000-0000-0000-000000000000}"/>
-          </ac:spMkLst>
-        </pc:spChg>
-        <pc:spChg chg="mod ord">
-          <ac:chgData name="Pablo Esteban Gutiérrez-Fonseca (he/him)" userId="25bdc618-995f-415b-9b28-31563f05eb38" providerId="ADAL" clId="{3B6BBC6A-93EF-4294-BF97-849CFD8902B4}" dt="2024-08-26T20:09:23.899" v="1304" actId="404"/>
-          <ac:spMkLst>
-            <pc:docMk/>
-            <pc:sldMk cId="922435454" sldId="376"/>
-            <ac:spMk id="8195" creationId="{00000000-0000-0000-0000-000000000000}"/>
-          </ac:spMkLst>
-        </pc:spChg>
-        <pc:picChg chg="del">
-          <ac:chgData name="Pablo Esteban Gutiérrez-Fonseca (he/him)" userId="25bdc618-995f-415b-9b28-31563f05eb38" providerId="ADAL" clId="{3B6BBC6A-93EF-4294-BF97-849CFD8902B4}" dt="2024-08-26T15:24:57.765" v="678" actId="478"/>
-          <ac:picMkLst>
-            <pc:docMk/>
-            <pc:sldMk cId="922435454" sldId="376"/>
-            <ac:picMk id="7" creationId="{00000000-0000-0000-0000-000000000000}"/>
-          </ac:picMkLst>
-        </pc:picChg>
-        <pc:picChg chg="mod">
-          <ac:chgData name="Pablo Esteban Gutiérrez-Fonseca (he/him)" userId="25bdc618-995f-415b-9b28-31563f05eb38" providerId="ADAL" clId="{3B6BBC6A-93EF-4294-BF97-849CFD8902B4}" dt="2024-08-26T19:58:45.279" v="1225"/>
-          <ac:picMkLst>
-            <pc:docMk/>
-            <pc:sldMk cId="922435454" sldId="376"/>
-            <ac:picMk id="9" creationId="{00000000-0000-0000-0000-000000000000}"/>
-          </ac:picMkLst>
-        </pc:picChg>
       </pc:sldChg>
       <pc:sldChg chg="addSp delSp modSp mod modClrScheme chgLayout modNotes">
         <pc:chgData name="Pablo Esteban Gutiérrez-Fonseca (he/him)" userId="25bdc618-995f-415b-9b28-31563f05eb38" providerId="ADAL" clId="{3B6BBC6A-93EF-4294-BF97-849CFD8902B4}" dt="2024-08-26T20:10:07.943" v="1315" actId="12"/>
@@ -600,134 +311,6 @@
           <pc:docMk/>
           <pc:sldMk cId="3440263914" sldId="378"/>
         </pc:sldMkLst>
-        <pc:spChg chg="add del mod ord">
-          <ac:chgData name="Pablo Esteban Gutiérrez-Fonseca (he/him)" userId="25bdc618-995f-415b-9b28-31563f05eb38" providerId="ADAL" clId="{3B6BBC6A-93EF-4294-BF97-849CFD8902B4}" dt="2024-08-26T15:26:24.057" v="702" actId="478"/>
-          <ac:spMkLst>
-            <pc:docMk/>
-            <pc:sldMk cId="3440263914" sldId="378"/>
-            <ac:spMk id="2" creationId="{7EF651D2-5930-4597-97D6-6E6FC370A5D8}"/>
-          </ac:spMkLst>
-        </pc:spChg>
-        <pc:spChg chg="add mod ord">
-          <ac:chgData name="Pablo Esteban Gutiérrez-Fonseca (he/him)" userId="25bdc618-995f-415b-9b28-31563f05eb38" providerId="ADAL" clId="{3B6BBC6A-93EF-4294-BF97-849CFD8902B4}" dt="2024-08-26T20:10:07.943" v="1315" actId="12"/>
-          <ac:spMkLst>
-            <pc:docMk/>
-            <pc:sldMk cId="3440263914" sldId="378"/>
-            <ac:spMk id="4" creationId="{828A4FCC-29F0-33E7-5CCC-50E3D826F92B}"/>
-          </ac:spMkLst>
-        </pc:spChg>
-        <pc:spChg chg="del mod">
-          <ac:chgData name="Pablo Esteban Gutiérrez-Fonseca (he/him)" userId="25bdc618-995f-415b-9b28-31563f05eb38" providerId="ADAL" clId="{3B6BBC6A-93EF-4294-BF97-849CFD8902B4}" dt="2024-08-26T15:27:47.497" v="713" actId="478"/>
-          <ac:spMkLst>
-            <pc:docMk/>
-            <pc:sldMk cId="3440263914" sldId="378"/>
-            <ac:spMk id="18" creationId="{00000000-0000-0000-0000-000000000000}"/>
-          </ac:spMkLst>
-        </pc:spChg>
-        <pc:spChg chg="mod">
-          <ac:chgData name="Pablo Esteban Gutiérrez-Fonseca (he/him)" userId="25bdc618-995f-415b-9b28-31563f05eb38" providerId="ADAL" clId="{3B6BBC6A-93EF-4294-BF97-849CFD8902B4}" dt="2024-08-26T15:27:15.818" v="708" actId="164"/>
-          <ac:spMkLst>
-            <pc:docMk/>
-            <pc:sldMk cId="3440263914" sldId="378"/>
-            <ac:spMk id="21" creationId="{00000000-0000-0000-0000-000000000000}"/>
-          </ac:spMkLst>
-        </pc:spChg>
-        <pc:spChg chg="mod">
-          <ac:chgData name="Pablo Esteban Gutiérrez-Fonseca (he/him)" userId="25bdc618-995f-415b-9b28-31563f05eb38" providerId="ADAL" clId="{3B6BBC6A-93EF-4294-BF97-849CFD8902B4}" dt="2024-08-26T15:27:15.818" v="708" actId="164"/>
-          <ac:spMkLst>
-            <pc:docMk/>
-            <pc:sldMk cId="3440263914" sldId="378"/>
-            <ac:spMk id="23" creationId="{00000000-0000-0000-0000-000000000000}"/>
-          </ac:spMkLst>
-        </pc:spChg>
-        <pc:spChg chg="mod">
-          <ac:chgData name="Pablo Esteban Gutiérrez-Fonseca (he/him)" userId="25bdc618-995f-415b-9b28-31563f05eb38" providerId="ADAL" clId="{3B6BBC6A-93EF-4294-BF97-849CFD8902B4}" dt="2024-08-26T15:27:15.818" v="708" actId="164"/>
-          <ac:spMkLst>
-            <pc:docMk/>
-            <pc:sldMk cId="3440263914" sldId="378"/>
-            <ac:spMk id="25" creationId="{00000000-0000-0000-0000-000000000000}"/>
-          </ac:spMkLst>
-        </pc:spChg>
-        <pc:spChg chg="mod ord">
-          <ac:chgData name="Pablo Esteban Gutiérrez-Fonseca (he/him)" userId="25bdc618-995f-415b-9b28-31563f05eb38" providerId="ADAL" clId="{3B6BBC6A-93EF-4294-BF97-849CFD8902B4}" dt="2024-08-26T20:09:49.809" v="1311" actId="700"/>
-          <ac:spMkLst>
-            <pc:docMk/>
-            <pc:sldMk cId="3440263914" sldId="378"/>
-            <ac:spMk id="11266" creationId="{00000000-0000-0000-0000-000000000000}"/>
-          </ac:spMkLst>
-        </pc:spChg>
-        <pc:grpChg chg="add del mod">
-          <ac:chgData name="Pablo Esteban Gutiérrez-Fonseca (he/him)" userId="25bdc618-995f-415b-9b28-31563f05eb38" providerId="ADAL" clId="{3B6BBC6A-93EF-4294-BF97-849CFD8902B4}" dt="2024-08-26T15:27:27.534" v="710" actId="478"/>
-          <ac:grpSpMkLst>
-            <pc:docMk/>
-            <pc:sldMk cId="3440263914" sldId="378"/>
-            <ac:grpSpMk id="3" creationId="{AD40A284-3F8B-B258-EBAD-317ACCC22561}"/>
-          </ac:grpSpMkLst>
-        </pc:grpChg>
-        <pc:picChg chg="mod">
-          <ac:chgData name="Pablo Esteban Gutiérrez-Fonseca (he/him)" userId="25bdc618-995f-415b-9b28-31563f05eb38" providerId="ADAL" clId="{3B6BBC6A-93EF-4294-BF97-849CFD8902B4}" dt="2024-08-26T15:27:15.818" v="708" actId="164"/>
-          <ac:picMkLst>
-            <pc:docMk/>
-            <pc:sldMk cId="3440263914" sldId="378"/>
-            <ac:picMk id="19" creationId="{00000000-0000-0000-0000-000000000000}"/>
-          </ac:picMkLst>
-        </pc:picChg>
-        <pc:picChg chg="mod">
-          <ac:chgData name="Pablo Esteban Gutiérrez-Fonseca (he/him)" userId="25bdc618-995f-415b-9b28-31563f05eb38" providerId="ADAL" clId="{3B6BBC6A-93EF-4294-BF97-849CFD8902B4}" dt="2024-08-26T15:27:15.818" v="708" actId="164"/>
-          <ac:picMkLst>
-            <pc:docMk/>
-            <pc:sldMk cId="3440263914" sldId="378"/>
-            <ac:picMk id="20" creationId="{00000000-0000-0000-0000-000000000000}"/>
-          </ac:picMkLst>
-        </pc:picChg>
-        <pc:picChg chg="mod">
-          <ac:chgData name="Pablo Esteban Gutiérrez-Fonseca (he/him)" userId="25bdc618-995f-415b-9b28-31563f05eb38" providerId="ADAL" clId="{3B6BBC6A-93EF-4294-BF97-849CFD8902B4}" dt="2024-08-26T15:27:15.818" v="708" actId="164"/>
-          <ac:picMkLst>
-            <pc:docMk/>
-            <pc:sldMk cId="3440263914" sldId="378"/>
-            <ac:picMk id="24" creationId="{00000000-0000-0000-0000-000000000000}"/>
-          </ac:picMkLst>
-        </pc:picChg>
-        <pc:picChg chg="mod">
-          <ac:chgData name="Pablo Esteban Gutiérrez-Fonseca (he/him)" userId="25bdc618-995f-415b-9b28-31563f05eb38" providerId="ADAL" clId="{3B6BBC6A-93EF-4294-BF97-849CFD8902B4}" dt="2024-08-26T15:27:15.818" v="708" actId="164"/>
-          <ac:picMkLst>
-            <pc:docMk/>
-            <pc:sldMk cId="3440263914" sldId="378"/>
-            <ac:picMk id="26" creationId="{00000000-0000-0000-0000-000000000000}"/>
-          </ac:picMkLst>
-        </pc:picChg>
-        <pc:picChg chg="mod">
-          <ac:chgData name="Pablo Esteban Gutiérrez-Fonseca (he/him)" userId="25bdc618-995f-415b-9b28-31563f05eb38" providerId="ADAL" clId="{3B6BBC6A-93EF-4294-BF97-849CFD8902B4}" dt="2024-08-26T19:58:45.279" v="1225"/>
-          <ac:picMkLst>
-            <pc:docMk/>
-            <pc:sldMk cId="3440263914" sldId="378"/>
-            <ac:picMk id="11268" creationId="{00000000-0000-0000-0000-000000000000}"/>
-          </ac:picMkLst>
-        </pc:picChg>
-        <pc:cxnChg chg="mod">
-          <ac:chgData name="Pablo Esteban Gutiérrez-Fonseca (he/him)" userId="25bdc618-995f-415b-9b28-31563f05eb38" providerId="ADAL" clId="{3B6BBC6A-93EF-4294-BF97-849CFD8902B4}" dt="2024-08-26T15:27:15.818" v="708" actId="164"/>
-          <ac:cxnSpMkLst>
-            <pc:docMk/>
-            <pc:sldMk cId="3440263914" sldId="378"/>
-            <ac:cxnSpMk id="22" creationId="{00000000-0000-0000-0000-000000000000}"/>
-          </ac:cxnSpMkLst>
-        </pc:cxnChg>
-        <pc:cxnChg chg="mod">
-          <ac:chgData name="Pablo Esteban Gutiérrez-Fonseca (he/him)" userId="25bdc618-995f-415b-9b28-31563f05eb38" providerId="ADAL" clId="{3B6BBC6A-93EF-4294-BF97-849CFD8902B4}" dt="2024-08-26T15:27:15.818" v="708" actId="164"/>
-          <ac:cxnSpMkLst>
-            <pc:docMk/>
-            <pc:sldMk cId="3440263914" sldId="378"/>
-            <ac:cxnSpMk id="27" creationId="{00000000-0000-0000-0000-000000000000}"/>
-          </ac:cxnSpMkLst>
-        </pc:cxnChg>
-        <pc:cxnChg chg="mod">
-          <ac:chgData name="Pablo Esteban Gutiérrez-Fonseca (he/him)" userId="25bdc618-995f-415b-9b28-31563f05eb38" providerId="ADAL" clId="{3B6BBC6A-93EF-4294-BF97-849CFD8902B4}" dt="2024-08-26T15:27:15.818" v="708" actId="164"/>
-          <ac:cxnSpMkLst>
-            <pc:docMk/>
-            <pc:sldMk cId="3440263914" sldId="378"/>
-            <ac:cxnSpMk id="28" creationId="{00000000-0000-0000-0000-000000000000}"/>
-          </ac:cxnSpMkLst>
-        </pc:cxnChg>
       </pc:sldChg>
       <pc:sldChg chg="delSp modSp del mod delAnim">
         <pc:chgData name="Pablo Esteban Gutiérrez-Fonseca (he/him)" userId="25bdc618-995f-415b-9b28-31563f05eb38" providerId="ADAL" clId="{3B6BBC6A-93EF-4294-BF97-849CFD8902B4}" dt="2024-08-26T15:30:59.343" v="760" actId="47"/>
@@ -735,38 +318,6 @@
           <pc:docMk/>
           <pc:sldMk cId="274543397" sldId="379"/>
         </pc:sldMkLst>
-        <pc:spChg chg="mod">
-          <ac:chgData name="Pablo Esteban Gutiérrez-Fonseca (he/him)" userId="25bdc618-995f-415b-9b28-31563f05eb38" providerId="ADAL" clId="{3B6BBC6A-93EF-4294-BF97-849CFD8902B4}" dt="2024-08-26T15:29:51.887" v="735" actId="21"/>
-          <ac:spMkLst>
-            <pc:docMk/>
-            <pc:sldMk cId="274543397" sldId="379"/>
-            <ac:spMk id="13314" creationId="{00000000-0000-0000-0000-000000000000}"/>
-          </ac:spMkLst>
-        </pc:spChg>
-        <pc:spChg chg="mod">
-          <ac:chgData name="Pablo Esteban Gutiérrez-Fonseca (he/him)" userId="25bdc618-995f-415b-9b28-31563f05eb38" providerId="ADAL" clId="{3B6BBC6A-93EF-4294-BF97-849CFD8902B4}" dt="2024-08-26T15:30:00.918" v="738" actId="21"/>
-          <ac:spMkLst>
-            <pc:docMk/>
-            <pc:sldMk cId="274543397" sldId="379"/>
-            <ac:spMk id="13315" creationId="{00000000-0000-0000-0000-000000000000}"/>
-          </ac:spMkLst>
-        </pc:spChg>
-        <pc:picChg chg="del mod">
-          <ac:chgData name="Pablo Esteban Gutiérrez-Fonseca (he/him)" userId="25bdc618-995f-415b-9b28-31563f05eb38" providerId="ADAL" clId="{3B6BBC6A-93EF-4294-BF97-849CFD8902B4}" dt="2024-08-26T15:30:17.305" v="750" actId="21"/>
-          <ac:picMkLst>
-            <pc:docMk/>
-            <pc:sldMk cId="274543397" sldId="379"/>
-            <ac:picMk id="13317" creationId="{00000000-0000-0000-0000-000000000000}"/>
-          </ac:picMkLst>
-        </pc:picChg>
-        <pc:picChg chg="del">
-          <ac:chgData name="Pablo Esteban Gutiérrez-Fonseca (he/him)" userId="25bdc618-995f-415b-9b28-31563f05eb38" providerId="ADAL" clId="{3B6BBC6A-93EF-4294-BF97-849CFD8902B4}" dt="2024-08-26T15:30:17.305" v="750" actId="21"/>
-          <ac:picMkLst>
-            <pc:docMk/>
-            <pc:sldMk cId="274543397" sldId="379"/>
-            <ac:picMk id="154626" creationId="{00000000-0000-0000-0000-000000000000}"/>
-          </ac:picMkLst>
-        </pc:picChg>
       </pc:sldChg>
       <pc:sldChg chg="modSp mod ord chgLayout">
         <pc:chgData name="Pablo Esteban Gutiérrez-Fonseca (he/him)" userId="25bdc618-995f-415b-9b28-31563f05eb38" providerId="ADAL" clId="{3B6BBC6A-93EF-4294-BF97-849CFD8902B4}" dt="2024-08-26T20:43:17.819" v="1385" actId="404"/>
@@ -774,30 +325,6 @@
           <pc:docMk/>
           <pc:sldMk cId="4134110215" sldId="394"/>
         </pc:sldMkLst>
-        <pc:spChg chg="mod ord">
-          <ac:chgData name="Pablo Esteban Gutiérrez-Fonseca (he/him)" userId="25bdc618-995f-415b-9b28-31563f05eb38" providerId="ADAL" clId="{3B6BBC6A-93EF-4294-BF97-849CFD8902B4}" dt="2024-08-26T20:43:17.819" v="1385" actId="404"/>
-          <ac:spMkLst>
-            <pc:docMk/>
-            <pc:sldMk cId="4134110215" sldId="394"/>
-            <ac:spMk id="28674" creationId="{00000000-0000-0000-0000-000000000000}"/>
-          </ac:spMkLst>
-        </pc:spChg>
-        <pc:spChg chg="mod ord">
-          <ac:chgData name="Pablo Esteban Gutiérrez-Fonseca (he/him)" userId="25bdc618-995f-415b-9b28-31563f05eb38" providerId="ADAL" clId="{3B6BBC6A-93EF-4294-BF97-849CFD8902B4}" dt="2024-08-26T19:58:45.279" v="1225"/>
-          <ac:spMkLst>
-            <pc:docMk/>
-            <pc:sldMk cId="4134110215" sldId="394"/>
-            <ac:spMk id="28675" creationId="{00000000-0000-0000-0000-000000000000}"/>
-          </ac:spMkLst>
-        </pc:spChg>
-        <pc:picChg chg="mod">
-          <ac:chgData name="Pablo Esteban Gutiérrez-Fonseca (he/him)" userId="25bdc618-995f-415b-9b28-31563f05eb38" providerId="ADAL" clId="{3B6BBC6A-93EF-4294-BF97-849CFD8902B4}" dt="2024-08-26T19:58:45.279" v="1225"/>
-          <ac:picMkLst>
-            <pc:docMk/>
-            <pc:sldMk cId="4134110215" sldId="394"/>
-            <ac:picMk id="28676" creationId="{00000000-0000-0000-0000-000000000000}"/>
-          </ac:picMkLst>
-        </pc:picChg>
       </pc:sldChg>
       <pc:sldChg chg="modSp mod modClrScheme chgLayout">
         <pc:chgData name="Pablo Esteban Gutiérrez-Fonseca (he/him)" userId="25bdc618-995f-415b-9b28-31563f05eb38" providerId="ADAL" clId="{3B6BBC6A-93EF-4294-BF97-849CFD8902B4}" dt="2024-08-26T20:01:03.625" v="1235" actId="404"/>
@@ -805,30 +332,6 @@
           <pc:docMk/>
           <pc:sldMk cId="438345215" sldId="398"/>
         </pc:sldMkLst>
-        <pc:spChg chg="mod ord">
-          <ac:chgData name="Pablo Esteban Gutiérrez-Fonseca (he/him)" userId="25bdc618-995f-415b-9b28-31563f05eb38" providerId="ADAL" clId="{3B6BBC6A-93EF-4294-BF97-849CFD8902B4}" dt="2024-08-26T20:01:03.625" v="1235" actId="404"/>
-          <ac:spMkLst>
-            <pc:docMk/>
-            <pc:sldMk cId="438345215" sldId="398"/>
-            <ac:spMk id="4098" creationId="{00000000-0000-0000-0000-000000000000}"/>
-          </ac:spMkLst>
-        </pc:spChg>
-        <pc:spChg chg="mod ord">
-          <ac:chgData name="Pablo Esteban Gutiérrez-Fonseca (he/him)" userId="25bdc618-995f-415b-9b28-31563f05eb38" providerId="ADAL" clId="{3B6BBC6A-93EF-4294-BF97-849CFD8902B4}" dt="2024-08-26T19:58:45.279" v="1225"/>
-          <ac:spMkLst>
-            <pc:docMk/>
-            <pc:sldMk cId="438345215" sldId="398"/>
-            <ac:spMk id="4100" creationId="{00000000-0000-0000-0000-000000000000}"/>
-          </ac:spMkLst>
-        </pc:spChg>
-        <pc:picChg chg="mod">
-          <ac:chgData name="Pablo Esteban Gutiérrez-Fonseca (he/him)" userId="25bdc618-995f-415b-9b28-31563f05eb38" providerId="ADAL" clId="{3B6BBC6A-93EF-4294-BF97-849CFD8902B4}" dt="2024-08-26T19:58:56.602" v="1227" actId="1076"/>
-          <ac:picMkLst>
-            <pc:docMk/>
-            <pc:sldMk cId="438345215" sldId="398"/>
-            <ac:picMk id="4099" creationId="{00000000-0000-0000-0000-000000000000}"/>
-          </ac:picMkLst>
-        </pc:picChg>
       </pc:sldChg>
       <pc:sldChg chg="modSp del mod">
         <pc:chgData name="Pablo Esteban Gutiérrez-Fonseca (he/him)" userId="25bdc618-995f-415b-9b28-31563f05eb38" providerId="ADAL" clId="{3B6BBC6A-93EF-4294-BF97-849CFD8902B4}" dt="2024-08-26T15:03:21.739" v="199" actId="47"/>
@@ -836,14 +339,6 @@
           <pc:docMk/>
           <pc:sldMk cId="2861386746" sldId="399"/>
         </pc:sldMkLst>
-        <pc:spChg chg="mod">
-          <ac:chgData name="Pablo Esteban Gutiérrez-Fonseca (he/him)" userId="25bdc618-995f-415b-9b28-31563f05eb38" providerId="ADAL" clId="{3B6BBC6A-93EF-4294-BF97-849CFD8902B4}" dt="2024-08-26T15:02:56.853" v="193" actId="21"/>
-          <ac:spMkLst>
-            <pc:docMk/>
-            <pc:sldMk cId="2861386746" sldId="399"/>
-            <ac:spMk id="5123" creationId="{00000000-0000-0000-0000-000000000000}"/>
-          </ac:spMkLst>
-        </pc:spChg>
       </pc:sldChg>
       <pc:sldChg chg="addSp delSp modSp del mod modClrScheme chgLayout">
         <pc:chgData name="Pablo Esteban Gutiérrez-Fonseca (he/him)" userId="25bdc618-995f-415b-9b28-31563f05eb38" providerId="ADAL" clId="{3B6BBC6A-93EF-4294-BF97-849CFD8902B4}" dt="2024-08-26T15:04:47.013" v="234" actId="47"/>
@@ -851,94 +346,6 @@
           <pc:docMk/>
           <pc:sldMk cId="2592796145" sldId="403"/>
         </pc:sldMkLst>
-        <pc:spChg chg="add del mod ord">
-          <ac:chgData name="Pablo Esteban Gutiérrez-Fonseca (he/him)" userId="25bdc618-995f-415b-9b28-31563f05eb38" providerId="ADAL" clId="{3B6BBC6A-93EF-4294-BF97-849CFD8902B4}" dt="2024-08-26T15:03:38.657" v="203" actId="700"/>
-          <ac:spMkLst>
-            <pc:docMk/>
-            <pc:sldMk cId="2592796145" sldId="403"/>
-            <ac:spMk id="2" creationId="{22318024-B246-9BA5-9BD0-B3E365A5BD71}"/>
-          </ac:spMkLst>
-        </pc:spChg>
-        <pc:spChg chg="add del mod ord">
-          <ac:chgData name="Pablo Esteban Gutiérrez-Fonseca (he/him)" userId="25bdc618-995f-415b-9b28-31563f05eb38" providerId="ADAL" clId="{3B6BBC6A-93EF-4294-BF97-849CFD8902B4}" dt="2024-08-26T15:03:38.657" v="203" actId="700"/>
-          <ac:spMkLst>
-            <pc:docMk/>
-            <pc:sldMk cId="2592796145" sldId="403"/>
-            <ac:spMk id="3" creationId="{611F05BF-5B03-E3D8-EE27-B5D46C005297}"/>
-          </ac:spMkLst>
-        </pc:spChg>
-        <pc:spChg chg="add del mod ord">
-          <ac:chgData name="Pablo Esteban Gutiérrez-Fonseca (he/him)" userId="25bdc618-995f-415b-9b28-31563f05eb38" providerId="ADAL" clId="{3B6BBC6A-93EF-4294-BF97-849CFD8902B4}" dt="2024-08-26T15:03:43.186" v="205" actId="700"/>
-          <ac:spMkLst>
-            <pc:docMk/>
-            <pc:sldMk cId="2592796145" sldId="403"/>
-            <ac:spMk id="4" creationId="{4AAFB2CD-C4A4-B724-0FDD-F77736CC35D3}"/>
-          </ac:spMkLst>
-        </pc:spChg>
-        <pc:spChg chg="add del mod ord">
-          <ac:chgData name="Pablo Esteban Gutiérrez-Fonseca (he/him)" userId="25bdc618-995f-415b-9b28-31563f05eb38" providerId="ADAL" clId="{3B6BBC6A-93EF-4294-BF97-849CFD8902B4}" dt="2024-08-26T15:03:43.186" v="205" actId="700"/>
-          <ac:spMkLst>
-            <pc:docMk/>
-            <pc:sldMk cId="2592796145" sldId="403"/>
-            <ac:spMk id="5" creationId="{17C3F1DB-CCCF-8F34-8109-900ACD44C084}"/>
-          </ac:spMkLst>
-        </pc:spChg>
-        <pc:spChg chg="add del mod ord">
-          <ac:chgData name="Pablo Esteban Gutiérrez-Fonseca (he/him)" userId="25bdc618-995f-415b-9b28-31563f05eb38" providerId="ADAL" clId="{3B6BBC6A-93EF-4294-BF97-849CFD8902B4}" dt="2024-08-26T15:03:50.218" v="207" actId="700"/>
-          <ac:spMkLst>
-            <pc:docMk/>
-            <pc:sldMk cId="2592796145" sldId="403"/>
-            <ac:spMk id="6" creationId="{A6592B3B-C4E2-97ED-AB2E-825B57B6994B}"/>
-          </ac:spMkLst>
-        </pc:spChg>
-        <pc:spChg chg="add del mod ord">
-          <ac:chgData name="Pablo Esteban Gutiérrez-Fonseca (he/him)" userId="25bdc618-995f-415b-9b28-31563f05eb38" providerId="ADAL" clId="{3B6BBC6A-93EF-4294-BF97-849CFD8902B4}" dt="2024-08-26T15:03:50.218" v="207" actId="700"/>
-          <ac:spMkLst>
-            <pc:docMk/>
-            <pc:sldMk cId="2592796145" sldId="403"/>
-            <ac:spMk id="7" creationId="{AB69DA5C-DD58-5961-0473-EC2C70B76119}"/>
-          </ac:spMkLst>
-        </pc:spChg>
-        <pc:spChg chg="del">
-          <ac:chgData name="Pablo Esteban Gutiérrez-Fonseca (he/him)" userId="25bdc618-995f-415b-9b28-31563f05eb38" providerId="ADAL" clId="{3B6BBC6A-93EF-4294-BF97-849CFD8902B4}" dt="2024-08-26T15:03:25.581" v="200" actId="478"/>
-          <ac:spMkLst>
-            <pc:docMk/>
-            <pc:sldMk cId="2592796145" sldId="403"/>
-            <ac:spMk id="8" creationId="{00000000-0000-0000-0000-000000000000}"/>
-          </ac:spMkLst>
-        </pc:spChg>
-        <pc:spChg chg="mod">
-          <ac:chgData name="Pablo Esteban Gutiérrez-Fonseca (he/him)" userId="25bdc618-995f-415b-9b28-31563f05eb38" providerId="ADAL" clId="{3B6BBC6A-93EF-4294-BF97-849CFD8902B4}" dt="2024-08-26T15:04:00.642" v="209" actId="21"/>
-          <ac:spMkLst>
-            <pc:docMk/>
-            <pc:sldMk cId="2592796145" sldId="403"/>
-            <ac:spMk id="9" creationId="{00000000-0000-0000-0000-000000000000}"/>
-          </ac:spMkLst>
-        </pc:spChg>
-        <pc:spChg chg="del">
-          <ac:chgData name="Pablo Esteban Gutiérrez-Fonseca (he/him)" userId="25bdc618-995f-415b-9b28-31563f05eb38" providerId="ADAL" clId="{3B6BBC6A-93EF-4294-BF97-849CFD8902B4}" dt="2024-08-26T15:03:27.205" v="201" actId="478"/>
-          <ac:spMkLst>
-            <pc:docMk/>
-            <pc:sldMk cId="2592796145" sldId="403"/>
-            <ac:spMk id="36868" creationId="{00000000-0000-0000-0000-000000000000}"/>
-          </ac:spMkLst>
-        </pc:spChg>
-        <pc:spChg chg="del mod">
-          <ac:chgData name="Pablo Esteban Gutiérrez-Fonseca (he/him)" userId="25bdc618-995f-415b-9b28-31563f05eb38" providerId="ADAL" clId="{3B6BBC6A-93EF-4294-BF97-849CFD8902B4}" dt="2024-08-26T15:04:22.048" v="227"/>
-          <ac:spMkLst>
-            <pc:docMk/>
-            <pc:sldMk cId="2592796145" sldId="403"/>
-            <ac:spMk id="36870" creationId="{00000000-0000-0000-0000-000000000000}"/>
-          </ac:spMkLst>
-        </pc:spChg>
-        <pc:spChg chg="del mod">
-          <ac:chgData name="Pablo Esteban Gutiérrez-Fonseca (he/him)" userId="25bdc618-995f-415b-9b28-31563f05eb38" providerId="ADAL" clId="{3B6BBC6A-93EF-4294-BF97-849CFD8902B4}" dt="2024-08-26T15:04:16.670" v="223"/>
-          <ac:spMkLst>
-            <pc:docMk/>
-            <pc:sldMk cId="2592796145" sldId="403"/>
-            <ac:spMk id="36871" creationId="{00000000-0000-0000-0000-000000000000}"/>
-          </ac:spMkLst>
-        </pc:spChg>
       </pc:sldChg>
       <pc:sldChg chg="del">
         <pc:chgData name="Pablo Esteban Gutiérrez-Fonseca (he/him)" userId="25bdc618-995f-415b-9b28-31563f05eb38" providerId="ADAL" clId="{3B6BBC6A-93EF-4294-BF97-849CFD8902B4}" dt="2024-08-26T15:05:57.514" v="251" actId="47"/>
@@ -953,14 +360,6 @@
           <pc:docMk/>
           <pc:sldMk cId="1608848523" sldId="409"/>
         </pc:sldMkLst>
-        <pc:spChg chg="mod">
-          <ac:chgData name="Pablo Esteban Gutiérrez-Fonseca (he/him)" userId="25bdc618-995f-415b-9b28-31563f05eb38" providerId="ADAL" clId="{3B6BBC6A-93EF-4294-BF97-849CFD8902B4}" dt="2024-08-26T13:43:25.497" v="1" actId="27636"/>
-          <ac:spMkLst>
-            <pc:docMk/>
-            <pc:sldMk cId="1608848523" sldId="409"/>
-            <ac:spMk id="36866" creationId="{00000000-0000-0000-0000-000000000000}"/>
-          </ac:spMkLst>
-        </pc:spChg>
       </pc:sldChg>
       <pc:sldChg chg="delSp modSp del mod">
         <pc:chgData name="Pablo Esteban Gutiérrez-Fonseca (he/him)" userId="25bdc618-995f-415b-9b28-31563f05eb38" providerId="ADAL" clId="{3B6BBC6A-93EF-4294-BF97-849CFD8902B4}" dt="2024-08-26T15:15:00.912" v="440" actId="47"/>
@@ -968,38 +367,6 @@
           <pc:docMk/>
           <pc:sldMk cId="1883571061" sldId="410"/>
         </pc:sldMkLst>
-        <pc:spChg chg="del mod">
-          <ac:chgData name="Pablo Esteban Gutiérrez-Fonseca (he/him)" userId="25bdc618-995f-415b-9b28-31563f05eb38" providerId="ADAL" clId="{3B6BBC6A-93EF-4294-BF97-849CFD8902B4}" dt="2024-08-26T15:14:51.530" v="435"/>
-          <ac:spMkLst>
-            <pc:docMk/>
-            <pc:sldMk cId="1883571061" sldId="410"/>
-            <ac:spMk id="2" creationId="{00000000-0000-0000-0000-000000000000}"/>
-          </ac:spMkLst>
-        </pc:spChg>
-        <pc:spChg chg="mod">
-          <ac:chgData name="Pablo Esteban Gutiérrez-Fonseca (he/him)" userId="25bdc618-995f-415b-9b28-31563f05eb38" providerId="ADAL" clId="{3B6BBC6A-93EF-4294-BF97-849CFD8902B4}" dt="2024-08-26T13:43:25.497" v="3" actId="27636"/>
-          <ac:spMkLst>
-            <pc:docMk/>
-            <pc:sldMk cId="1883571061" sldId="410"/>
-            <ac:spMk id="30722" creationId="{00000000-0000-0000-0000-000000000000}"/>
-          </ac:spMkLst>
-        </pc:spChg>
-        <pc:spChg chg="del mod">
-          <ac:chgData name="Pablo Esteban Gutiérrez-Fonseca (he/him)" userId="25bdc618-995f-415b-9b28-31563f05eb38" providerId="ADAL" clId="{3B6BBC6A-93EF-4294-BF97-849CFD8902B4}" dt="2024-08-26T15:14:30.131" v="428"/>
-          <ac:spMkLst>
-            <pc:docMk/>
-            <pc:sldMk cId="1883571061" sldId="410"/>
-            <ac:spMk id="62471" creationId="{00000000-0000-0000-0000-000000000000}"/>
-          </ac:spMkLst>
-        </pc:spChg>
-        <pc:spChg chg="del mod">
-          <ac:chgData name="Pablo Esteban Gutiérrez-Fonseca (he/him)" userId="25bdc618-995f-415b-9b28-31563f05eb38" providerId="ADAL" clId="{3B6BBC6A-93EF-4294-BF97-849CFD8902B4}" dt="2024-08-26T15:14:22.251" v="423"/>
-          <ac:spMkLst>
-            <pc:docMk/>
-            <pc:sldMk cId="1883571061" sldId="410"/>
-            <ac:spMk id="62473" creationId="{00000000-0000-0000-0000-000000000000}"/>
-          </ac:spMkLst>
-        </pc:spChg>
       </pc:sldChg>
       <pc:sldChg chg="addSp delSp modSp mod setBg modClrScheme chgLayout modNotes">
         <pc:chgData name="Pablo Esteban Gutiérrez-Fonseca (he/him)" userId="25bdc618-995f-415b-9b28-31563f05eb38" providerId="ADAL" clId="{3B6BBC6A-93EF-4294-BF97-849CFD8902B4}" dt="2024-08-26T20:45:35.078" v="1420" actId="108"/>
@@ -1007,62 +374,6 @@
           <pc:docMk/>
           <pc:sldMk cId="950264445" sldId="411"/>
         </pc:sldMkLst>
-        <pc:spChg chg="mod ord">
-          <ac:chgData name="Pablo Esteban Gutiérrez-Fonseca (he/him)" userId="25bdc618-995f-415b-9b28-31563f05eb38" providerId="ADAL" clId="{3B6BBC6A-93EF-4294-BF97-849CFD8902B4}" dt="2024-08-26T20:45:35.078" v="1420" actId="108"/>
-          <ac:spMkLst>
-            <pc:docMk/>
-            <pc:sldMk cId="950264445" sldId="411"/>
-            <ac:spMk id="2" creationId="{00000000-0000-0000-0000-000000000000}"/>
-          </ac:spMkLst>
-        </pc:spChg>
-        <pc:spChg chg="add del mod">
-          <ac:chgData name="Pablo Esteban Gutiérrez-Fonseca (he/him)" userId="25bdc618-995f-415b-9b28-31563f05eb38" providerId="ADAL" clId="{3B6BBC6A-93EF-4294-BF97-849CFD8902B4}" dt="2024-08-26T20:45:17.820" v="1415" actId="6264"/>
-          <ac:spMkLst>
-            <pc:docMk/>
-            <pc:sldMk cId="950264445" sldId="411"/>
-            <ac:spMk id="3" creationId="{0ED7C1C1-BD8E-C965-7F18-60057AEFE9B6}"/>
-          </ac:spMkLst>
-        </pc:spChg>
-        <pc:spChg chg="mod">
-          <ac:chgData name="Pablo Esteban Gutiérrez-Fonseca (he/him)" userId="25bdc618-995f-415b-9b28-31563f05eb38" providerId="ADAL" clId="{3B6BBC6A-93EF-4294-BF97-849CFD8902B4}" dt="2024-08-26T20:45:24.010" v="1417" actId="1076"/>
-          <ac:spMkLst>
-            <pc:docMk/>
-            <pc:sldMk cId="950264445" sldId="411"/>
-            <ac:spMk id="4" creationId="{00000000-0000-0000-0000-000000000000}"/>
-          </ac:spMkLst>
-        </pc:spChg>
-        <pc:spChg chg="add del mod ord">
-          <ac:chgData name="Pablo Esteban Gutiérrez-Fonseca (he/him)" userId="25bdc618-995f-415b-9b28-31563f05eb38" providerId="ADAL" clId="{3B6BBC6A-93EF-4294-BF97-849CFD8902B4}" dt="2024-08-26T20:45:19.802" v="1416" actId="700"/>
-          <ac:spMkLst>
-            <pc:docMk/>
-            <pc:sldMk cId="950264445" sldId="411"/>
-            <ac:spMk id="5" creationId="{CA5114A2-232B-EA5D-3576-65E027D38FC3}"/>
-          </ac:spMkLst>
-        </pc:spChg>
-        <pc:spChg chg="mod">
-          <ac:chgData name="Pablo Esteban Gutiérrez-Fonseca (he/him)" userId="25bdc618-995f-415b-9b28-31563f05eb38" providerId="ADAL" clId="{3B6BBC6A-93EF-4294-BF97-849CFD8902B4}" dt="2024-08-26T20:45:29.835" v="1419" actId="1076"/>
-          <ac:spMkLst>
-            <pc:docMk/>
-            <pc:sldMk cId="950264445" sldId="411"/>
-            <ac:spMk id="7" creationId="{00000000-0000-0000-0000-000000000000}"/>
-          </ac:spMkLst>
-        </pc:spChg>
-        <pc:spChg chg="add del mod ord">
-          <ac:chgData name="Pablo Esteban Gutiérrez-Fonseca (he/him)" userId="25bdc618-995f-415b-9b28-31563f05eb38" providerId="ADAL" clId="{3B6BBC6A-93EF-4294-BF97-849CFD8902B4}" dt="2024-08-26T20:45:26.374" v="1418" actId="478"/>
-          <ac:spMkLst>
-            <pc:docMk/>
-            <pc:sldMk cId="950264445" sldId="411"/>
-            <ac:spMk id="8" creationId="{2D68B05C-BA18-AB2D-BDC3-6120596E211F}"/>
-          </ac:spMkLst>
-        </pc:spChg>
-        <pc:picChg chg="mod">
-          <ac:chgData name="Pablo Esteban Gutiérrez-Fonseca (he/him)" userId="25bdc618-995f-415b-9b28-31563f05eb38" providerId="ADAL" clId="{3B6BBC6A-93EF-4294-BF97-849CFD8902B4}" dt="2024-08-26T20:45:24.010" v="1417" actId="1076"/>
-          <ac:picMkLst>
-            <pc:docMk/>
-            <pc:sldMk cId="950264445" sldId="411"/>
-            <ac:picMk id="6" creationId="{00000000-0000-0000-0000-000000000000}"/>
-          </ac:picMkLst>
-        </pc:picChg>
       </pc:sldChg>
       <pc:sldChg chg="addSp delSp modSp mod modClrScheme chgLayout modNotes">
         <pc:chgData name="Pablo Esteban Gutiérrez-Fonseca (he/him)" userId="25bdc618-995f-415b-9b28-31563f05eb38" providerId="ADAL" clId="{3B6BBC6A-93EF-4294-BF97-849CFD8902B4}" dt="2024-08-26T20:49:37.451" v="1468" actId="1076"/>
@@ -1070,94 +381,6 @@
           <pc:docMk/>
           <pc:sldMk cId="827436259" sldId="413"/>
         </pc:sldMkLst>
-        <pc:spChg chg="mod ord">
-          <ac:chgData name="Pablo Esteban Gutiérrez-Fonseca (he/him)" userId="25bdc618-995f-415b-9b28-31563f05eb38" providerId="ADAL" clId="{3B6BBC6A-93EF-4294-BF97-849CFD8902B4}" dt="2024-08-26T20:49:23.155" v="1464" actId="108"/>
-          <ac:spMkLst>
-            <pc:docMk/>
-            <pc:sldMk cId="827436259" sldId="413"/>
-            <ac:spMk id="2" creationId="{00000000-0000-0000-0000-000000000000}"/>
-          </ac:spMkLst>
-        </pc:spChg>
-        <pc:spChg chg="add del mod ord">
-          <ac:chgData name="Pablo Esteban Gutiérrez-Fonseca (he/him)" userId="25bdc618-995f-415b-9b28-31563f05eb38" providerId="ADAL" clId="{3B6BBC6A-93EF-4294-BF97-849CFD8902B4}" dt="2024-08-26T20:49:26.129" v="1465" actId="478"/>
-          <ac:spMkLst>
-            <pc:docMk/>
-            <pc:sldMk cId="827436259" sldId="413"/>
-            <ac:spMk id="3" creationId="{091EF5D4-FE3D-9DC4-54BC-69B2FAC7F449}"/>
-          </ac:spMkLst>
-        </pc:spChg>
-        <pc:spChg chg="mod">
-          <ac:chgData name="Pablo Esteban Gutiérrez-Fonseca (he/him)" userId="25bdc618-995f-415b-9b28-31563f05eb38" providerId="ADAL" clId="{3B6BBC6A-93EF-4294-BF97-849CFD8902B4}" dt="2024-08-26T20:49:32.252" v="1467" actId="1076"/>
-          <ac:spMkLst>
-            <pc:docMk/>
-            <pc:sldMk cId="827436259" sldId="413"/>
-            <ac:spMk id="4" creationId="{00000000-0000-0000-0000-000000000000}"/>
-          </ac:spMkLst>
-        </pc:spChg>
-        <pc:spChg chg="mod">
-          <ac:chgData name="Pablo Esteban Gutiérrez-Fonseca (he/him)" userId="25bdc618-995f-415b-9b28-31563f05eb38" providerId="ADAL" clId="{3B6BBC6A-93EF-4294-BF97-849CFD8902B4}" dt="2024-08-26T20:49:37.451" v="1468" actId="1076"/>
-          <ac:spMkLst>
-            <pc:docMk/>
-            <pc:sldMk cId="827436259" sldId="413"/>
-            <ac:spMk id="8" creationId="{00000000-0000-0000-0000-000000000000}"/>
-          </ac:spMkLst>
-        </pc:spChg>
-        <pc:spChg chg="mod">
-          <ac:chgData name="Pablo Esteban Gutiérrez-Fonseca (he/him)" userId="25bdc618-995f-415b-9b28-31563f05eb38" providerId="ADAL" clId="{3B6BBC6A-93EF-4294-BF97-849CFD8902B4}" dt="2024-08-26T20:49:37.451" v="1468" actId="1076"/>
-          <ac:spMkLst>
-            <pc:docMk/>
-            <pc:sldMk cId="827436259" sldId="413"/>
-            <ac:spMk id="9" creationId="{00000000-0000-0000-0000-000000000000}"/>
-          </ac:spMkLst>
-        </pc:spChg>
-        <pc:spChg chg="mod">
-          <ac:chgData name="Pablo Esteban Gutiérrez-Fonseca (he/him)" userId="25bdc618-995f-415b-9b28-31563f05eb38" providerId="ADAL" clId="{3B6BBC6A-93EF-4294-BF97-849CFD8902B4}" dt="2024-08-26T20:49:37.451" v="1468" actId="1076"/>
-          <ac:spMkLst>
-            <pc:docMk/>
-            <pc:sldMk cId="827436259" sldId="413"/>
-            <ac:spMk id="10" creationId="{00000000-0000-0000-0000-000000000000}"/>
-          </ac:spMkLst>
-        </pc:spChg>
-        <pc:spChg chg="mod">
-          <ac:chgData name="Pablo Esteban Gutiérrez-Fonseca (he/him)" userId="25bdc618-995f-415b-9b28-31563f05eb38" providerId="ADAL" clId="{3B6BBC6A-93EF-4294-BF97-849CFD8902B4}" dt="2024-08-26T20:49:37.451" v="1468" actId="1076"/>
-          <ac:spMkLst>
-            <pc:docMk/>
-            <pc:sldMk cId="827436259" sldId="413"/>
-            <ac:spMk id="11" creationId="{00000000-0000-0000-0000-000000000000}"/>
-          </ac:spMkLst>
-        </pc:spChg>
-        <pc:spChg chg="mod">
-          <ac:chgData name="Pablo Esteban Gutiérrez-Fonseca (he/him)" userId="25bdc618-995f-415b-9b28-31563f05eb38" providerId="ADAL" clId="{3B6BBC6A-93EF-4294-BF97-849CFD8902B4}" dt="2024-08-26T20:49:37.451" v="1468" actId="1076"/>
-          <ac:spMkLst>
-            <pc:docMk/>
-            <pc:sldMk cId="827436259" sldId="413"/>
-            <ac:spMk id="12" creationId="{00000000-0000-0000-0000-000000000000}"/>
-          </ac:spMkLst>
-        </pc:spChg>
-        <pc:spChg chg="mod">
-          <ac:chgData name="Pablo Esteban Gutiérrez-Fonseca (he/him)" userId="25bdc618-995f-415b-9b28-31563f05eb38" providerId="ADAL" clId="{3B6BBC6A-93EF-4294-BF97-849CFD8902B4}" dt="2024-08-26T20:49:37.451" v="1468" actId="1076"/>
-          <ac:spMkLst>
-            <pc:docMk/>
-            <pc:sldMk cId="827436259" sldId="413"/>
-            <ac:spMk id="13" creationId="{00000000-0000-0000-0000-000000000000}"/>
-          </ac:spMkLst>
-        </pc:spChg>
-        <pc:spChg chg="mod">
-          <ac:chgData name="Pablo Esteban Gutiérrez-Fonseca (he/him)" userId="25bdc618-995f-415b-9b28-31563f05eb38" providerId="ADAL" clId="{3B6BBC6A-93EF-4294-BF97-849CFD8902B4}" dt="2024-08-26T20:49:37.451" v="1468" actId="1076"/>
-          <ac:spMkLst>
-            <pc:docMk/>
-            <pc:sldMk cId="827436259" sldId="413"/>
-            <ac:spMk id="14" creationId="{00000000-0000-0000-0000-000000000000}"/>
-          </ac:spMkLst>
-        </pc:spChg>
-        <pc:picChg chg="mod">
-          <ac:chgData name="Pablo Esteban Gutiérrez-Fonseca (he/him)" userId="25bdc618-995f-415b-9b28-31563f05eb38" providerId="ADAL" clId="{3B6BBC6A-93EF-4294-BF97-849CFD8902B4}" dt="2024-08-26T20:49:28.219" v="1466" actId="1076"/>
-          <ac:picMkLst>
-            <pc:docMk/>
-            <pc:sldMk cId="827436259" sldId="413"/>
-            <ac:picMk id="1026" creationId="{00000000-0000-0000-0000-000000000000}"/>
-          </ac:picMkLst>
-        </pc:picChg>
       </pc:sldChg>
       <pc:sldChg chg="del">
         <pc:chgData name="Pablo Esteban Gutiérrez-Fonseca (he/him)" userId="25bdc618-995f-415b-9b28-31563f05eb38" providerId="ADAL" clId="{3B6BBC6A-93EF-4294-BF97-849CFD8902B4}" dt="2024-08-26T15:32:40.857" v="768" actId="47"/>
@@ -1186,46 +409,6 @@
           <pc:docMk/>
           <pc:sldMk cId="345692633" sldId="430"/>
         </pc:sldMkLst>
-        <pc:spChg chg="mod ord">
-          <ac:chgData name="Pablo Esteban Gutiérrez-Fonseca (he/him)" userId="25bdc618-995f-415b-9b28-31563f05eb38" providerId="ADAL" clId="{3B6BBC6A-93EF-4294-BF97-849CFD8902B4}" dt="2024-08-26T20:00:58.856" v="1233" actId="404"/>
-          <ac:spMkLst>
-            <pc:docMk/>
-            <pc:sldMk cId="345692633" sldId="430"/>
-            <ac:spMk id="2" creationId="{0D187E9A-A91A-8E42-B7CE-9E4122159AAB}"/>
-          </ac:spMkLst>
-        </pc:spChg>
-        <pc:spChg chg="mod ord">
-          <ac:chgData name="Pablo Esteban Gutiérrez-Fonseca (he/him)" userId="25bdc618-995f-415b-9b28-31563f05eb38" providerId="ADAL" clId="{3B6BBC6A-93EF-4294-BF97-849CFD8902B4}" dt="2024-08-26T19:59:08.298" v="1230" actId="14100"/>
-          <ac:spMkLst>
-            <pc:docMk/>
-            <pc:sldMk cId="345692633" sldId="430"/>
-            <ac:spMk id="3" creationId="{6B3045FB-2B8E-974E-BE84-86006556C058}"/>
-          </ac:spMkLst>
-        </pc:spChg>
-        <pc:picChg chg="del">
-          <ac:chgData name="Pablo Esteban Gutiérrez-Fonseca (he/him)" userId="25bdc618-995f-415b-9b28-31563f05eb38" providerId="ADAL" clId="{3B6BBC6A-93EF-4294-BF97-849CFD8902B4}" dt="2024-08-26T15:02:35.311" v="187" actId="478"/>
-          <ac:picMkLst>
-            <pc:docMk/>
-            <pc:sldMk cId="345692633" sldId="430"/>
-            <ac:picMk id="4" creationId="{2C3C0025-0492-4542-9FB2-2959BEE72824}"/>
-          </ac:picMkLst>
-        </pc:picChg>
-        <pc:picChg chg="add del mod">
-          <ac:chgData name="Pablo Esteban Gutiérrez-Fonseca (he/him)" userId="25bdc618-995f-415b-9b28-31563f05eb38" providerId="ADAL" clId="{3B6BBC6A-93EF-4294-BF97-849CFD8902B4}" dt="2024-08-26T20:06:05.466" v="1254" actId="478"/>
-          <ac:picMkLst>
-            <pc:docMk/>
-            <pc:sldMk cId="345692633" sldId="430"/>
-            <ac:picMk id="5" creationId="{1F4AF94C-EE85-170E-5507-4A1963D8453F}"/>
-          </ac:picMkLst>
-        </pc:picChg>
-        <pc:picChg chg="add mod">
-          <ac:chgData name="Pablo Esteban Gutiérrez-Fonseca (he/him)" userId="25bdc618-995f-415b-9b28-31563f05eb38" providerId="ADAL" clId="{3B6BBC6A-93EF-4294-BF97-849CFD8902B4}" dt="2024-08-26T20:06:04.706" v="1253" actId="1076"/>
-          <ac:picMkLst>
-            <pc:docMk/>
-            <pc:sldMk cId="345692633" sldId="430"/>
-            <ac:picMk id="1026" creationId="{7DDACFB7-5EFE-777D-2F14-79FA9AB09E76}"/>
-          </ac:picMkLst>
-        </pc:picChg>
       </pc:sldChg>
       <pc:sldChg chg="addSp delSp modSp del mod modNotes">
         <pc:chgData name="Pablo Esteban Gutiérrez-Fonseca (he/him)" userId="25bdc618-995f-415b-9b28-31563f05eb38" providerId="ADAL" clId="{3B6BBC6A-93EF-4294-BF97-849CFD8902B4}" dt="2024-08-26T20:46:19.846" v="1426" actId="47"/>
@@ -1233,86 +416,6 @@
           <pc:docMk/>
           <pc:sldMk cId="519334091" sldId="431"/>
         </pc:sldMkLst>
-        <pc:spChg chg="mod">
-          <ac:chgData name="Pablo Esteban Gutiérrez-Fonseca (he/him)" userId="25bdc618-995f-415b-9b28-31563f05eb38" providerId="ADAL" clId="{3B6BBC6A-93EF-4294-BF97-849CFD8902B4}" dt="2024-08-26T19:58:45.279" v="1225"/>
-          <ac:spMkLst>
-            <pc:docMk/>
-            <pc:sldMk cId="519334091" sldId="431"/>
-            <ac:spMk id="2" creationId="{00000000-0000-0000-0000-000000000000}"/>
-          </ac:spMkLst>
-        </pc:spChg>
-        <pc:spChg chg="mod">
-          <ac:chgData name="Pablo Esteban Gutiérrez-Fonseca (he/him)" userId="25bdc618-995f-415b-9b28-31563f05eb38" providerId="ADAL" clId="{3B6BBC6A-93EF-4294-BF97-849CFD8902B4}" dt="2024-08-26T19:58:45.279" v="1225"/>
-          <ac:spMkLst>
-            <pc:docMk/>
-            <pc:sldMk cId="519334091" sldId="431"/>
-            <ac:spMk id="4" creationId="{00000000-0000-0000-0000-000000000000}"/>
-          </ac:spMkLst>
-        </pc:spChg>
-        <pc:spChg chg="add del mod">
-          <ac:chgData name="Pablo Esteban Gutiérrez-Fonseca (he/him)" userId="25bdc618-995f-415b-9b28-31563f05eb38" providerId="ADAL" clId="{3B6BBC6A-93EF-4294-BF97-849CFD8902B4}" dt="2024-08-26T20:45:51.729" v="1423" actId="21"/>
-          <ac:spMkLst>
-            <pc:docMk/>
-            <pc:sldMk cId="519334091" sldId="431"/>
-            <ac:spMk id="7" creationId="{00000000-0000-0000-0000-000000000000}"/>
-          </ac:spMkLst>
-        </pc:spChg>
-        <pc:spChg chg="mod">
-          <ac:chgData name="Pablo Esteban Gutiérrez-Fonseca (he/him)" userId="25bdc618-995f-415b-9b28-31563f05eb38" providerId="ADAL" clId="{3B6BBC6A-93EF-4294-BF97-849CFD8902B4}" dt="2024-08-26T19:58:45.279" v="1225"/>
-          <ac:spMkLst>
-            <pc:docMk/>
-            <pc:sldMk cId="519334091" sldId="431"/>
-            <ac:spMk id="8" creationId="{00000000-0000-0000-0000-000000000000}"/>
-          </ac:spMkLst>
-        </pc:spChg>
-        <pc:spChg chg="mod">
-          <ac:chgData name="Pablo Esteban Gutiérrez-Fonseca (he/him)" userId="25bdc618-995f-415b-9b28-31563f05eb38" providerId="ADAL" clId="{3B6BBC6A-93EF-4294-BF97-849CFD8902B4}" dt="2024-08-26T19:58:45.279" v="1225"/>
-          <ac:spMkLst>
-            <pc:docMk/>
-            <pc:sldMk cId="519334091" sldId="431"/>
-            <ac:spMk id="9" creationId="{00000000-0000-0000-0000-000000000000}"/>
-          </ac:spMkLst>
-        </pc:spChg>
-        <pc:spChg chg="mod">
-          <ac:chgData name="Pablo Esteban Gutiérrez-Fonseca (he/him)" userId="25bdc618-995f-415b-9b28-31563f05eb38" providerId="ADAL" clId="{3B6BBC6A-93EF-4294-BF97-849CFD8902B4}" dt="2024-08-26T19:58:45.279" v="1225"/>
-          <ac:spMkLst>
-            <pc:docMk/>
-            <pc:sldMk cId="519334091" sldId="431"/>
-            <ac:spMk id="10" creationId="{00000000-0000-0000-0000-000000000000}"/>
-          </ac:spMkLst>
-        </pc:spChg>
-        <pc:spChg chg="mod">
-          <ac:chgData name="Pablo Esteban Gutiérrez-Fonseca (he/him)" userId="25bdc618-995f-415b-9b28-31563f05eb38" providerId="ADAL" clId="{3B6BBC6A-93EF-4294-BF97-849CFD8902B4}" dt="2024-08-26T19:58:45.279" v="1225"/>
-          <ac:spMkLst>
-            <pc:docMk/>
-            <pc:sldMk cId="519334091" sldId="431"/>
-            <ac:spMk id="11" creationId="{00000000-0000-0000-0000-000000000000}"/>
-          </ac:spMkLst>
-        </pc:spChg>
-        <pc:spChg chg="mod">
-          <ac:chgData name="Pablo Esteban Gutiérrez-Fonseca (he/him)" userId="25bdc618-995f-415b-9b28-31563f05eb38" providerId="ADAL" clId="{3B6BBC6A-93EF-4294-BF97-849CFD8902B4}" dt="2024-08-26T19:58:45.279" v="1225"/>
-          <ac:spMkLst>
-            <pc:docMk/>
-            <pc:sldMk cId="519334091" sldId="431"/>
-            <ac:spMk id="12" creationId="{00000000-0000-0000-0000-000000000000}"/>
-          </ac:spMkLst>
-        </pc:spChg>
-        <pc:spChg chg="mod">
-          <ac:chgData name="Pablo Esteban Gutiérrez-Fonseca (he/him)" userId="25bdc618-995f-415b-9b28-31563f05eb38" providerId="ADAL" clId="{3B6BBC6A-93EF-4294-BF97-849CFD8902B4}" dt="2024-08-26T19:58:45.279" v="1225"/>
-          <ac:spMkLst>
-            <pc:docMk/>
-            <pc:sldMk cId="519334091" sldId="431"/>
-            <ac:spMk id="13" creationId="{00000000-0000-0000-0000-000000000000}"/>
-          </ac:spMkLst>
-        </pc:spChg>
-        <pc:picChg chg="mod">
-          <ac:chgData name="Pablo Esteban Gutiérrez-Fonseca (he/him)" userId="25bdc618-995f-415b-9b28-31563f05eb38" providerId="ADAL" clId="{3B6BBC6A-93EF-4294-BF97-849CFD8902B4}" dt="2024-08-26T19:58:45.279" v="1225"/>
-          <ac:picMkLst>
-            <pc:docMk/>
-            <pc:sldMk cId="519334091" sldId="431"/>
-            <ac:picMk id="6" creationId="{00000000-0000-0000-0000-000000000000}"/>
-          </ac:picMkLst>
-        </pc:picChg>
       </pc:sldChg>
       <pc:sldChg chg="modSp del mod">
         <pc:chgData name="Pablo Esteban Gutiérrez-Fonseca (he/him)" userId="25bdc618-995f-415b-9b28-31563f05eb38" providerId="ADAL" clId="{3B6BBC6A-93EF-4294-BF97-849CFD8902B4}" dt="2024-08-26T15:26:12.808" v="700" actId="47"/>
@@ -1320,30 +423,6 @@
           <pc:docMk/>
           <pc:sldMk cId="843576651" sldId="432"/>
         </pc:sldMkLst>
-        <pc:spChg chg="mod">
-          <ac:chgData name="Pablo Esteban Gutiérrez-Fonseca (he/him)" userId="25bdc618-995f-415b-9b28-31563f05eb38" providerId="ADAL" clId="{3B6BBC6A-93EF-4294-BF97-849CFD8902B4}" dt="2024-08-26T15:25:47.242" v="689" actId="21"/>
-          <ac:spMkLst>
-            <pc:docMk/>
-            <pc:sldMk cId="843576651" sldId="432"/>
-            <ac:spMk id="8" creationId="{00000000-0000-0000-0000-000000000000}"/>
-          </ac:spMkLst>
-        </pc:spChg>
-        <pc:spChg chg="mod">
-          <ac:chgData name="Pablo Esteban Gutiérrez-Fonseca (he/him)" userId="25bdc618-995f-415b-9b28-31563f05eb38" providerId="ADAL" clId="{3B6BBC6A-93EF-4294-BF97-849CFD8902B4}" dt="2024-08-26T13:43:25.371" v="0"/>
-          <ac:spMkLst>
-            <pc:docMk/>
-            <pc:sldMk cId="843576651" sldId="432"/>
-            <ac:spMk id="8194" creationId="{00000000-0000-0000-0000-000000000000}"/>
-          </ac:spMkLst>
-        </pc:spChg>
-        <pc:spChg chg="mod">
-          <ac:chgData name="Pablo Esteban Gutiérrez-Fonseca (he/him)" userId="25bdc618-995f-415b-9b28-31563f05eb38" providerId="ADAL" clId="{3B6BBC6A-93EF-4294-BF97-849CFD8902B4}" dt="2024-08-26T13:43:25.371" v="0"/>
-          <ac:spMkLst>
-            <pc:docMk/>
-            <pc:sldMk cId="843576651" sldId="432"/>
-            <ac:spMk id="8195" creationId="{00000000-0000-0000-0000-000000000000}"/>
-          </ac:spMkLst>
-        </pc:spChg>
       </pc:sldChg>
       <pc:sldChg chg="delSp modSp del mod">
         <pc:chgData name="Pablo Esteban Gutiérrez-Fonseca (he/him)" userId="25bdc618-995f-415b-9b28-31563f05eb38" providerId="ADAL" clId="{3B6BBC6A-93EF-4294-BF97-849CFD8902B4}" dt="2024-08-26T15:15:34.834" v="447" actId="47"/>
@@ -1351,46 +430,6 @@
           <pc:docMk/>
           <pc:sldMk cId="2290218988" sldId="433"/>
         </pc:sldMkLst>
-        <pc:spChg chg="mod">
-          <ac:chgData name="Pablo Esteban Gutiérrez-Fonseca (he/him)" userId="25bdc618-995f-415b-9b28-31563f05eb38" providerId="ADAL" clId="{3B6BBC6A-93EF-4294-BF97-849CFD8902B4}" dt="2024-08-26T13:43:25.497" v="4" actId="27636"/>
-          <ac:spMkLst>
-            <pc:docMk/>
-            <pc:sldMk cId="2290218988" sldId="433"/>
-            <ac:spMk id="30722" creationId="{00000000-0000-0000-0000-000000000000}"/>
-          </ac:spMkLst>
-        </pc:spChg>
-        <pc:spChg chg="del">
-          <ac:chgData name="Pablo Esteban Gutiérrez-Fonseca (he/him)" userId="25bdc618-995f-415b-9b28-31563f05eb38" providerId="ADAL" clId="{3B6BBC6A-93EF-4294-BF97-849CFD8902B4}" dt="2024-08-26T15:15:20.724" v="443" actId="21"/>
-          <ac:spMkLst>
-            <pc:docMk/>
-            <pc:sldMk cId="2290218988" sldId="433"/>
-            <ac:spMk id="62471" creationId="{00000000-0000-0000-0000-000000000000}"/>
-          </ac:spMkLst>
-        </pc:spChg>
-        <pc:picChg chg="del">
-          <ac:chgData name="Pablo Esteban Gutiérrez-Fonseca (he/him)" userId="25bdc618-995f-415b-9b28-31563f05eb38" providerId="ADAL" clId="{3B6BBC6A-93EF-4294-BF97-849CFD8902B4}" dt="2024-08-26T15:15:20.724" v="443" actId="21"/>
-          <ac:picMkLst>
-            <pc:docMk/>
-            <pc:sldMk cId="2290218988" sldId="433"/>
-            <ac:picMk id="11" creationId="{A755E9EA-568B-8142-8C37-A49B5D87FE0B}"/>
-          </ac:picMkLst>
-        </pc:picChg>
-        <pc:picChg chg="del">
-          <ac:chgData name="Pablo Esteban Gutiérrez-Fonseca (he/him)" userId="25bdc618-995f-415b-9b28-31563f05eb38" providerId="ADAL" clId="{3B6BBC6A-93EF-4294-BF97-849CFD8902B4}" dt="2024-08-26T15:15:20.724" v="443" actId="21"/>
-          <ac:picMkLst>
-            <pc:docMk/>
-            <pc:sldMk cId="2290218988" sldId="433"/>
-            <ac:picMk id="12" creationId="{7EA11059-4AF6-574F-B484-DB9D36EE7AE5}"/>
-          </ac:picMkLst>
-        </pc:picChg>
-        <pc:picChg chg="del">
-          <ac:chgData name="Pablo Esteban Gutiérrez-Fonseca (he/him)" userId="25bdc618-995f-415b-9b28-31563f05eb38" providerId="ADAL" clId="{3B6BBC6A-93EF-4294-BF97-849CFD8902B4}" dt="2024-08-26T15:15:20.724" v="443" actId="21"/>
-          <ac:picMkLst>
-            <pc:docMk/>
-            <pc:sldMk cId="2290218988" sldId="433"/>
-            <ac:picMk id="13" creationId="{AEBC3A03-9254-AA4D-B2E4-1A7A98BFFDBB}"/>
-          </ac:picMkLst>
-        </pc:picChg>
       </pc:sldChg>
       <pc:sldChg chg="addSp delSp modSp mod modClrScheme chgLayout modNotes">
         <pc:chgData name="Pablo Esteban Gutiérrez-Fonseca (he/him)" userId="25bdc618-995f-415b-9b28-31563f05eb38" providerId="ADAL" clId="{3B6BBC6A-93EF-4294-BF97-849CFD8902B4}" dt="2024-08-26T20:49:08.637" v="1462" actId="1076"/>
@@ -1398,94 +437,6 @@
           <pc:docMk/>
           <pc:sldMk cId="79022222" sldId="434"/>
         </pc:sldMkLst>
-        <pc:spChg chg="mod ord">
-          <ac:chgData name="Pablo Esteban Gutiérrez-Fonseca (he/him)" userId="25bdc618-995f-415b-9b28-31563f05eb38" providerId="ADAL" clId="{3B6BBC6A-93EF-4294-BF97-849CFD8902B4}" dt="2024-08-26T20:48:46.977" v="1457" actId="108"/>
-          <ac:spMkLst>
-            <pc:docMk/>
-            <pc:sldMk cId="79022222" sldId="434"/>
-            <ac:spMk id="2" creationId="{00000000-0000-0000-0000-000000000000}"/>
-          </ac:spMkLst>
-        </pc:spChg>
-        <pc:spChg chg="add del mod ord">
-          <ac:chgData name="Pablo Esteban Gutiérrez-Fonseca (he/him)" userId="25bdc618-995f-415b-9b28-31563f05eb38" providerId="ADAL" clId="{3B6BBC6A-93EF-4294-BF97-849CFD8902B4}" dt="2024-08-26T20:48:38.269" v="1455" actId="478"/>
-          <ac:spMkLst>
-            <pc:docMk/>
-            <pc:sldMk cId="79022222" sldId="434"/>
-            <ac:spMk id="3" creationId="{D34F25D1-E3C4-4B6D-0D40-5B31F5CA7661}"/>
-          </ac:spMkLst>
-        </pc:spChg>
-        <pc:spChg chg="mod">
-          <ac:chgData name="Pablo Esteban Gutiérrez-Fonseca (he/him)" userId="25bdc618-995f-415b-9b28-31563f05eb38" providerId="ADAL" clId="{3B6BBC6A-93EF-4294-BF97-849CFD8902B4}" dt="2024-08-26T20:49:08.637" v="1462" actId="1076"/>
-          <ac:spMkLst>
-            <pc:docMk/>
-            <pc:sldMk cId="79022222" sldId="434"/>
-            <ac:spMk id="7" creationId="{00000000-0000-0000-0000-000000000000}"/>
-          </ac:spMkLst>
-        </pc:spChg>
-        <pc:spChg chg="mod">
-          <ac:chgData name="Pablo Esteban Gutiérrez-Fonseca (he/him)" userId="25bdc618-995f-415b-9b28-31563f05eb38" providerId="ADAL" clId="{3B6BBC6A-93EF-4294-BF97-849CFD8902B4}" dt="2024-08-26T20:49:08.637" v="1462" actId="1076"/>
-          <ac:spMkLst>
-            <pc:docMk/>
-            <pc:sldMk cId="79022222" sldId="434"/>
-            <ac:spMk id="8" creationId="{00000000-0000-0000-0000-000000000000}"/>
-          </ac:spMkLst>
-        </pc:spChg>
-        <pc:spChg chg="mod">
-          <ac:chgData name="Pablo Esteban Gutiérrez-Fonseca (he/him)" userId="25bdc618-995f-415b-9b28-31563f05eb38" providerId="ADAL" clId="{3B6BBC6A-93EF-4294-BF97-849CFD8902B4}" dt="2024-08-26T20:49:08.637" v="1462" actId="1076"/>
-          <ac:spMkLst>
-            <pc:docMk/>
-            <pc:sldMk cId="79022222" sldId="434"/>
-            <ac:spMk id="9" creationId="{00000000-0000-0000-0000-000000000000}"/>
-          </ac:spMkLst>
-        </pc:spChg>
-        <pc:spChg chg="mod">
-          <ac:chgData name="Pablo Esteban Gutiérrez-Fonseca (he/him)" userId="25bdc618-995f-415b-9b28-31563f05eb38" providerId="ADAL" clId="{3B6BBC6A-93EF-4294-BF97-849CFD8902B4}" dt="2024-08-26T20:49:08.637" v="1462" actId="1076"/>
-          <ac:spMkLst>
-            <pc:docMk/>
-            <pc:sldMk cId="79022222" sldId="434"/>
-            <ac:spMk id="10" creationId="{00000000-0000-0000-0000-000000000000}"/>
-          </ac:spMkLst>
-        </pc:spChg>
-        <pc:spChg chg="mod">
-          <ac:chgData name="Pablo Esteban Gutiérrez-Fonseca (he/him)" userId="25bdc618-995f-415b-9b28-31563f05eb38" providerId="ADAL" clId="{3B6BBC6A-93EF-4294-BF97-849CFD8902B4}" dt="2024-08-26T20:49:08.637" v="1462" actId="1076"/>
-          <ac:spMkLst>
-            <pc:docMk/>
-            <pc:sldMk cId="79022222" sldId="434"/>
-            <ac:spMk id="11" creationId="{00000000-0000-0000-0000-000000000000}"/>
-          </ac:spMkLst>
-        </pc:spChg>
-        <pc:spChg chg="mod">
-          <ac:chgData name="Pablo Esteban Gutiérrez-Fonseca (he/him)" userId="25bdc618-995f-415b-9b28-31563f05eb38" providerId="ADAL" clId="{3B6BBC6A-93EF-4294-BF97-849CFD8902B4}" dt="2024-08-26T20:49:08.637" v="1462" actId="1076"/>
-          <ac:spMkLst>
-            <pc:docMk/>
-            <pc:sldMk cId="79022222" sldId="434"/>
-            <ac:spMk id="12" creationId="{00000000-0000-0000-0000-000000000000}"/>
-          </ac:spMkLst>
-        </pc:spChg>
-        <pc:spChg chg="mod">
-          <ac:chgData name="Pablo Esteban Gutiérrez-Fonseca (he/him)" userId="25bdc618-995f-415b-9b28-31563f05eb38" providerId="ADAL" clId="{3B6BBC6A-93EF-4294-BF97-849CFD8902B4}" dt="2024-08-26T20:49:08.637" v="1462" actId="1076"/>
-          <ac:spMkLst>
-            <pc:docMk/>
-            <pc:sldMk cId="79022222" sldId="434"/>
-            <ac:spMk id="13" creationId="{00000000-0000-0000-0000-000000000000}"/>
-          </ac:spMkLst>
-        </pc:spChg>
-        <pc:picChg chg="mod">
-          <ac:chgData name="Pablo Esteban Gutiérrez-Fonseca (he/him)" userId="25bdc618-995f-415b-9b28-31563f05eb38" providerId="ADAL" clId="{3B6BBC6A-93EF-4294-BF97-849CFD8902B4}" dt="2024-08-26T20:48:49.652" v="1458" actId="1076"/>
-          <ac:picMkLst>
-            <pc:docMk/>
-            <pc:sldMk cId="79022222" sldId="434"/>
-            <ac:picMk id="6" creationId="{650A53BC-904F-D793-DEF3-752D9BD3DFE3}"/>
-          </ac:picMkLst>
-        </pc:picChg>
-        <pc:picChg chg="mod">
-          <ac:chgData name="Pablo Esteban Gutiérrez-Fonseca (he/him)" userId="25bdc618-995f-415b-9b28-31563f05eb38" providerId="ADAL" clId="{3B6BBC6A-93EF-4294-BF97-849CFD8902B4}" dt="2024-08-26T20:48:59.832" v="1461" actId="1076"/>
-          <ac:picMkLst>
-            <pc:docMk/>
-            <pc:sldMk cId="79022222" sldId="434"/>
-            <ac:picMk id="14" creationId="{EB38E2E7-D5AA-57BF-F0FC-95D3E7639427}"/>
-          </ac:picMkLst>
-        </pc:picChg>
       </pc:sldChg>
       <pc:sldChg chg="addSp delSp modSp mod modClrScheme chgLayout modNotes">
         <pc:chgData name="Pablo Esteban Gutiérrez-Fonseca (he/him)" userId="25bdc618-995f-415b-9b28-31563f05eb38" providerId="ADAL" clId="{3B6BBC6A-93EF-4294-BF97-849CFD8902B4}" dt="2024-08-26T20:48:43.750" v="1456" actId="108"/>
@@ -1493,102 +444,6 @@
           <pc:docMk/>
           <pc:sldMk cId="4033477927" sldId="435"/>
         </pc:sldMkLst>
-        <pc:spChg chg="mod ord">
-          <ac:chgData name="Pablo Esteban Gutiérrez-Fonseca (he/him)" userId="25bdc618-995f-415b-9b28-31563f05eb38" providerId="ADAL" clId="{3B6BBC6A-93EF-4294-BF97-849CFD8902B4}" dt="2024-08-26T20:48:43.750" v="1456" actId="108"/>
-          <ac:spMkLst>
-            <pc:docMk/>
-            <pc:sldMk cId="4033477927" sldId="435"/>
-            <ac:spMk id="2" creationId="{00000000-0000-0000-0000-000000000000}"/>
-          </ac:spMkLst>
-        </pc:spChg>
-        <pc:spChg chg="add del mod ord">
-          <ac:chgData name="Pablo Esteban Gutiérrez-Fonseca (he/him)" userId="25bdc618-995f-415b-9b28-31563f05eb38" providerId="ADAL" clId="{3B6BBC6A-93EF-4294-BF97-849CFD8902B4}" dt="2024-08-26T20:47:43.966" v="1431" actId="478"/>
-          <ac:spMkLst>
-            <pc:docMk/>
-            <pc:sldMk cId="4033477927" sldId="435"/>
-            <ac:spMk id="3" creationId="{F4CC395A-403F-A6C7-2380-B0670605057A}"/>
-          </ac:spMkLst>
-        </pc:spChg>
-        <pc:spChg chg="del mod">
-          <ac:chgData name="Pablo Esteban Gutiérrez-Fonseca (he/him)" userId="25bdc618-995f-415b-9b28-31563f05eb38" providerId="ADAL" clId="{3B6BBC6A-93EF-4294-BF97-849CFD8902B4}" dt="2024-08-26T20:48:15.514" v="1450"/>
-          <ac:spMkLst>
-            <pc:docMk/>
-            <pc:sldMk cId="4033477927" sldId="435"/>
-            <ac:spMk id="4" creationId="{00000000-0000-0000-0000-000000000000}"/>
-          </ac:spMkLst>
-        </pc:spChg>
-        <pc:spChg chg="add mod ord">
-          <ac:chgData name="Pablo Esteban Gutiérrez-Fonseca (he/him)" userId="25bdc618-995f-415b-9b28-31563f05eb38" providerId="ADAL" clId="{3B6BBC6A-93EF-4294-BF97-849CFD8902B4}" dt="2024-08-26T20:48:25.649" v="1453" actId="27636"/>
-          <ac:spMkLst>
-            <pc:docMk/>
-            <pc:sldMk cId="4033477927" sldId="435"/>
-            <ac:spMk id="5" creationId="{62AFE2B5-6A3A-FBDA-E679-4493DE42264D}"/>
-          </ac:spMkLst>
-        </pc:spChg>
-        <pc:spChg chg="mod">
-          <ac:chgData name="Pablo Esteban Gutiérrez-Fonseca (he/him)" userId="25bdc618-995f-415b-9b28-31563f05eb38" providerId="ADAL" clId="{3B6BBC6A-93EF-4294-BF97-849CFD8902B4}" dt="2024-08-26T20:48:22.302" v="1451" actId="1076"/>
-          <ac:spMkLst>
-            <pc:docMk/>
-            <pc:sldMk cId="4033477927" sldId="435"/>
-            <ac:spMk id="7" creationId="{00000000-0000-0000-0000-000000000000}"/>
-          </ac:spMkLst>
-        </pc:spChg>
-        <pc:spChg chg="mod">
-          <ac:chgData name="Pablo Esteban Gutiérrez-Fonseca (he/him)" userId="25bdc618-995f-415b-9b28-31563f05eb38" providerId="ADAL" clId="{3B6BBC6A-93EF-4294-BF97-849CFD8902B4}" dt="2024-08-26T20:48:22.302" v="1451" actId="1076"/>
-          <ac:spMkLst>
-            <pc:docMk/>
-            <pc:sldMk cId="4033477927" sldId="435"/>
-            <ac:spMk id="8" creationId="{00000000-0000-0000-0000-000000000000}"/>
-          </ac:spMkLst>
-        </pc:spChg>
-        <pc:spChg chg="mod">
-          <ac:chgData name="Pablo Esteban Gutiérrez-Fonseca (he/him)" userId="25bdc618-995f-415b-9b28-31563f05eb38" providerId="ADAL" clId="{3B6BBC6A-93EF-4294-BF97-849CFD8902B4}" dt="2024-08-26T20:48:22.302" v="1451" actId="1076"/>
-          <ac:spMkLst>
-            <pc:docMk/>
-            <pc:sldMk cId="4033477927" sldId="435"/>
-            <ac:spMk id="9" creationId="{00000000-0000-0000-0000-000000000000}"/>
-          </ac:spMkLst>
-        </pc:spChg>
-        <pc:spChg chg="mod">
-          <ac:chgData name="Pablo Esteban Gutiérrez-Fonseca (he/him)" userId="25bdc618-995f-415b-9b28-31563f05eb38" providerId="ADAL" clId="{3B6BBC6A-93EF-4294-BF97-849CFD8902B4}" dt="2024-08-26T20:48:22.302" v="1451" actId="1076"/>
-          <ac:spMkLst>
-            <pc:docMk/>
-            <pc:sldMk cId="4033477927" sldId="435"/>
-            <ac:spMk id="10" creationId="{00000000-0000-0000-0000-000000000000}"/>
-          </ac:spMkLst>
-        </pc:spChg>
-        <pc:spChg chg="mod">
-          <ac:chgData name="Pablo Esteban Gutiérrez-Fonseca (he/him)" userId="25bdc618-995f-415b-9b28-31563f05eb38" providerId="ADAL" clId="{3B6BBC6A-93EF-4294-BF97-849CFD8902B4}" dt="2024-08-26T20:48:22.302" v="1451" actId="1076"/>
-          <ac:spMkLst>
-            <pc:docMk/>
-            <pc:sldMk cId="4033477927" sldId="435"/>
-            <ac:spMk id="11" creationId="{00000000-0000-0000-0000-000000000000}"/>
-          </ac:spMkLst>
-        </pc:spChg>
-        <pc:spChg chg="mod">
-          <ac:chgData name="Pablo Esteban Gutiérrez-Fonseca (he/him)" userId="25bdc618-995f-415b-9b28-31563f05eb38" providerId="ADAL" clId="{3B6BBC6A-93EF-4294-BF97-849CFD8902B4}" dt="2024-08-26T20:48:22.302" v="1451" actId="1076"/>
-          <ac:spMkLst>
-            <pc:docMk/>
-            <pc:sldMk cId="4033477927" sldId="435"/>
-            <ac:spMk id="12" creationId="{00000000-0000-0000-0000-000000000000}"/>
-          </ac:spMkLst>
-        </pc:spChg>
-        <pc:spChg chg="mod">
-          <ac:chgData name="Pablo Esteban Gutiérrez-Fonseca (he/him)" userId="25bdc618-995f-415b-9b28-31563f05eb38" providerId="ADAL" clId="{3B6BBC6A-93EF-4294-BF97-849CFD8902B4}" dt="2024-08-26T20:48:22.302" v="1451" actId="1076"/>
-          <ac:spMkLst>
-            <pc:docMk/>
-            <pc:sldMk cId="4033477927" sldId="435"/>
-            <ac:spMk id="13" creationId="{00000000-0000-0000-0000-000000000000}"/>
-          </ac:spMkLst>
-        </pc:spChg>
-        <pc:picChg chg="mod">
-          <ac:chgData name="Pablo Esteban Gutiérrez-Fonseca (he/him)" userId="25bdc618-995f-415b-9b28-31563f05eb38" providerId="ADAL" clId="{3B6BBC6A-93EF-4294-BF97-849CFD8902B4}" dt="2024-08-26T20:47:40.671" v="1430" actId="1076"/>
-          <ac:picMkLst>
-            <pc:docMk/>
-            <pc:sldMk cId="4033477927" sldId="435"/>
-            <ac:picMk id="1026" creationId="{061A6EDB-C61A-B892-6B1A-B2D62D2139EA}"/>
-          </ac:picMkLst>
-        </pc:picChg>
       </pc:sldChg>
       <pc:sldChg chg="new del ord">
         <pc:chgData name="Pablo Esteban Gutiérrez-Fonseca (he/him)" userId="25bdc618-995f-415b-9b28-31563f05eb38" providerId="ADAL" clId="{3B6BBC6A-93EF-4294-BF97-849CFD8902B4}" dt="2024-08-26T13:49:28.479" v="33" actId="47"/>
@@ -1603,22 +458,6 @@
           <pc:docMk/>
           <pc:sldMk cId="3118642562" sldId="436"/>
         </pc:sldMkLst>
-        <pc:spChg chg="mod">
-          <ac:chgData name="Pablo Esteban Gutiérrez-Fonseca (he/him)" userId="25bdc618-995f-415b-9b28-31563f05eb38" providerId="ADAL" clId="{3B6BBC6A-93EF-4294-BF97-849CFD8902B4}" dt="2024-08-26T20:01:08.352" v="1237" actId="404"/>
-          <ac:spMkLst>
-            <pc:docMk/>
-            <pc:sldMk cId="3118642562" sldId="436"/>
-            <ac:spMk id="2" creationId="{7B56D355-804A-B2C3-2CC1-0C2CD9D34834}"/>
-          </ac:spMkLst>
-        </pc:spChg>
-        <pc:spChg chg="mod">
-          <ac:chgData name="Pablo Esteban Gutiérrez-Fonseca (he/him)" userId="25bdc618-995f-415b-9b28-31563f05eb38" providerId="ADAL" clId="{3B6BBC6A-93EF-4294-BF97-849CFD8902B4}" dt="2024-08-26T19:58:45.279" v="1225"/>
-          <ac:spMkLst>
-            <pc:docMk/>
-            <pc:sldMk cId="3118642562" sldId="436"/>
-            <ac:spMk id="3" creationId="{8C905608-2241-E8C6-DA67-BBB0F7C151A0}"/>
-          </ac:spMkLst>
-        </pc:spChg>
       </pc:sldChg>
       <pc:sldChg chg="addSp delSp modSp add mod delAnim modAnim chgLayout modNotes modNotesTx">
         <pc:chgData name="Pablo Esteban Gutiérrez-Fonseca (he/him)" userId="25bdc618-995f-415b-9b28-31563f05eb38" providerId="ADAL" clId="{3B6BBC6A-93EF-4294-BF97-849CFD8902B4}" dt="2024-08-27T13:20:30.787" v="1540" actId="15"/>
@@ -1626,54 +465,6 @@
           <pc:docMk/>
           <pc:sldMk cId="4026361080" sldId="437"/>
         </pc:sldMkLst>
-        <pc:spChg chg="mod ord">
-          <ac:chgData name="Pablo Esteban Gutiérrez-Fonseca (he/him)" userId="25bdc618-995f-415b-9b28-31563f05eb38" providerId="ADAL" clId="{3B6BBC6A-93EF-4294-BF97-849CFD8902B4}" dt="2024-08-27T13:19:22.501" v="1528" actId="20577"/>
-          <ac:spMkLst>
-            <pc:docMk/>
-            <pc:sldMk cId="4026361080" sldId="437"/>
-            <ac:spMk id="2" creationId="{7B56D355-804A-B2C3-2CC1-0C2CD9D34834}"/>
-          </ac:spMkLst>
-        </pc:spChg>
-        <pc:spChg chg="mod ord">
-          <ac:chgData name="Pablo Esteban Gutiérrez-Fonseca (he/him)" userId="25bdc618-995f-415b-9b28-31563f05eb38" providerId="ADAL" clId="{3B6BBC6A-93EF-4294-BF97-849CFD8902B4}" dt="2024-08-27T13:20:30.787" v="1540" actId="15"/>
-          <ac:spMkLst>
-            <pc:docMk/>
-            <pc:sldMk cId="4026361080" sldId="437"/>
-            <ac:spMk id="3" creationId="{8C905608-2241-E8C6-DA67-BBB0F7C151A0}"/>
-          </ac:spMkLst>
-        </pc:spChg>
-        <pc:spChg chg="add del mod">
-          <ac:chgData name="Pablo Esteban Gutiérrez-Fonseca (he/him)" userId="25bdc618-995f-415b-9b28-31563f05eb38" providerId="ADAL" clId="{3B6BBC6A-93EF-4294-BF97-849CFD8902B4}" dt="2024-08-27T13:20:20.706" v="1536" actId="478"/>
-          <ac:spMkLst>
-            <pc:docMk/>
-            <pc:sldMk cId="4026361080" sldId="437"/>
-            <ac:spMk id="5" creationId="{BA90FBAA-588F-35E8-AC15-3299A15B195C}"/>
-          </ac:spMkLst>
-        </pc:spChg>
-        <pc:spChg chg="add del mod">
-          <ac:chgData name="Pablo Esteban Gutiérrez-Fonseca (he/him)" userId="25bdc618-995f-415b-9b28-31563f05eb38" providerId="ADAL" clId="{3B6BBC6A-93EF-4294-BF97-849CFD8902B4}" dt="2024-08-27T13:20:15.777" v="1534"/>
-          <ac:spMkLst>
-            <pc:docMk/>
-            <pc:sldMk cId="4026361080" sldId="437"/>
-            <ac:spMk id="8" creationId="{181EA7AC-2F0E-E545-89AA-2A0A5927281C}"/>
-          </ac:spMkLst>
-        </pc:spChg>
-        <pc:picChg chg="add mod">
-          <ac:chgData name="Pablo Esteban Gutiérrez-Fonseca (he/him)" userId="25bdc618-995f-415b-9b28-31563f05eb38" providerId="ADAL" clId="{3B6BBC6A-93EF-4294-BF97-849CFD8902B4}" dt="2024-08-26T19:58:45.279" v="1225"/>
-          <ac:picMkLst>
-            <pc:docMk/>
-            <pc:sldMk cId="4026361080" sldId="437"/>
-            <ac:picMk id="4" creationId="{47FAB2E5-9129-A90B-E35D-C0FDA47C597C}"/>
-          </ac:picMkLst>
-        </pc:picChg>
-        <pc:picChg chg="add del mod">
-          <ac:chgData name="Pablo Esteban Gutiérrez-Fonseca (he/him)" userId="25bdc618-995f-415b-9b28-31563f05eb38" providerId="ADAL" clId="{3B6BBC6A-93EF-4294-BF97-849CFD8902B4}" dt="2024-08-27T13:20:20.706" v="1536" actId="478"/>
-          <ac:picMkLst>
-            <pc:docMk/>
-            <pc:sldMk cId="4026361080" sldId="437"/>
-            <ac:picMk id="7" creationId="{D718BC17-DB85-648F-7FCC-363F5018E957}"/>
-          </ac:picMkLst>
-        </pc:picChg>
       </pc:sldChg>
       <pc:sldChg chg="addSp delSp modSp add mod modAnim chgLayout modNotes">
         <pc:chgData name="Pablo Esteban Gutiérrez-Fonseca (he/him)" userId="25bdc618-995f-415b-9b28-31563f05eb38" providerId="ADAL" clId="{3B6BBC6A-93EF-4294-BF97-849CFD8902B4}" dt="2024-08-26T20:03:46.407" v="1245" actId="404"/>
@@ -1681,46 +472,6 @@
           <pc:docMk/>
           <pc:sldMk cId="3903309362" sldId="438"/>
         </pc:sldMkLst>
-        <pc:spChg chg="mod ord">
-          <ac:chgData name="Pablo Esteban Gutiérrez-Fonseca (he/him)" userId="25bdc618-995f-415b-9b28-31563f05eb38" providerId="ADAL" clId="{3B6BBC6A-93EF-4294-BF97-849CFD8902B4}" dt="2024-08-26T20:03:46.407" v="1245" actId="404"/>
-          <ac:spMkLst>
-            <pc:docMk/>
-            <pc:sldMk cId="3903309362" sldId="438"/>
-            <ac:spMk id="2" creationId="{7B56D355-804A-B2C3-2CC1-0C2CD9D34834}"/>
-          </ac:spMkLst>
-        </pc:spChg>
-        <pc:spChg chg="mod ord">
-          <ac:chgData name="Pablo Esteban Gutiérrez-Fonseca (he/him)" userId="25bdc618-995f-415b-9b28-31563f05eb38" providerId="ADAL" clId="{3B6BBC6A-93EF-4294-BF97-849CFD8902B4}" dt="2024-08-26T20:03:42.697" v="1243" actId="14100"/>
-          <ac:spMkLst>
-            <pc:docMk/>
-            <pc:sldMk cId="3903309362" sldId="438"/>
-            <ac:spMk id="3" creationId="{8C905608-2241-E8C6-DA67-BBB0F7C151A0}"/>
-          </ac:spMkLst>
-        </pc:spChg>
-        <pc:picChg chg="del">
-          <ac:chgData name="Pablo Esteban Gutiérrez-Fonseca (he/him)" userId="25bdc618-995f-415b-9b28-31563f05eb38" providerId="ADAL" clId="{3B6BBC6A-93EF-4294-BF97-849CFD8902B4}" dt="2024-08-26T15:07:44.046" v="270" actId="478"/>
-          <ac:picMkLst>
-            <pc:docMk/>
-            <pc:sldMk cId="3903309362" sldId="438"/>
-            <ac:picMk id="4" creationId="{47FAB2E5-9129-A90B-E35D-C0FDA47C597C}"/>
-          </ac:picMkLst>
-        </pc:picChg>
-        <pc:picChg chg="add mod">
-          <ac:chgData name="Pablo Esteban Gutiérrez-Fonseca (he/him)" userId="25bdc618-995f-415b-9b28-31563f05eb38" providerId="ADAL" clId="{3B6BBC6A-93EF-4294-BF97-849CFD8902B4}" dt="2024-08-26T19:58:45.279" v="1225"/>
-          <ac:picMkLst>
-            <pc:docMk/>
-            <pc:sldMk cId="3903309362" sldId="438"/>
-            <ac:picMk id="5" creationId="{482F9DD6-E25C-C6DD-4091-2AD4B0A5FE73}"/>
-          </ac:picMkLst>
-        </pc:picChg>
-        <pc:picChg chg="add mod">
-          <ac:chgData name="Pablo Esteban Gutiérrez-Fonseca (he/him)" userId="25bdc618-995f-415b-9b28-31563f05eb38" providerId="ADAL" clId="{3B6BBC6A-93EF-4294-BF97-849CFD8902B4}" dt="2024-08-26T19:58:45.279" v="1225"/>
-          <ac:picMkLst>
-            <pc:docMk/>
-            <pc:sldMk cId="3903309362" sldId="438"/>
-            <ac:picMk id="6" creationId="{06305DA5-F876-5999-5381-8AD2E33DBA29}"/>
-          </ac:picMkLst>
-        </pc:picChg>
       </pc:sldChg>
       <pc:sldChg chg="addSp modSp new mod ord chgLayout">
         <pc:chgData name="Pablo Esteban Gutiérrez-Fonseca (he/him)" userId="25bdc618-995f-415b-9b28-31563f05eb38" providerId="ADAL" clId="{3B6BBC6A-93EF-4294-BF97-849CFD8902B4}" dt="2024-08-26T20:06:55.891" v="1261" actId="1076"/>
@@ -1728,30 +479,6 @@
           <pc:docMk/>
           <pc:sldMk cId="3164707361" sldId="439"/>
         </pc:sldMkLst>
-        <pc:spChg chg="mod ord">
-          <ac:chgData name="Pablo Esteban Gutiérrez-Fonseca (he/him)" userId="25bdc618-995f-415b-9b28-31563f05eb38" providerId="ADAL" clId="{3B6BBC6A-93EF-4294-BF97-849CFD8902B4}" dt="2024-08-26T20:06:51.070" v="1259" actId="700"/>
-          <ac:spMkLst>
-            <pc:docMk/>
-            <pc:sldMk cId="3164707361" sldId="439"/>
-            <ac:spMk id="2" creationId="{3FADDABE-31A5-9D6C-94F7-085F650E6A62}"/>
-          </ac:spMkLst>
-        </pc:spChg>
-        <pc:spChg chg="mod ord">
-          <ac:chgData name="Pablo Esteban Gutiérrez-Fonseca (he/him)" userId="25bdc618-995f-415b-9b28-31563f05eb38" providerId="ADAL" clId="{3B6BBC6A-93EF-4294-BF97-849CFD8902B4}" dt="2024-08-26T20:06:54.285" v="1260" actId="14100"/>
-          <ac:spMkLst>
-            <pc:docMk/>
-            <pc:sldMk cId="3164707361" sldId="439"/>
-            <ac:spMk id="3" creationId="{AACD5B01-19E6-C044-ECDE-EE6DF81C1CB0}"/>
-          </ac:spMkLst>
-        </pc:spChg>
-        <pc:picChg chg="add mod">
-          <ac:chgData name="Pablo Esteban Gutiérrez-Fonseca (he/him)" userId="25bdc618-995f-415b-9b28-31563f05eb38" providerId="ADAL" clId="{3B6BBC6A-93EF-4294-BF97-849CFD8902B4}" dt="2024-08-26T20:06:55.891" v="1261" actId="1076"/>
-          <ac:picMkLst>
-            <pc:docMk/>
-            <pc:sldMk cId="3164707361" sldId="439"/>
-            <ac:picMk id="29698" creationId="{00000000-0000-0000-0000-000000000000}"/>
-          </ac:picMkLst>
-        </pc:picChg>
       </pc:sldChg>
       <pc:sldChg chg="modSp new mod ord">
         <pc:chgData name="Pablo Esteban Gutiérrez-Fonseca (he/him)" userId="25bdc618-995f-415b-9b28-31563f05eb38" providerId="ADAL" clId="{3B6BBC6A-93EF-4294-BF97-849CFD8902B4}" dt="2024-08-26T20:06:40.903" v="1256" actId="404"/>
@@ -1759,22 +486,6 @@
           <pc:docMk/>
           <pc:sldMk cId="3483781951" sldId="440"/>
         </pc:sldMkLst>
-        <pc:spChg chg="mod">
-          <ac:chgData name="Pablo Esteban Gutiérrez-Fonseca (he/him)" userId="25bdc618-995f-415b-9b28-31563f05eb38" providerId="ADAL" clId="{3B6BBC6A-93EF-4294-BF97-849CFD8902B4}" dt="2024-08-26T20:06:40.903" v="1256" actId="404"/>
-          <ac:spMkLst>
-            <pc:docMk/>
-            <pc:sldMk cId="3483781951" sldId="440"/>
-            <ac:spMk id="2" creationId="{F356D314-C1F0-4EEF-718E-50F67E03AE7A}"/>
-          </ac:spMkLst>
-        </pc:spChg>
-        <pc:spChg chg="mod">
-          <ac:chgData name="Pablo Esteban Gutiérrez-Fonseca (he/him)" userId="25bdc618-995f-415b-9b28-31563f05eb38" providerId="ADAL" clId="{3B6BBC6A-93EF-4294-BF97-849CFD8902B4}" dt="2024-08-26T19:58:45.279" v="1225"/>
-          <ac:spMkLst>
-            <pc:docMk/>
-            <pc:sldMk cId="3483781951" sldId="440"/>
-            <ac:spMk id="3" creationId="{5EBAF4C8-0311-5CEA-05A0-A3742516408E}"/>
-          </ac:spMkLst>
-        </pc:spChg>
       </pc:sldChg>
       <pc:sldChg chg="modSp add mod">
         <pc:chgData name="Pablo Esteban Gutiérrez-Fonseca (he/him)" userId="25bdc618-995f-415b-9b28-31563f05eb38" providerId="ADAL" clId="{3B6BBC6A-93EF-4294-BF97-849CFD8902B4}" dt="2024-08-26T19:58:45.279" v="1225"/>
@@ -1782,22 +493,6 @@
           <pc:docMk/>
           <pc:sldMk cId="1484234173" sldId="441"/>
         </pc:sldMkLst>
-        <pc:spChg chg="mod">
-          <ac:chgData name="Pablo Esteban Gutiérrez-Fonseca (he/him)" userId="25bdc618-995f-415b-9b28-31563f05eb38" providerId="ADAL" clId="{3B6BBC6A-93EF-4294-BF97-849CFD8902B4}" dt="2024-08-26T19:58:45.279" v="1225"/>
-          <ac:spMkLst>
-            <pc:docMk/>
-            <pc:sldMk cId="1484234173" sldId="441"/>
-            <ac:spMk id="2" creationId="{F356D314-C1F0-4EEF-718E-50F67E03AE7A}"/>
-          </ac:spMkLst>
-        </pc:spChg>
-        <pc:spChg chg="mod">
-          <ac:chgData name="Pablo Esteban Gutiérrez-Fonseca (he/him)" userId="25bdc618-995f-415b-9b28-31563f05eb38" providerId="ADAL" clId="{3B6BBC6A-93EF-4294-BF97-849CFD8902B4}" dt="2024-08-26T19:58:45.279" v="1225"/>
-          <ac:spMkLst>
-            <pc:docMk/>
-            <pc:sldMk cId="1484234173" sldId="441"/>
-            <ac:spMk id="3" creationId="{5EBAF4C8-0311-5CEA-05A0-A3742516408E}"/>
-          </ac:spMkLst>
-        </pc:spChg>
       </pc:sldChg>
       <pc:sldChg chg="delSp modSp add mod modAnim chgLayout">
         <pc:chgData name="Pablo Esteban Gutiérrez-Fonseca (he/him)" userId="25bdc618-995f-415b-9b28-31563f05eb38" providerId="ADAL" clId="{3B6BBC6A-93EF-4294-BF97-849CFD8902B4}" dt="2024-08-26T20:07:27.259" v="1272" actId="404"/>
@@ -1805,30 +500,6 @@
           <pc:docMk/>
           <pc:sldMk cId="1763472112" sldId="442"/>
         </pc:sldMkLst>
-        <pc:spChg chg="mod ord">
-          <ac:chgData name="Pablo Esteban Gutiérrez-Fonseca (he/him)" userId="25bdc618-995f-415b-9b28-31563f05eb38" providerId="ADAL" clId="{3B6BBC6A-93EF-4294-BF97-849CFD8902B4}" dt="2024-08-26T20:07:27.259" v="1272" actId="404"/>
-          <ac:spMkLst>
-            <pc:docMk/>
-            <pc:sldMk cId="1763472112" sldId="442"/>
-            <ac:spMk id="2" creationId="{3FADDABE-31A5-9D6C-94F7-085F650E6A62}"/>
-          </ac:spMkLst>
-        </pc:spChg>
-        <pc:spChg chg="mod ord">
-          <ac:chgData name="Pablo Esteban Gutiérrez-Fonseca (he/him)" userId="25bdc618-995f-415b-9b28-31563f05eb38" providerId="ADAL" clId="{3B6BBC6A-93EF-4294-BF97-849CFD8902B4}" dt="2024-08-26T19:58:45.279" v="1225"/>
-          <ac:spMkLst>
-            <pc:docMk/>
-            <pc:sldMk cId="1763472112" sldId="442"/>
-            <ac:spMk id="3" creationId="{AACD5B01-19E6-C044-ECDE-EE6DF81C1CB0}"/>
-          </ac:spMkLst>
-        </pc:spChg>
-        <pc:picChg chg="del">
-          <ac:chgData name="Pablo Esteban Gutiérrez-Fonseca (he/him)" userId="25bdc618-995f-415b-9b28-31563f05eb38" providerId="ADAL" clId="{3B6BBC6A-93EF-4294-BF97-849CFD8902B4}" dt="2024-08-26T15:11:43.563" v="365" actId="478"/>
-          <ac:picMkLst>
-            <pc:docMk/>
-            <pc:sldMk cId="1763472112" sldId="442"/>
-            <ac:picMk id="29698" creationId="{00000000-0000-0000-0000-000000000000}"/>
-          </ac:picMkLst>
-        </pc:picChg>
       </pc:sldChg>
       <pc:sldChg chg="addSp delSp modSp add mod chgLayout">
         <pc:chgData name="Pablo Esteban Gutiérrez-Fonseca (he/him)" userId="25bdc618-995f-415b-9b28-31563f05eb38" providerId="ADAL" clId="{3B6BBC6A-93EF-4294-BF97-849CFD8902B4}" dt="2024-08-26T20:07:39.767" v="1275" actId="404"/>
@@ -1836,94 +507,6 @@
           <pc:docMk/>
           <pc:sldMk cId="266648250" sldId="443"/>
         </pc:sldMkLst>
-        <pc:spChg chg="mod ord">
-          <ac:chgData name="Pablo Esteban Gutiérrez-Fonseca (he/him)" userId="25bdc618-995f-415b-9b28-31563f05eb38" providerId="ADAL" clId="{3B6BBC6A-93EF-4294-BF97-849CFD8902B4}" dt="2024-08-26T20:07:39.767" v="1275" actId="404"/>
-          <ac:spMkLst>
-            <pc:docMk/>
-            <pc:sldMk cId="266648250" sldId="443"/>
-            <ac:spMk id="2" creationId="{3FADDABE-31A5-9D6C-94F7-085F650E6A62}"/>
-          </ac:spMkLst>
-        </pc:spChg>
-        <pc:spChg chg="del">
-          <ac:chgData name="Pablo Esteban Gutiérrez-Fonseca (he/him)" userId="25bdc618-995f-415b-9b28-31563f05eb38" providerId="ADAL" clId="{3B6BBC6A-93EF-4294-BF97-849CFD8902B4}" dt="2024-08-26T15:15:08.349" v="442" actId="478"/>
-          <ac:spMkLst>
-            <pc:docMk/>
-            <pc:sldMk cId="266648250" sldId="443"/>
-            <ac:spMk id="3" creationId="{AACD5B01-19E6-C044-ECDE-EE6DF81C1CB0}"/>
-          </ac:spMkLst>
-        </pc:spChg>
-        <pc:spChg chg="add del mod">
-          <ac:chgData name="Pablo Esteban Gutiérrez-Fonseca (he/him)" userId="25bdc618-995f-415b-9b28-31563f05eb38" providerId="ADAL" clId="{3B6BBC6A-93EF-4294-BF97-849CFD8902B4}" dt="2024-08-26T15:15:24.129" v="445" actId="478"/>
-          <ac:spMkLst>
-            <pc:docMk/>
-            <pc:sldMk cId="266648250" sldId="443"/>
-            <ac:spMk id="5" creationId="{9945DF03-2EA5-381B-3D76-006EF701364E}"/>
-          </ac:spMkLst>
-        </pc:spChg>
-        <pc:spChg chg="add mod ord">
-          <ac:chgData name="Pablo Esteban Gutiérrez-Fonseca (he/him)" userId="25bdc618-995f-415b-9b28-31563f05eb38" providerId="ADAL" clId="{3B6BBC6A-93EF-4294-BF97-849CFD8902B4}" dt="2024-08-26T20:07:36.768" v="1273" actId="700"/>
-          <ac:spMkLst>
-            <pc:docMk/>
-            <pc:sldMk cId="266648250" sldId="443"/>
-            <ac:spMk id="6" creationId="{7597E2CB-4079-BAA1-75E8-DD7EC45D9463}"/>
-          </ac:spMkLst>
-        </pc:spChg>
-        <pc:spChg chg="add mod">
-          <ac:chgData name="Pablo Esteban Gutiérrez-Fonseca (he/him)" userId="25bdc618-995f-415b-9b28-31563f05eb38" providerId="ADAL" clId="{3B6BBC6A-93EF-4294-BF97-849CFD8902B4}" dt="2024-08-26T19:58:45.279" v="1225"/>
-          <ac:spMkLst>
-            <pc:docMk/>
-            <pc:sldMk cId="266648250" sldId="443"/>
-            <ac:spMk id="7" creationId="{D39A547F-B9B1-6D67-C862-21C733AB0912}"/>
-          </ac:spMkLst>
-        </pc:spChg>
-        <pc:spChg chg="add mod">
-          <ac:chgData name="Pablo Esteban Gutiérrez-Fonseca (he/him)" userId="25bdc618-995f-415b-9b28-31563f05eb38" providerId="ADAL" clId="{3B6BBC6A-93EF-4294-BF97-849CFD8902B4}" dt="2024-08-26T19:58:45.279" v="1225"/>
-          <ac:spMkLst>
-            <pc:docMk/>
-            <pc:sldMk cId="266648250" sldId="443"/>
-            <ac:spMk id="8" creationId="{B6C3FC4B-C4EF-26F5-1AF4-1A642107998D}"/>
-          </ac:spMkLst>
-        </pc:spChg>
-        <pc:spChg chg="add mod">
-          <ac:chgData name="Pablo Esteban Gutiérrez-Fonseca (he/him)" userId="25bdc618-995f-415b-9b28-31563f05eb38" providerId="ADAL" clId="{3B6BBC6A-93EF-4294-BF97-849CFD8902B4}" dt="2024-08-26T19:58:45.279" v="1225"/>
-          <ac:spMkLst>
-            <pc:docMk/>
-            <pc:sldMk cId="266648250" sldId="443"/>
-            <ac:spMk id="9" creationId="{2793A51E-97F7-427D-AB55-9C5C9FA20A59}"/>
-          </ac:spMkLst>
-        </pc:spChg>
-        <pc:spChg chg="add del mod">
-          <ac:chgData name="Pablo Esteban Gutiérrez-Fonseca (he/him)" userId="25bdc618-995f-415b-9b28-31563f05eb38" providerId="ADAL" clId="{3B6BBC6A-93EF-4294-BF97-849CFD8902B4}" dt="2024-08-26T15:36:51.228" v="780" actId="478"/>
-          <ac:spMkLst>
-            <pc:docMk/>
-            <pc:sldMk cId="266648250" sldId="443"/>
-            <ac:spMk id="62471" creationId="{00000000-0000-0000-0000-000000000000}"/>
-          </ac:spMkLst>
-        </pc:spChg>
-        <pc:picChg chg="add mod">
-          <ac:chgData name="Pablo Esteban Gutiérrez-Fonseca (he/him)" userId="25bdc618-995f-415b-9b28-31563f05eb38" providerId="ADAL" clId="{3B6BBC6A-93EF-4294-BF97-849CFD8902B4}" dt="2024-08-26T19:58:45.279" v="1225"/>
-          <ac:picMkLst>
-            <pc:docMk/>
-            <pc:sldMk cId="266648250" sldId="443"/>
-            <ac:picMk id="11" creationId="{A755E9EA-568B-8142-8C37-A49B5D87FE0B}"/>
-          </ac:picMkLst>
-        </pc:picChg>
-        <pc:picChg chg="add mod">
-          <ac:chgData name="Pablo Esteban Gutiérrez-Fonseca (he/him)" userId="25bdc618-995f-415b-9b28-31563f05eb38" providerId="ADAL" clId="{3B6BBC6A-93EF-4294-BF97-849CFD8902B4}" dt="2024-08-26T19:58:45.279" v="1225"/>
-          <ac:picMkLst>
-            <pc:docMk/>
-            <pc:sldMk cId="266648250" sldId="443"/>
-            <ac:picMk id="12" creationId="{7EA11059-4AF6-574F-B484-DB9D36EE7AE5}"/>
-          </ac:picMkLst>
-        </pc:picChg>
-        <pc:picChg chg="add mod">
-          <ac:chgData name="Pablo Esteban Gutiérrez-Fonseca (he/him)" userId="25bdc618-995f-415b-9b28-31563f05eb38" providerId="ADAL" clId="{3B6BBC6A-93EF-4294-BF97-849CFD8902B4}" dt="2024-08-26T19:58:45.279" v="1225"/>
-          <ac:picMkLst>
-            <pc:docMk/>
-            <pc:sldMk cId="266648250" sldId="443"/>
-            <ac:picMk id="13" creationId="{AEBC3A03-9254-AA4D-B2E4-1A7A98BFFDBB}"/>
-          </ac:picMkLst>
-        </pc:picChg>
       </pc:sldChg>
       <pc:sldChg chg="modSp add del mod modAnim">
         <pc:chgData name="Pablo Esteban Gutiérrez-Fonseca (he/him)" userId="25bdc618-995f-415b-9b28-31563f05eb38" providerId="ADAL" clId="{3B6BBC6A-93EF-4294-BF97-849CFD8902B4}" dt="2024-08-26T15:14:59.185" v="439" actId="47"/>
@@ -1931,14 +514,6 @@
           <pc:docMk/>
           <pc:sldMk cId="2331040951" sldId="443"/>
         </pc:sldMkLst>
-        <pc:spChg chg="mod">
-          <ac:chgData name="Pablo Esteban Gutiérrez-Fonseca (he/him)" userId="25bdc618-995f-415b-9b28-31563f05eb38" providerId="ADAL" clId="{3B6BBC6A-93EF-4294-BF97-849CFD8902B4}" dt="2024-08-26T15:14:13.347" v="419" actId="27636"/>
-          <ac:spMkLst>
-            <pc:docMk/>
-            <pc:sldMk cId="2331040951" sldId="443"/>
-            <ac:spMk id="3" creationId="{AACD5B01-19E6-C044-ECDE-EE6DF81C1CB0}"/>
-          </ac:spMkLst>
-        </pc:spChg>
       </pc:sldChg>
       <pc:sldChg chg="addSp delSp modSp add mod">
         <pc:chgData name="Pablo Esteban Gutiérrez-Fonseca (he/him)" userId="25bdc618-995f-415b-9b28-31563f05eb38" providerId="ADAL" clId="{3B6BBC6A-93EF-4294-BF97-849CFD8902B4}" dt="2024-08-26T20:08:10.109" v="1284" actId="20577"/>
@@ -1946,126 +521,6 @@
           <pc:docMk/>
           <pc:sldMk cId="2389310857" sldId="444"/>
         </pc:sldMkLst>
-        <pc:spChg chg="mod">
-          <ac:chgData name="Pablo Esteban Gutiérrez-Fonseca (he/him)" userId="25bdc618-995f-415b-9b28-31563f05eb38" providerId="ADAL" clId="{3B6BBC6A-93EF-4294-BF97-849CFD8902B4}" dt="2024-08-26T20:07:48.111" v="1277" actId="404"/>
-          <ac:spMkLst>
-            <pc:docMk/>
-            <pc:sldMk cId="2389310857" sldId="444"/>
-            <ac:spMk id="2" creationId="{3FADDABE-31A5-9D6C-94F7-085F650E6A62}"/>
-          </ac:spMkLst>
-        </pc:spChg>
-        <pc:spChg chg="mod">
-          <ac:chgData name="Pablo Esteban Gutiérrez-Fonseca (he/him)" userId="25bdc618-995f-415b-9b28-31563f05eb38" providerId="ADAL" clId="{3B6BBC6A-93EF-4294-BF97-849CFD8902B4}" dt="2024-08-26T20:08:10.109" v="1284" actId="20577"/>
-          <ac:spMkLst>
-            <pc:docMk/>
-            <pc:sldMk cId="2389310857" sldId="444"/>
-            <ac:spMk id="3" creationId="{AACD5B01-19E6-C044-ECDE-EE6DF81C1CB0}"/>
-          </ac:spMkLst>
-        </pc:spChg>
-        <pc:spChg chg="add mod">
-          <ac:chgData name="Pablo Esteban Gutiérrez-Fonseca (he/him)" userId="25bdc618-995f-415b-9b28-31563f05eb38" providerId="ADAL" clId="{3B6BBC6A-93EF-4294-BF97-849CFD8902B4}" dt="2024-08-26T19:58:45.279" v="1225"/>
-          <ac:spMkLst>
-            <pc:docMk/>
-            <pc:sldMk cId="2389310857" sldId="444"/>
-            <ac:spMk id="4" creationId="{BBC4185F-BF05-72B4-3807-DF2F9AD04C9D}"/>
-          </ac:spMkLst>
-        </pc:spChg>
-        <pc:spChg chg="add mod">
-          <ac:chgData name="Pablo Esteban Gutiérrez-Fonseca (he/him)" userId="25bdc618-995f-415b-9b28-31563f05eb38" providerId="ADAL" clId="{3B6BBC6A-93EF-4294-BF97-849CFD8902B4}" dt="2024-08-26T19:58:45.279" v="1225"/>
-          <ac:spMkLst>
-            <pc:docMk/>
-            <pc:sldMk cId="2389310857" sldId="444"/>
-            <ac:spMk id="5" creationId="{3407FA56-EFEF-5382-2EF3-E7D0E6E8638E}"/>
-          </ac:spMkLst>
-        </pc:spChg>
-        <pc:spChg chg="add mod">
-          <ac:chgData name="Pablo Esteban Gutiérrez-Fonseca (he/him)" userId="25bdc618-995f-415b-9b28-31563f05eb38" providerId="ADAL" clId="{3B6BBC6A-93EF-4294-BF97-849CFD8902B4}" dt="2024-08-26T19:58:45.279" v="1225"/>
-          <ac:spMkLst>
-            <pc:docMk/>
-            <pc:sldMk cId="2389310857" sldId="444"/>
-            <ac:spMk id="6" creationId="{D36FE92B-5D6C-F14F-9840-22A69DC71B57}"/>
-          </ac:spMkLst>
-        </pc:spChg>
-        <pc:spChg chg="add del">
-          <ac:chgData name="Pablo Esteban Gutiérrez-Fonseca (he/him)" userId="25bdc618-995f-415b-9b28-31563f05eb38" providerId="ADAL" clId="{3B6BBC6A-93EF-4294-BF97-849CFD8902B4}" dt="2024-08-26T16:14:31.004" v="1078" actId="22"/>
-          <ac:spMkLst>
-            <pc:docMk/>
-            <pc:sldMk cId="2389310857" sldId="444"/>
-            <ac:spMk id="23" creationId="{7B33C942-083F-35B2-CA92-57501ADB7FCE}"/>
-          </ac:spMkLst>
-        </pc:spChg>
-        <pc:spChg chg="add del mod">
-          <ac:chgData name="Pablo Esteban Gutiérrez-Fonseca (he/him)" userId="25bdc618-995f-415b-9b28-31563f05eb38" providerId="ADAL" clId="{3B6BBC6A-93EF-4294-BF97-849CFD8902B4}" dt="2024-08-26T16:07:48.747" v="963" actId="478"/>
-          <ac:spMkLst>
-            <pc:docMk/>
-            <pc:sldMk cId="2389310857" sldId="444"/>
-            <ac:spMk id="47106" creationId="{9DC49DE1-7EEC-93A9-73B3-13AD58E719FE}"/>
-          </ac:spMkLst>
-        </pc:spChg>
-        <pc:spChg chg="add del mod">
-          <ac:chgData name="Pablo Esteban Gutiérrez-Fonseca (he/him)" userId="25bdc618-995f-415b-9b28-31563f05eb38" providerId="ADAL" clId="{3B6BBC6A-93EF-4294-BF97-849CFD8902B4}" dt="2024-08-26T16:08:25.946" v="976" actId="478"/>
-          <ac:spMkLst>
-            <pc:docMk/>
-            <pc:sldMk cId="2389310857" sldId="444"/>
-            <ac:spMk id="47107" creationId="{0FB8A939-DECE-F753-9E48-E42F5AC85FFE}"/>
-          </ac:spMkLst>
-        </pc:spChg>
-        <pc:spChg chg="add del mod">
-          <ac:chgData name="Pablo Esteban Gutiérrez-Fonseca (he/him)" userId="25bdc618-995f-415b-9b28-31563f05eb38" providerId="ADAL" clId="{3B6BBC6A-93EF-4294-BF97-849CFD8902B4}" dt="2024-08-26T16:08:25.946" v="976" actId="478"/>
-          <ac:spMkLst>
-            <pc:docMk/>
-            <pc:sldMk cId="2389310857" sldId="444"/>
-            <ac:spMk id="47108" creationId="{D198E9A6-DD82-DA20-0E23-3A58D612D8DE}"/>
-          </ac:spMkLst>
-        </pc:spChg>
-        <pc:spChg chg="add del mod">
-          <ac:chgData name="Pablo Esteban Gutiérrez-Fonseca (he/him)" userId="25bdc618-995f-415b-9b28-31563f05eb38" providerId="ADAL" clId="{3B6BBC6A-93EF-4294-BF97-849CFD8902B4}" dt="2024-08-26T16:07:48.747" v="963" actId="478"/>
-          <ac:spMkLst>
-            <pc:docMk/>
-            <pc:sldMk cId="2389310857" sldId="444"/>
-            <ac:spMk id="47109" creationId="{87C4772F-4A9D-44E3-451B-5D2E1C2FA6E5}"/>
-          </ac:spMkLst>
-        </pc:spChg>
-        <pc:spChg chg="add del mod">
-          <ac:chgData name="Pablo Esteban Gutiérrez-Fonseca (he/him)" userId="25bdc618-995f-415b-9b28-31563f05eb38" providerId="ADAL" clId="{3B6BBC6A-93EF-4294-BF97-849CFD8902B4}" dt="2024-08-26T16:07:48.747" v="963" actId="478"/>
-          <ac:spMkLst>
-            <pc:docMk/>
-            <pc:sldMk cId="2389310857" sldId="444"/>
-            <ac:spMk id="47110" creationId="{C9F42AC4-6544-9151-E76B-776A016AED5B}"/>
-          </ac:spMkLst>
-        </pc:spChg>
-        <pc:grpChg chg="add mod">
-          <ac:chgData name="Pablo Esteban Gutiérrez-Fonseca (he/him)" userId="25bdc618-995f-415b-9b28-31563f05eb38" providerId="ADAL" clId="{3B6BBC6A-93EF-4294-BF97-849CFD8902B4}" dt="2024-08-26T20:08:04.383" v="1278" actId="1076"/>
-          <ac:grpSpMkLst>
-            <pc:docMk/>
-            <pc:sldMk cId="2389310857" sldId="444"/>
-            <ac:grpSpMk id="19" creationId="{48E3FAE0-4979-53E6-C403-ABF91CEF4078}"/>
-          </ac:grpSpMkLst>
-        </pc:grpChg>
-        <pc:cxnChg chg="add mod">
-          <ac:chgData name="Pablo Esteban Gutiérrez-Fonseca (he/him)" userId="25bdc618-995f-415b-9b28-31563f05eb38" providerId="ADAL" clId="{3B6BBC6A-93EF-4294-BF97-849CFD8902B4}" dt="2024-08-26T19:58:45.279" v="1225"/>
-          <ac:cxnSpMkLst>
-            <pc:docMk/>
-            <pc:sldMk cId="2389310857" sldId="444"/>
-            <ac:cxnSpMk id="8" creationId="{72FD8983-4758-95DB-479D-76E739AB1608}"/>
-          </ac:cxnSpMkLst>
-        </pc:cxnChg>
-        <pc:cxnChg chg="add del mod">
-          <ac:chgData name="Pablo Esteban Gutiérrez-Fonseca (he/him)" userId="25bdc618-995f-415b-9b28-31563f05eb38" providerId="ADAL" clId="{3B6BBC6A-93EF-4294-BF97-849CFD8902B4}" dt="2024-08-26T16:09:35.786" v="987" actId="478"/>
-          <ac:cxnSpMkLst>
-            <pc:docMk/>
-            <pc:sldMk cId="2389310857" sldId="444"/>
-            <ac:cxnSpMk id="10" creationId="{75B25C87-1014-ADEB-015C-E3A53303566A}"/>
-          </ac:cxnSpMkLst>
-        </pc:cxnChg>
-        <pc:cxnChg chg="add mod">
-          <ac:chgData name="Pablo Esteban Gutiérrez-Fonseca (he/him)" userId="25bdc618-995f-415b-9b28-31563f05eb38" providerId="ADAL" clId="{3B6BBC6A-93EF-4294-BF97-849CFD8902B4}" dt="2024-08-26T19:58:45.279" v="1225"/>
-          <ac:cxnSpMkLst>
-            <pc:docMk/>
-            <pc:sldMk cId="2389310857" sldId="444"/>
-            <ac:cxnSpMk id="15" creationId="{4D69D3EB-DCC0-A142-51E3-E961E682D0F6}"/>
-          </ac:cxnSpMkLst>
-        </pc:cxnChg>
       </pc:sldChg>
       <pc:sldChg chg="addSp delSp modSp add mod modNotes modNotesTx">
         <pc:chgData name="Pablo Esteban Gutiérrez-Fonseca (he/him)" userId="25bdc618-995f-415b-9b28-31563f05eb38" providerId="ADAL" clId="{3B6BBC6A-93EF-4294-BF97-849CFD8902B4}" dt="2024-08-26T20:08:42.545" v="1296" actId="404"/>
@@ -2073,70 +528,6 @@
           <pc:docMk/>
           <pc:sldMk cId="3187164498" sldId="445"/>
         </pc:sldMkLst>
-        <pc:spChg chg="mod">
-          <ac:chgData name="Pablo Esteban Gutiérrez-Fonseca (he/him)" userId="25bdc618-995f-415b-9b28-31563f05eb38" providerId="ADAL" clId="{3B6BBC6A-93EF-4294-BF97-849CFD8902B4}" dt="2024-08-26T20:08:42.545" v="1296" actId="404"/>
-          <ac:spMkLst>
-            <pc:docMk/>
-            <pc:sldMk cId="3187164498" sldId="445"/>
-            <ac:spMk id="2" creationId="{3FADDABE-31A5-9D6C-94F7-085F650E6A62}"/>
-          </ac:spMkLst>
-        </pc:spChg>
-        <pc:spChg chg="mod">
-          <ac:chgData name="Pablo Esteban Gutiérrez-Fonseca (he/him)" userId="25bdc618-995f-415b-9b28-31563f05eb38" providerId="ADAL" clId="{3B6BBC6A-93EF-4294-BF97-849CFD8902B4}" dt="2024-08-26T20:08:21.930" v="1291" actId="20577"/>
-          <ac:spMkLst>
-            <pc:docMk/>
-            <pc:sldMk cId="3187164498" sldId="445"/>
-            <ac:spMk id="3" creationId="{AACD5B01-19E6-C044-ECDE-EE6DF81C1CB0}"/>
-          </ac:spMkLst>
-        </pc:spChg>
-        <pc:spChg chg="mod">
-          <ac:chgData name="Pablo Esteban Gutiérrez-Fonseca (he/him)" userId="25bdc618-995f-415b-9b28-31563f05eb38" providerId="ADAL" clId="{3B6BBC6A-93EF-4294-BF97-849CFD8902B4}" dt="2024-08-26T16:16:42.085" v="1096"/>
-          <ac:spMkLst>
-            <pc:docMk/>
-            <pc:sldMk cId="3187164498" sldId="445"/>
-            <ac:spMk id="5" creationId="{DE9A5A1E-1315-C6B8-D265-27276D13062B}"/>
-          </ac:spMkLst>
-        </pc:spChg>
-        <pc:spChg chg="mod">
-          <ac:chgData name="Pablo Esteban Gutiérrez-Fonseca (he/him)" userId="25bdc618-995f-415b-9b28-31563f05eb38" providerId="ADAL" clId="{3B6BBC6A-93EF-4294-BF97-849CFD8902B4}" dt="2024-08-26T16:16:42.085" v="1096"/>
-          <ac:spMkLst>
-            <pc:docMk/>
-            <pc:sldMk cId="3187164498" sldId="445"/>
-            <ac:spMk id="6" creationId="{1BBC6D23-FFF2-A1CD-295A-5B0E84E062DB}"/>
-          </ac:spMkLst>
-        </pc:spChg>
-        <pc:spChg chg="mod">
-          <ac:chgData name="Pablo Esteban Gutiérrez-Fonseca (he/him)" userId="25bdc618-995f-415b-9b28-31563f05eb38" providerId="ADAL" clId="{3B6BBC6A-93EF-4294-BF97-849CFD8902B4}" dt="2024-08-26T16:16:42.085" v="1096"/>
-          <ac:spMkLst>
-            <pc:docMk/>
-            <pc:sldMk cId="3187164498" sldId="445"/>
-            <ac:spMk id="7" creationId="{13FF7AFB-CB7F-EE5A-05E0-64512DD771C8}"/>
-          </ac:spMkLst>
-        </pc:spChg>
-        <pc:grpChg chg="add del mod">
-          <ac:chgData name="Pablo Esteban Gutiérrez-Fonseca (he/him)" userId="25bdc618-995f-415b-9b28-31563f05eb38" providerId="ADAL" clId="{3B6BBC6A-93EF-4294-BF97-849CFD8902B4}" dt="2024-08-26T16:17:18.190" v="1098" actId="478"/>
-          <ac:grpSpMkLst>
-            <pc:docMk/>
-            <pc:sldMk cId="3187164498" sldId="445"/>
-            <ac:grpSpMk id="4" creationId="{A9D48B71-A6FA-6A81-0EA2-ABDE15D9EB10}"/>
-          </ac:grpSpMkLst>
-        </pc:grpChg>
-        <pc:cxnChg chg="mod">
-          <ac:chgData name="Pablo Esteban Gutiérrez-Fonseca (he/him)" userId="25bdc618-995f-415b-9b28-31563f05eb38" providerId="ADAL" clId="{3B6BBC6A-93EF-4294-BF97-849CFD8902B4}" dt="2024-08-26T16:17:18.190" v="1098" actId="478"/>
-          <ac:cxnSpMkLst>
-            <pc:docMk/>
-            <pc:sldMk cId="3187164498" sldId="445"/>
-            <ac:cxnSpMk id="8" creationId="{27C9A690-571E-8D0F-FFA1-3B25703A0D33}"/>
-          </ac:cxnSpMkLst>
-        </pc:cxnChg>
-        <pc:cxnChg chg="mod">
-          <ac:chgData name="Pablo Esteban Gutiérrez-Fonseca (he/him)" userId="25bdc618-995f-415b-9b28-31563f05eb38" providerId="ADAL" clId="{3B6BBC6A-93EF-4294-BF97-849CFD8902B4}" dt="2024-08-26T16:17:18.190" v="1098" actId="478"/>
-          <ac:cxnSpMkLst>
-            <pc:docMk/>
-            <pc:sldMk cId="3187164498" sldId="445"/>
-            <ac:cxnSpMk id="9" creationId="{C9DA8527-2188-5E97-B7A3-191020C8C248}"/>
-          </ac:cxnSpMkLst>
-        </pc:cxnChg>
       </pc:sldChg>
       <pc:sldChg chg="modSp add mod chgLayout">
         <pc:chgData name="Pablo Esteban Gutiérrez-Fonseca (he/him)" userId="25bdc618-995f-415b-9b28-31563f05eb38" providerId="ADAL" clId="{3B6BBC6A-93EF-4294-BF97-849CFD8902B4}" dt="2024-08-26T20:08:38.689" v="1294" actId="700"/>
@@ -2144,22 +535,6 @@
           <pc:docMk/>
           <pc:sldMk cId="2616211322" sldId="446"/>
         </pc:sldMkLst>
-        <pc:spChg chg="mod ord">
-          <ac:chgData name="Pablo Esteban Gutiérrez-Fonseca (he/him)" userId="25bdc618-995f-415b-9b28-31563f05eb38" providerId="ADAL" clId="{3B6BBC6A-93EF-4294-BF97-849CFD8902B4}" dt="2024-08-26T20:08:38.689" v="1294" actId="700"/>
-          <ac:spMkLst>
-            <pc:docMk/>
-            <pc:sldMk cId="2616211322" sldId="446"/>
-            <ac:spMk id="2" creationId="{3FADDABE-31A5-9D6C-94F7-085F650E6A62}"/>
-          </ac:spMkLst>
-        </pc:spChg>
-        <pc:spChg chg="mod ord">
-          <ac:chgData name="Pablo Esteban Gutiérrez-Fonseca (he/him)" userId="25bdc618-995f-415b-9b28-31563f05eb38" providerId="ADAL" clId="{3B6BBC6A-93EF-4294-BF97-849CFD8902B4}" dt="2024-08-26T20:08:38.689" v="1294" actId="700"/>
-          <ac:spMkLst>
-            <pc:docMk/>
-            <pc:sldMk cId="2616211322" sldId="446"/>
-            <ac:spMk id="3" creationId="{AACD5B01-19E6-C044-ECDE-EE6DF81C1CB0}"/>
-          </ac:spMkLst>
-        </pc:spChg>
       </pc:sldChg>
       <pc:sldChg chg="modSp add mod">
         <pc:chgData name="Pablo Esteban Gutiérrez-Fonseca (he/him)" userId="25bdc618-995f-415b-9b28-31563f05eb38" providerId="ADAL" clId="{3B6BBC6A-93EF-4294-BF97-849CFD8902B4}" dt="2024-08-26T20:08:54.053" v="1300" actId="404"/>
@@ -2167,22 +542,6 @@
           <pc:docMk/>
           <pc:sldMk cId="3747023490" sldId="447"/>
         </pc:sldMkLst>
-        <pc:spChg chg="mod">
-          <ac:chgData name="Pablo Esteban Gutiérrez-Fonseca (he/him)" userId="25bdc618-995f-415b-9b28-31563f05eb38" providerId="ADAL" clId="{3B6BBC6A-93EF-4294-BF97-849CFD8902B4}" dt="2024-08-26T20:08:54.053" v="1300" actId="404"/>
-          <ac:spMkLst>
-            <pc:docMk/>
-            <pc:sldMk cId="3747023490" sldId="447"/>
-            <ac:spMk id="2" creationId="{3FADDABE-31A5-9D6C-94F7-085F650E6A62}"/>
-          </ac:spMkLst>
-        </pc:spChg>
-        <pc:spChg chg="mod">
-          <ac:chgData name="Pablo Esteban Gutiérrez-Fonseca (he/him)" userId="25bdc618-995f-415b-9b28-31563f05eb38" providerId="ADAL" clId="{3B6BBC6A-93EF-4294-BF97-849CFD8902B4}" dt="2024-08-26T19:58:45.279" v="1225"/>
-          <ac:spMkLst>
-            <pc:docMk/>
-            <pc:sldMk cId="3747023490" sldId="447"/>
-            <ac:spMk id="3" creationId="{AACD5B01-19E6-C044-ECDE-EE6DF81C1CB0}"/>
-          </ac:spMkLst>
-        </pc:spChg>
       </pc:sldChg>
       <pc:sldChg chg="addSp delSp modSp new mod ord delAnim modAnim">
         <pc:chgData name="Pablo Esteban Gutiérrez-Fonseca (he/him)" userId="25bdc618-995f-415b-9b28-31563f05eb38" providerId="ADAL" clId="{3B6BBC6A-93EF-4294-BF97-849CFD8902B4}" dt="2024-08-26T20:43:12.079" v="1383" actId="404"/>
@@ -2190,62 +549,6 @@
           <pc:docMk/>
           <pc:sldMk cId="719793178" sldId="448"/>
         </pc:sldMkLst>
-        <pc:spChg chg="mod">
-          <ac:chgData name="Pablo Esteban Gutiérrez-Fonseca (he/him)" userId="25bdc618-995f-415b-9b28-31563f05eb38" providerId="ADAL" clId="{3B6BBC6A-93EF-4294-BF97-849CFD8902B4}" dt="2024-08-26T20:43:12.079" v="1383" actId="404"/>
-          <ac:spMkLst>
-            <pc:docMk/>
-            <pc:sldMk cId="719793178" sldId="448"/>
-            <ac:spMk id="2" creationId="{DE7BAB40-DCD0-00FA-2BD7-F9CBC3255365}"/>
-          </ac:spMkLst>
-        </pc:spChg>
-        <pc:spChg chg="mod">
-          <ac:chgData name="Pablo Esteban Gutiérrez-Fonseca (he/him)" userId="25bdc618-995f-415b-9b28-31563f05eb38" providerId="ADAL" clId="{3B6BBC6A-93EF-4294-BF97-849CFD8902B4}" dt="2024-08-26T19:58:45.279" v="1225"/>
-          <ac:spMkLst>
-            <pc:docMk/>
-            <pc:sldMk cId="719793178" sldId="448"/>
-            <ac:spMk id="3" creationId="{9FB4B135-BCEE-FD62-3054-F9919319AFD3}"/>
-          </ac:spMkLst>
-        </pc:spChg>
-        <pc:spChg chg="add mod">
-          <ac:chgData name="Pablo Esteban Gutiérrez-Fonseca (he/him)" userId="25bdc618-995f-415b-9b28-31563f05eb38" providerId="ADAL" clId="{3B6BBC6A-93EF-4294-BF97-849CFD8902B4}" dt="2024-08-26T20:22:10.194" v="1379" actId="20577"/>
-          <ac:spMkLst>
-            <pc:docMk/>
-            <pc:sldMk cId="719793178" sldId="448"/>
-            <ac:spMk id="4" creationId="{C3C0261E-23E9-DFE4-3FB0-D70679582FC8}"/>
-          </ac:spMkLst>
-        </pc:spChg>
-        <pc:spChg chg="add mod">
-          <ac:chgData name="Pablo Esteban Gutiérrez-Fonseca (he/him)" userId="25bdc618-995f-415b-9b28-31563f05eb38" providerId="ADAL" clId="{3B6BBC6A-93EF-4294-BF97-849CFD8902B4}" dt="2024-08-26T20:22:13.442" v="1381" actId="20577"/>
-          <ac:spMkLst>
-            <pc:docMk/>
-            <pc:sldMk cId="719793178" sldId="448"/>
-            <ac:spMk id="5" creationId="{63082820-928C-FA58-B8AC-83BDEC1FEB3D}"/>
-          </ac:spMkLst>
-        </pc:spChg>
-        <pc:picChg chg="add mod">
-          <ac:chgData name="Pablo Esteban Gutiérrez-Fonseca (he/him)" userId="25bdc618-995f-415b-9b28-31563f05eb38" providerId="ADAL" clId="{3B6BBC6A-93EF-4294-BF97-849CFD8902B4}" dt="2024-08-26T20:22:02.677" v="1377" actId="1076"/>
-          <ac:picMkLst>
-            <pc:docMk/>
-            <pc:sldMk cId="719793178" sldId="448"/>
-            <ac:picMk id="2050" creationId="{0F48B3C5-03F0-9578-F4C2-5F83C78B8654}"/>
-          </ac:picMkLst>
-        </pc:picChg>
-        <pc:picChg chg="add del mod">
-          <ac:chgData name="Pablo Esteban Gutiérrez-Fonseca (he/him)" userId="25bdc618-995f-415b-9b28-31563f05eb38" providerId="ADAL" clId="{3B6BBC6A-93EF-4294-BF97-849CFD8902B4}" dt="2024-08-26T20:16:08.801" v="1316" actId="478"/>
-          <ac:picMkLst>
-            <pc:docMk/>
-            <pc:sldMk cId="719793178" sldId="448"/>
-            <ac:picMk id="13317" creationId="{00000000-0000-0000-0000-000000000000}"/>
-          </ac:picMkLst>
-        </pc:picChg>
-        <pc:picChg chg="add del mod">
-          <ac:chgData name="Pablo Esteban Gutiérrez-Fonseca (he/him)" userId="25bdc618-995f-415b-9b28-31563f05eb38" providerId="ADAL" clId="{3B6BBC6A-93EF-4294-BF97-849CFD8902B4}" dt="2024-08-26T20:16:08.801" v="1316" actId="478"/>
-          <ac:picMkLst>
-            <pc:docMk/>
-            <pc:sldMk cId="719793178" sldId="448"/>
-            <ac:picMk id="154626" creationId="{00000000-0000-0000-0000-000000000000}"/>
-          </ac:picMkLst>
-        </pc:picChg>
       </pc:sldChg>
       <pc:sldChg chg="add del">
         <pc:chgData name="Pablo Esteban Gutiérrez-Fonseca (he/him)" userId="25bdc618-995f-415b-9b28-31563f05eb38" providerId="ADAL" clId="{3B6BBC6A-93EF-4294-BF97-849CFD8902B4}" dt="2024-08-26T15:25:44.043" v="688" actId="47"/>
@@ -2260,30 +563,6 @@
           <pc:docMk/>
           <pc:sldMk cId="1903943404" sldId="449"/>
         </pc:sldMkLst>
-        <pc:spChg chg="mod ord">
-          <ac:chgData name="Pablo Esteban Gutiérrez-Fonseca (he/him)" userId="25bdc618-995f-415b-9b28-31563f05eb38" providerId="ADAL" clId="{3B6BBC6A-93EF-4294-BF97-849CFD8902B4}" dt="2024-08-26T20:07:18.286" v="1269" actId="700"/>
-          <ac:spMkLst>
-            <pc:docMk/>
-            <pc:sldMk cId="1903943404" sldId="449"/>
-            <ac:spMk id="2" creationId="{3FADDABE-31A5-9D6C-94F7-085F650E6A62}"/>
-          </ac:spMkLst>
-        </pc:spChg>
-        <pc:spChg chg="mod ord">
-          <ac:chgData name="Pablo Esteban Gutiérrez-Fonseca (he/him)" userId="25bdc618-995f-415b-9b28-31563f05eb38" providerId="ADAL" clId="{3B6BBC6A-93EF-4294-BF97-849CFD8902B4}" dt="2024-08-26T21:38:40.263" v="1510" actId="20577"/>
-          <ac:spMkLst>
-            <pc:docMk/>
-            <pc:sldMk cId="1903943404" sldId="449"/>
-            <ac:spMk id="3" creationId="{AACD5B01-19E6-C044-ECDE-EE6DF81C1CB0}"/>
-          </ac:spMkLst>
-        </pc:spChg>
-        <pc:picChg chg="add mod">
-          <ac:chgData name="Pablo Esteban Gutiérrez-Fonseca (he/him)" userId="25bdc618-995f-415b-9b28-31563f05eb38" providerId="ADAL" clId="{3B6BBC6A-93EF-4294-BF97-849CFD8902B4}" dt="2024-08-26T20:07:21.678" v="1270" actId="14100"/>
-          <ac:picMkLst>
-            <pc:docMk/>
-            <pc:sldMk cId="1903943404" sldId="449"/>
-            <ac:picMk id="4" creationId="{51897791-BD8C-9F1B-20C1-CE02627A4557}"/>
-          </ac:picMkLst>
-        </pc:picChg>
       </pc:sldChg>
       <pc:sldChg chg="delSp modSp add mod">
         <pc:chgData name="Pablo Esteban Gutiérrez-Fonseca (he/him)" userId="25bdc618-995f-415b-9b28-31563f05eb38" providerId="ADAL" clId="{3B6BBC6A-93EF-4294-BF97-849CFD8902B4}" dt="2024-08-26T20:09:35.003" v="1308" actId="404"/>
@@ -2291,38 +570,6 @@
           <pc:docMk/>
           <pc:sldMk cId="2550914842" sldId="450"/>
         </pc:sldMkLst>
-        <pc:spChg chg="del">
-          <ac:chgData name="Pablo Esteban Gutiérrez-Fonseca (he/him)" userId="25bdc618-995f-415b-9b28-31563f05eb38" providerId="ADAL" clId="{3B6BBC6A-93EF-4294-BF97-849CFD8902B4}" dt="2024-08-26T16:02:28.188" v="943" actId="478"/>
-          <ac:spMkLst>
-            <pc:docMk/>
-            <pc:sldMk cId="2550914842" sldId="450"/>
-            <ac:spMk id="8" creationId="{00000000-0000-0000-0000-000000000000}"/>
-          </ac:spMkLst>
-        </pc:spChg>
-        <pc:spChg chg="mod">
-          <ac:chgData name="Pablo Esteban Gutiérrez-Fonseca (he/him)" userId="25bdc618-995f-415b-9b28-31563f05eb38" providerId="ADAL" clId="{3B6BBC6A-93EF-4294-BF97-849CFD8902B4}" dt="2024-08-26T20:09:35.003" v="1308" actId="404"/>
-          <ac:spMkLst>
-            <pc:docMk/>
-            <pc:sldMk cId="2550914842" sldId="450"/>
-            <ac:spMk id="8194" creationId="{00000000-0000-0000-0000-000000000000}"/>
-          </ac:spMkLst>
-        </pc:spChg>
-        <pc:spChg chg="mod">
-          <ac:chgData name="Pablo Esteban Gutiérrez-Fonseca (he/him)" userId="25bdc618-995f-415b-9b28-31563f05eb38" providerId="ADAL" clId="{3B6BBC6A-93EF-4294-BF97-849CFD8902B4}" dt="2024-08-26T19:58:45.279" v="1225"/>
-          <ac:spMkLst>
-            <pc:docMk/>
-            <pc:sldMk cId="2550914842" sldId="450"/>
-            <ac:spMk id="8195" creationId="{00000000-0000-0000-0000-000000000000}"/>
-          </ac:spMkLst>
-        </pc:spChg>
-        <pc:picChg chg="mod">
-          <ac:chgData name="Pablo Esteban Gutiérrez-Fonseca (he/him)" userId="25bdc618-995f-415b-9b28-31563f05eb38" providerId="ADAL" clId="{3B6BBC6A-93EF-4294-BF97-849CFD8902B4}" dt="2024-08-26T19:58:45.279" v="1225"/>
-          <ac:picMkLst>
-            <pc:docMk/>
-            <pc:sldMk cId="2550914842" sldId="450"/>
-            <ac:picMk id="9" creationId="{00000000-0000-0000-0000-000000000000}"/>
-          </ac:picMkLst>
-        </pc:picChg>
       </pc:sldChg>
       <pc:sldChg chg="addSp modSp add mod setBg modAnim">
         <pc:chgData name="Pablo Esteban Gutiérrez-Fonseca (he/him)" userId="25bdc618-995f-415b-9b28-31563f05eb38" providerId="ADAL" clId="{3B6BBC6A-93EF-4294-BF97-849CFD8902B4}" dt="2024-08-26T20:46:35.928" v="1427" actId="2711"/>
@@ -2330,54 +577,6 @@
           <pc:docMk/>
           <pc:sldMk cId="913252894" sldId="451"/>
         </pc:sldMkLst>
-        <pc:spChg chg="add mod">
-          <ac:chgData name="Pablo Esteban Gutiérrez-Fonseca (he/him)" userId="25bdc618-995f-415b-9b28-31563f05eb38" providerId="ADAL" clId="{3B6BBC6A-93EF-4294-BF97-849CFD8902B4}" dt="2024-08-26T20:46:35.928" v="1427" actId="2711"/>
-          <ac:spMkLst>
-            <pc:docMk/>
-            <pc:sldMk cId="913252894" sldId="451"/>
-            <ac:spMk id="3" creationId="{D85EA322-C065-47D7-FB16-52B0ECB3D62B}"/>
-          </ac:spMkLst>
-        </pc:spChg>
-        <pc:spChg chg="add mod">
-          <ac:chgData name="Pablo Esteban Gutiérrez-Fonseca (he/him)" userId="25bdc618-995f-415b-9b28-31563f05eb38" providerId="ADAL" clId="{3B6BBC6A-93EF-4294-BF97-849CFD8902B4}" dt="2024-08-26T20:46:35.928" v="1427" actId="2711"/>
-          <ac:spMkLst>
-            <pc:docMk/>
-            <pc:sldMk cId="913252894" sldId="451"/>
-            <ac:spMk id="5" creationId="{E59E13A6-9223-C310-0E68-311A4A1FEEF0}"/>
-          </ac:spMkLst>
-        </pc:spChg>
-        <pc:spChg chg="add mod">
-          <ac:chgData name="Pablo Esteban Gutiérrez-Fonseca (he/him)" userId="25bdc618-995f-415b-9b28-31563f05eb38" providerId="ADAL" clId="{3B6BBC6A-93EF-4294-BF97-849CFD8902B4}" dt="2024-08-26T20:46:35.928" v="1427" actId="2711"/>
-          <ac:spMkLst>
-            <pc:docMk/>
-            <pc:sldMk cId="913252894" sldId="451"/>
-            <ac:spMk id="8" creationId="{69638C3D-11A8-7389-F62E-DFA849166358}"/>
-          </ac:spMkLst>
-        </pc:spChg>
-        <pc:spChg chg="add mod">
-          <ac:chgData name="Pablo Esteban Gutiérrez-Fonseca (he/him)" userId="25bdc618-995f-415b-9b28-31563f05eb38" providerId="ADAL" clId="{3B6BBC6A-93EF-4294-BF97-849CFD8902B4}" dt="2024-08-26T20:46:35.928" v="1427" actId="2711"/>
-          <ac:spMkLst>
-            <pc:docMk/>
-            <pc:sldMk cId="913252894" sldId="451"/>
-            <ac:spMk id="9" creationId="{F137420F-6B46-FEC3-72A4-53FC23B2252C}"/>
-          </ac:spMkLst>
-        </pc:spChg>
-        <pc:spChg chg="add mod">
-          <ac:chgData name="Pablo Esteban Gutiérrez-Fonseca (he/him)" userId="25bdc618-995f-415b-9b28-31563f05eb38" providerId="ADAL" clId="{3B6BBC6A-93EF-4294-BF97-849CFD8902B4}" dt="2024-08-26T20:46:35.928" v="1427" actId="2711"/>
-          <ac:spMkLst>
-            <pc:docMk/>
-            <pc:sldMk cId="913252894" sldId="451"/>
-            <ac:spMk id="10" creationId="{F0DFE66D-A079-8ECD-990E-48C6BDC87DCF}"/>
-          </ac:spMkLst>
-        </pc:spChg>
-        <pc:spChg chg="add mod">
-          <ac:chgData name="Pablo Esteban Gutiérrez-Fonseca (he/him)" userId="25bdc618-995f-415b-9b28-31563f05eb38" providerId="ADAL" clId="{3B6BBC6A-93EF-4294-BF97-849CFD8902B4}" dt="2024-08-26T20:46:35.928" v="1427" actId="2711"/>
-          <ac:spMkLst>
-            <pc:docMk/>
-            <pc:sldMk cId="913252894" sldId="451"/>
-            <ac:spMk id="11" creationId="{C929A22D-F234-C959-D7F9-03AF4A940E2B}"/>
-          </ac:spMkLst>
-        </pc:spChg>
       </pc:sldChg>
       <pc:sldChg chg="addSp modSp new mod modNotesTx">
         <pc:chgData name="Pablo Esteban Gutiérrez-Fonseca (he/him)" userId="25bdc618-995f-415b-9b28-31563f05eb38" providerId="ADAL" clId="{3B6BBC6A-93EF-4294-BF97-849CFD8902B4}" dt="2024-08-26T21:39:01.189" v="1514" actId="113"/>
@@ -2385,30 +584,6 @@
           <pc:docMk/>
           <pc:sldMk cId="1837039147" sldId="452"/>
         </pc:sldMkLst>
-        <pc:spChg chg="mod">
-          <ac:chgData name="Pablo Esteban Gutiérrez-Fonseca (he/him)" userId="25bdc618-995f-415b-9b28-31563f05eb38" providerId="ADAL" clId="{3B6BBC6A-93EF-4294-BF97-849CFD8902B4}" dt="2024-08-26T21:03:32.197" v="1472" actId="404"/>
-          <ac:spMkLst>
-            <pc:docMk/>
-            <pc:sldMk cId="1837039147" sldId="452"/>
-            <ac:spMk id="2" creationId="{5816F9DE-5A68-E5E7-A5D3-1828A626505A}"/>
-          </ac:spMkLst>
-        </pc:spChg>
-        <pc:spChg chg="mod">
-          <ac:chgData name="Pablo Esteban Gutiérrez-Fonseca (he/him)" userId="25bdc618-995f-415b-9b28-31563f05eb38" providerId="ADAL" clId="{3B6BBC6A-93EF-4294-BF97-849CFD8902B4}" dt="2024-08-26T21:39:01.189" v="1514" actId="113"/>
-          <ac:spMkLst>
-            <pc:docMk/>
-            <pc:sldMk cId="1837039147" sldId="452"/>
-            <ac:spMk id="3" creationId="{96AB8DAB-0BFB-1016-60F8-9D6AC6631977}"/>
-          </ac:spMkLst>
-        </pc:spChg>
-        <pc:picChg chg="add mod">
-          <ac:chgData name="Pablo Esteban Gutiérrez-Fonseca (he/him)" userId="25bdc618-995f-415b-9b28-31563f05eb38" providerId="ADAL" clId="{3B6BBC6A-93EF-4294-BF97-849CFD8902B4}" dt="2024-08-26T21:09:09.159" v="1504" actId="1076"/>
-          <ac:picMkLst>
-            <pc:docMk/>
-            <pc:sldMk cId="1837039147" sldId="452"/>
-            <ac:picMk id="4" creationId="{959B4CE6-B82C-B533-6A53-9583B3A30127}"/>
-          </ac:picMkLst>
-        </pc:picChg>
       </pc:sldChg>
       <pc:sldChg chg="modSp add mod">
         <pc:chgData name="Pablo Esteban Gutiérrez-Fonseca (he/him)" userId="25bdc618-995f-415b-9b28-31563f05eb38" providerId="ADAL" clId="{3B6BBC6A-93EF-4294-BF97-849CFD8902B4}" dt="2024-08-27T13:20:38.378" v="1541" actId="6549"/>
@@ -2416,14 +591,6 @@
           <pc:docMk/>
           <pc:sldMk cId="1631402028" sldId="453"/>
         </pc:sldMkLst>
-        <pc:spChg chg="mod">
-          <ac:chgData name="Pablo Esteban Gutiérrez-Fonseca (he/him)" userId="25bdc618-995f-415b-9b28-31563f05eb38" providerId="ADAL" clId="{3B6BBC6A-93EF-4294-BF97-849CFD8902B4}" dt="2024-08-27T13:20:38.378" v="1541" actId="6549"/>
-          <ac:spMkLst>
-            <pc:docMk/>
-            <pc:sldMk cId="1631402028" sldId="453"/>
-            <ac:spMk id="3" creationId="{8C905608-2241-E8C6-DA67-BBB0F7C151A0}"/>
-          </ac:spMkLst>
-        </pc:spChg>
       </pc:sldChg>
       <pc:sldMasterChg chg="modSp modSldLayout">
         <pc:chgData name="Pablo Esteban Gutiérrez-Fonseca (he/him)" userId="25bdc618-995f-415b-9b28-31563f05eb38" providerId="ADAL" clId="{3B6BBC6A-93EF-4294-BF97-849CFD8902B4}" dt="2024-08-26T19:58:45.279" v="1225"/>
@@ -2431,54 +598,6 @@
           <pc:docMk/>
           <pc:sldMasterMk cId="750026568" sldId="2147483872"/>
         </pc:sldMasterMkLst>
-        <pc:spChg chg="mod">
-          <ac:chgData name="Pablo Esteban Gutiérrez-Fonseca (he/him)" userId="25bdc618-995f-415b-9b28-31563f05eb38" providerId="ADAL" clId="{3B6BBC6A-93EF-4294-BF97-849CFD8902B4}" dt="2024-08-26T19:58:45.279" v="1225"/>
-          <ac:spMkLst>
-            <pc:docMk/>
-            <pc:sldMasterMk cId="750026568" sldId="2147483872"/>
-            <ac:spMk id="2" creationId="{00000000-0000-0000-0000-000000000000}"/>
-          </ac:spMkLst>
-        </pc:spChg>
-        <pc:spChg chg="mod">
-          <ac:chgData name="Pablo Esteban Gutiérrez-Fonseca (he/him)" userId="25bdc618-995f-415b-9b28-31563f05eb38" providerId="ADAL" clId="{3B6BBC6A-93EF-4294-BF97-849CFD8902B4}" dt="2024-08-26T19:58:45.279" v="1225"/>
-          <ac:spMkLst>
-            <pc:docMk/>
-            <pc:sldMasterMk cId="750026568" sldId="2147483872"/>
-            <ac:spMk id="3" creationId="{00000000-0000-0000-0000-000000000000}"/>
-          </ac:spMkLst>
-        </pc:spChg>
-        <pc:spChg chg="mod">
-          <ac:chgData name="Pablo Esteban Gutiérrez-Fonseca (he/him)" userId="25bdc618-995f-415b-9b28-31563f05eb38" providerId="ADAL" clId="{3B6BBC6A-93EF-4294-BF97-849CFD8902B4}" dt="2024-08-26T19:58:45.279" v="1225"/>
-          <ac:spMkLst>
-            <pc:docMk/>
-            <pc:sldMasterMk cId="750026568" sldId="2147483872"/>
-            <ac:spMk id="4" creationId="{00000000-0000-0000-0000-000000000000}"/>
-          </ac:spMkLst>
-        </pc:spChg>
-        <pc:spChg chg="mod">
-          <ac:chgData name="Pablo Esteban Gutiérrez-Fonseca (he/him)" userId="25bdc618-995f-415b-9b28-31563f05eb38" providerId="ADAL" clId="{3B6BBC6A-93EF-4294-BF97-849CFD8902B4}" dt="2024-08-26T19:58:45.279" v="1225"/>
-          <ac:spMkLst>
-            <pc:docMk/>
-            <pc:sldMasterMk cId="750026568" sldId="2147483872"/>
-            <ac:spMk id="5" creationId="{00000000-0000-0000-0000-000000000000}"/>
-          </ac:spMkLst>
-        </pc:spChg>
-        <pc:spChg chg="mod">
-          <ac:chgData name="Pablo Esteban Gutiérrez-Fonseca (he/him)" userId="25bdc618-995f-415b-9b28-31563f05eb38" providerId="ADAL" clId="{3B6BBC6A-93EF-4294-BF97-849CFD8902B4}" dt="2024-08-26T19:58:45.279" v="1225"/>
-          <ac:spMkLst>
-            <pc:docMk/>
-            <pc:sldMasterMk cId="750026568" sldId="2147483872"/>
-            <ac:spMk id="6" creationId="{00000000-0000-0000-0000-000000000000}"/>
-          </ac:spMkLst>
-        </pc:spChg>
-        <pc:picChg chg="mod">
-          <ac:chgData name="Pablo Esteban Gutiérrez-Fonseca (he/him)" userId="25bdc618-995f-415b-9b28-31563f05eb38" providerId="ADAL" clId="{3B6BBC6A-93EF-4294-BF97-849CFD8902B4}" dt="2024-08-26T19:58:45.279" v="1225"/>
-          <ac:picMkLst>
-            <pc:docMk/>
-            <pc:sldMasterMk cId="750026568" sldId="2147483872"/>
-            <ac:picMk id="1026" creationId="{00000000-0000-0000-0000-000000000000}"/>
-          </ac:picMkLst>
-        </pc:picChg>
         <pc:sldLayoutChg chg="modSp">
           <pc:chgData name="Pablo Esteban Gutiérrez-Fonseca (he/him)" userId="25bdc618-995f-415b-9b28-31563f05eb38" providerId="ADAL" clId="{3B6BBC6A-93EF-4294-BF97-849CFD8902B4}" dt="2024-08-26T19:58:45.279" v="1225"/>
           <pc:sldLayoutMkLst>
@@ -2486,33 +605,6 @@
             <pc:sldMasterMk cId="750026568" sldId="2147483872"/>
             <pc:sldLayoutMk cId="119114339" sldId="2147483873"/>
           </pc:sldLayoutMkLst>
-          <pc:spChg chg="mod">
-            <ac:chgData name="Pablo Esteban Gutiérrez-Fonseca (he/him)" userId="25bdc618-995f-415b-9b28-31563f05eb38" providerId="ADAL" clId="{3B6BBC6A-93EF-4294-BF97-849CFD8902B4}" dt="2024-08-26T19:58:45.279" v="1225"/>
-            <ac:spMkLst>
-              <pc:docMk/>
-              <pc:sldMasterMk cId="750026568" sldId="2147483872"/>
-              <pc:sldLayoutMk cId="119114339" sldId="2147483873"/>
-              <ac:spMk id="2" creationId="{00000000-0000-0000-0000-000000000000}"/>
-            </ac:spMkLst>
-          </pc:spChg>
-          <pc:spChg chg="mod">
-            <ac:chgData name="Pablo Esteban Gutiérrez-Fonseca (he/him)" userId="25bdc618-995f-415b-9b28-31563f05eb38" providerId="ADAL" clId="{3B6BBC6A-93EF-4294-BF97-849CFD8902B4}" dt="2024-08-26T19:58:45.279" v="1225"/>
-            <ac:spMkLst>
-              <pc:docMk/>
-              <pc:sldMasterMk cId="750026568" sldId="2147483872"/>
-              <pc:sldLayoutMk cId="119114339" sldId="2147483873"/>
-              <ac:spMk id="3" creationId="{00000000-0000-0000-0000-000000000000}"/>
-            </ac:spMkLst>
-          </pc:spChg>
-          <pc:picChg chg="mod">
-            <ac:chgData name="Pablo Esteban Gutiérrez-Fonseca (he/him)" userId="25bdc618-995f-415b-9b28-31563f05eb38" providerId="ADAL" clId="{3B6BBC6A-93EF-4294-BF97-849CFD8902B4}" dt="2024-08-26T19:58:45.279" v="1225"/>
-            <ac:picMkLst>
-              <pc:docMk/>
-              <pc:sldMasterMk cId="750026568" sldId="2147483872"/>
-              <pc:sldLayoutMk cId="119114339" sldId="2147483873"/>
-              <ac:picMk id="7" creationId="{00000000-0000-0000-0000-000000000000}"/>
-            </ac:picMkLst>
-          </pc:picChg>
         </pc:sldLayoutChg>
         <pc:sldLayoutChg chg="modSp">
           <pc:chgData name="Pablo Esteban Gutiérrez-Fonseca (he/him)" userId="25bdc618-995f-415b-9b28-31563f05eb38" providerId="ADAL" clId="{3B6BBC6A-93EF-4294-BF97-849CFD8902B4}" dt="2024-08-26T19:58:45.279" v="1225"/>
@@ -2521,24 +613,6 @@
             <pc:sldMasterMk cId="750026568" sldId="2147483872"/>
             <pc:sldLayoutMk cId="611377214" sldId="2147483874"/>
           </pc:sldLayoutMkLst>
-          <pc:spChg chg="mod">
-            <ac:chgData name="Pablo Esteban Gutiérrez-Fonseca (he/him)" userId="25bdc618-995f-415b-9b28-31563f05eb38" providerId="ADAL" clId="{3B6BBC6A-93EF-4294-BF97-849CFD8902B4}" dt="2024-08-26T19:58:45.279" v="1225"/>
-            <ac:spMkLst>
-              <pc:docMk/>
-              <pc:sldMasterMk cId="750026568" sldId="2147483872"/>
-              <pc:sldLayoutMk cId="611377214" sldId="2147483874"/>
-              <ac:spMk id="12" creationId="{00000000-0000-0000-0000-000000000000}"/>
-            </ac:spMkLst>
-          </pc:spChg>
-          <pc:picChg chg="mod">
-            <ac:chgData name="Pablo Esteban Gutiérrez-Fonseca (he/him)" userId="25bdc618-995f-415b-9b28-31563f05eb38" providerId="ADAL" clId="{3B6BBC6A-93EF-4294-BF97-849CFD8902B4}" dt="2024-08-26T19:58:45.279" v="1225"/>
-            <ac:picMkLst>
-              <pc:docMk/>
-              <pc:sldMasterMk cId="750026568" sldId="2147483872"/>
-              <pc:sldLayoutMk cId="611377214" sldId="2147483874"/>
-              <ac:picMk id="3" creationId="{00000000-0000-0000-0000-000000000000}"/>
-            </ac:picMkLst>
-          </pc:picChg>
         </pc:sldLayoutChg>
         <pc:sldLayoutChg chg="modSp">
           <pc:chgData name="Pablo Esteban Gutiérrez-Fonseca (he/him)" userId="25bdc618-995f-415b-9b28-31563f05eb38" providerId="ADAL" clId="{3B6BBC6A-93EF-4294-BF97-849CFD8902B4}" dt="2024-08-26T19:58:45.279" v="1225"/>
@@ -2547,33 +621,6 @@
             <pc:sldMasterMk cId="750026568" sldId="2147483872"/>
             <pc:sldLayoutMk cId="566141748" sldId="2147483875"/>
           </pc:sldLayoutMkLst>
-          <pc:spChg chg="mod">
-            <ac:chgData name="Pablo Esteban Gutiérrez-Fonseca (he/him)" userId="25bdc618-995f-415b-9b28-31563f05eb38" providerId="ADAL" clId="{3B6BBC6A-93EF-4294-BF97-849CFD8902B4}" dt="2024-08-26T19:58:45.279" v="1225"/>
-            <ac:spMkLst>
-              <pc:docMk/>
-              <pc:sldMasterMk cId="750026568" sldId="2147483872"/>
-              <pc:sldLayoutMk cId="566141748" sldId="2147483875"/>
-              <ac:spMk id="2" creationId="{00000000-0000-0000-0000-000000000000}"/>
-            </ac:spMkLst>
-          </pc:spChg>
-          <pc:spChg chg="mod">
-            <ac:chgData name="Pablo Esteban Gutiérrez-Fonseca (he/him)" userId="25bdc618-995f-415b-9b28-31563f05eb38" providerId="ADAL" clId="{3B6BBC6A-93EF-4294-BF97-849CFD8902B4}" dt="2024-08-26T19:58:45.279" v="1225"/>
-            <ac:spMkLst>
-              <pc:docMk/>
-              <pc:sldMasterMk cId="750026568" sldId="2147483872"/>
-              <pc:sldLayoutMk cId="566141748" sldId="2147483875"/>
-              <ac:spMk id="3" creationId="{00000000-0000-0000-0000-000000000000}"/>
-            </ac:spMkLst>
-          </pc:spChg>
-          <pc:picChg chg="mod">
-            <ac:chgData name="Pablo Esteban Gutiérrez-Fonseca (he/him)" userId="25bdc618-995f-415b-9b28-31563f05eb38" providerId="ADAL" clId="{3B6BBC6A-93EF-4294-BF97-849CFD8902B4}" dt="2024-08-26T19:58:45.279" v="1225"/>
-            <ac:picMkLst>
-              <pc:docMk/>
-              <pc:sldMasterMk cId="750026568" sldId="2147483872"/>
-              <pc:sldLayoutMk cId="566141748" sldId="2147483875"/>
-              <ac:picMk id="9" creationId="{00000000-0000-0000-0000-000000000000}"/>
-            </ac:picMkLst>
-          </pc:picChg>
         </pc:sldLayoutChg>
         <pc:sldLayoutChg chg="modSp">
           <pc:chgData name="Pablo Esteban Gutiérrez-Fonseca (he/him)" userId="25bdc618-995f-415b-9b28-31563f05eb38" providerId="ADAL" clId="{3B6BBC6A-93EF-4294-BF97-849CFD8902B4}" dt="2024-08-26T19:58:45.279" v="1225"/>
@@ -2582,42 +629,6 @@
             <pc:sldMasterMk cId="750026568" sldId="2147483872"/>
             <pc:sldLayoutMk cId="3190064094" sldId="2147483876"/>
           </pc:sldLayoutMkLst>
-          <pc:spChg chg="mod">
-            <ac:chgData name="Pablo Esteban Gutiérrez-Fonseca (he/him)" userId="25bdc618-995f-415b-9b28-31563f05eb38" providerId="ADAL" clId="{3B6BBC6A-93EF-4294-BF97-849CFD8902B4}" dt="2024-08-26T19:58:45.279" v="1225"/>
-            <ac:spMkLst>
-              <pc:docMk/>
-              <pc:sldMasterMk cId="750026568" sldId="2147483872"/>
-              <pc:sldLayoutMk cId="3190064094" sldId="2147483876"/>
-              <ac:spMk id="12" creationId="{00000000-0000-0000-0000-000000000000}"/>
-            </ac:spMkLst>
-          </pc:spChg>
-          <pc:spChg chg="mod">
-            <ac:chgData name="Pablo Esteban Gutiérrez-Fonseca (he/him)" userId="25bdc618-995f-415b-9b28-31563f05eb38" providerId="ADAL" clId="{3B6BBC6A-93EF-4294-BF97-849CFD8902B4}" dt="2024-08-26T19:58:45.279" v="1225"/>
-            <ac:spMkLst>
-              <pc:docMk/>
-              <pc:sldMasterMk cId="750026568" sldId="2147483872"/>
-              <pc:sldLayoutMk cId="3190064094" sldId="2147483876"/>
-              <ac:spMk id="13" creationId="{00000000-0000-0000-0000-000000000000}"/>
-            </ac:spMkLst>
-          </pc:spChg>
-          <pc:spChg chg="mod">
-            <ac:chgData name="Pablo Esteban Gutiérrez-Fonseca (he/him)" userId="25bdc618-995f-415b-9b28-31563f05eb38" providerId="ADAL" clId="{3B6BBC6A-93EF-4294-BF97-849CFD8902B4}" dt="2024-08-26T19:58:45.279" v="1225"/>
-            <ac:spMkLst>
-              <pc:docMk/>
-              <pc:sldMasterMk cId="750026568" sldId="2147483872"/>
-              <pc:sldLayoutMk cId="3190064094" sldId="2147483876"/>
-              <ac:spMk id="14" creationId="{00000000-0000-0000-0000-000000000000}"/>
-            </ac:spMkLst>
-          </pc:spChg>
-          <pc:picChg chg="mod">
-            <ac:chgData name="Pablo Esteban Gutiérrez-Fonseca (he/him)" userId="25bdc618-995f-415b-9b28-31563f05eb38" providerId="ADAL" clId="{3B6BBC6A-93EF-4294-BF97-849CFD8902B4}" dt="2024-08-26T19:58:45.279" v="1225"/>
-            <ac:picMkLst>
-              <pc:docMk/>
-              <pc:sldMasterMk cId="750026568" sldId="2147483872"/>
-              <pc:sldLayoutMk cId="3190064094" sldId="2147483876"/>
-              <ac:picMk id="10" creationId="{00000000-0000-0000-0000-000000000000}"/>
-            </ac:picMkLst>
-          </pc:picChg>
         </pc:sldLayoutChg>
         <pc:sldLayoutChg chg="modSp">
           <pc:chgData name="Pablo Esteban Gutiérrez-Fonseca (he/him)" userId="25bdc618-995f-415b-9b28-31563f05eb38" providerId="ADAL" clId="{3B6BBC6A-93EF-4294-BF97-849CFD8902B4}" dt="2024-08-26T19:58:45.279" v="1225"/>
@@ -2626,60 +637,6 @@
             <pc:sldMasterMk cId="750026568" sldId="2147483872"/>
             <pc:sldLayoutMk cId="94217475" sldId="2147483877"/>
           </pc:sldLayoutMkLst>
-          <pc:spChg chg="mod">
-            <ac:chgData name="Pablo Esteban Gutiérrez-Fonseca (he/him)" userId="25bdc618-995f-415b-9b28-31563f05eb38" providerId="ADAL" clId="{3B6BBC6A-93EF-4294-BF97-849CFD8902B4}" dt="2024-08-26T19:58:45.279" v="1225"/>
-            <ac:spMkLst>
-              <pc:docMk/>
-              <pc:sldMasterMk cId="750026568" sldId="2147483872"/>
-              <pc:sldLayoutMk cId="94217475" sldId="2147483877"/>
-              <ac:spMk id="3" creationId="{00000000-0000-0000-0000-000000000000}"/>
-            </ac:spMkLst>
-          </pc:spChg>
-          <pc:spChg chg="mod">
-            <ac:chgData name="Pablo Esteban Gutiérrez-Fonseca (he/him)" userId="25bdc618-995f-415b-9b28-31563f05eb38" providerId="ADAL" clId="{3B6BBC6A-93EF-4294-BF97-849CFD8902B4}" dt="2024-08-26T19:58:45.279" v="1225"/>
-            <ac:spMkLst>
-              <pc:docMk/>
-              <pc:sldMasterMk cId="750026568" sldId="2147483872"/>
-              <pc:sldLayoutMk cId="94217475" sldId="2147483877"/>
-              <ac:spMk id="5" creationId="{00000000-0000-0000-0000-000000000000}"/>
-            </ac:spMkLst>
-          </pc:spChg>
-          <pc:spChg chg="mod">
-            <ac:chgData name="Pablo Esteban Gutiérrez-Fonseca (he/him)" userId="25bdc618-995f-415b-9b28-31563f05eb38" providerId="ADAL" clId="{3B6BBC6A-93EF-4294-BF97-849CFD8902B4}" dt="2024-08-26T19:58:45.279" v="1225"/>
-            <ac:spMkLst>
-              <pc:docMk/>
-              <pc:sldMasterMk cId="750026568" sldId="2147483872"/>
-              <pc:sldLayoutMk cId="94217475" sldId="2147483877"/>
-              <ac:spMk id="12" creationId="{00000000-0000-0000-0000-000000000000}"/>
-            </ac:spMkLst>
-          </pc:spChg>
-          <pc:spChg chg="mod">
-            <ac:chgData name="Pablo Esteban Gutiérrez-Fonseca (he/him)" userId="25bdc618-995f-415b-9b28-31563f05eb38" providerId="ADAL" clId="{3B6BBC6A-93EF-4294-BF97-849CFD8902B4}" dt="2024-08-26T19:58:45.279" v="1225"/>
-            <ac:spMkLst>
-              <pc:docMk/>
-              <pc:sldMasterMk cId="750026568" sldId="2147483872"/>
-              <pc:sldLayoutMk cId="94217475" sldId="2147483877"/>
-              <ac:spMk id="13" creationId="{00000000-0000-0000-0000-000000000000}"/>
-            </ac:spMkLst>
-          </pc:spChg>
-          <pc:spChg chg="mod">
-            <ac:chgData name="Pablo Esteban Gutiérrez-Fonseca (he/him)" userId="25bdc618-995f-415b-9b28-31563f05eb38" providerId="ADAL" clId="{3B6BBC6A-93EF-4294-BF97-849CFD8902B4}" dt="2024-08-26T19:58:45.279" v="1225"/>
-            <ac:spMkLst>
-              <pc:docMk/>
-              <pc:sldMasterMk cId="750026568" sldId="2147483872"/>
-              <pc:sldLayoutMk cId="94217475" sldId="2147483877"/>
-              <ac:spMk id="14" creationId="{00000000-0000-0000-0000-000000000000}"/>
-            </ac:spMkLst>
-          </pc:spChg>
-          <pc:picChg chg="mod">
-            <ac:chgData name="Pablo Esteban Gutiérrez-Fonseca (he/him)" userId="25bdc618-995f-415b-9b28-31563f05eb38" providerId="ADAL" clId="{3B6BBC6A-93EF-4294-BF97-849CFD8902B4}" dt="2024-08-26T19:58:45.279" v="1225"/>
-            <ac:picMkLst>
-              <pc:docMk/>
-              <pc:sldMasterMk cId="750026568" sldId="2147483872"/>
-              <pc:sldLayoutMk cId="94217475" sldId="2147483877"/>
-              <ac:picMk id="15" creationId="{00000000-0000-0000-0000-000000000000}"/>
-            </ac:picMkLst>
-          </pc:picChg>
         </pc:sldLayoutChg>
         <pc:sldLayoutChg chg="modSp">
           <pc:chgData name="Pablo Esteban Gutiérrez-Fonseca (he/him)" userId="25bdc618-995f-415b-9b28-31563f05eb38" providerId="ADAL" clId="{3B6BBC6A-93EF-4294-BF97-849CFD8902B4}" dt="2024-08-26T19:58:45.279" v="1225"/>
@@ -2688,15 +645,6 @@
             <pc:sldMasterMk cId="750026568" sldId="2147483872"/>
             <pc:sldLayoutMk cId="3051224044" sldId="2147483878"/>
           </pc:sldLayoutMkLst>
-          <pc:picChg chg="mod">
-            <ac:chgData name="Pablo Esteban Gutiérrez-Fonseca (he/him)" userId="25bdc618-995f-415b-9b28-31563f05eb38" providerId="ADAL" clId="{3B6BBC6A-93EF-4294-BF97-849CFD8902B4}" dt="2024-08-26T19:58:45.279" v="1225"/>
-            <ac:picMkLst>
-              <pc:docMk/>
-              <pc:sldMasterMk cId="750026568" sldId="2147483872"/>
-              <pc:sldLayoutMk cId="3051224044" sldId="2147483878"/>
-              <ac:picMk id="8" creationId="{00000000-0000-0000-0000-000000000000}"/>
-            </ac:picMkLst>
-          </pc:picChg>
         </pc:sldLayoutChg>
         <pc:sldLayoutChg chg="modSp">
           <pc:chgData name="Pablo Esteban Gutiérrez-Fonseca (he/him)" userId="25bdc618-995f-415b-9b28-31563f05eb38" providerId="ADAL" clId="{3B6BBC6A-93EF-4294-BF97-849CFD8902B4}" dt="2024-08-26T19:58:45.279" v="1225"/>
@@ -2705,15 +653,6 @@
             <pc:sldMasterMk cId="750026568" sldId="2147483872"/>
             <pc:sldLayoutMk cId="3849581779" sldId="2147483879"/>
           </pc:sldLayoutMkLst>
-          <pc:picChg chg="mod">
-            <ac:chgData name="Pablo Esteban Gutiérrez-Fonseca (he/him)" userId="25bdc618-995f-415b-9b28-31563f05eb38" providerId="ADAL" clId="{3B6BBC6A-93EF-4294-BF97-849CFD8902B4}" dt="2024-08-26T19:58:45.279" v="1225"/>
-            <ac:picMkLst>
-              <pc:docMk/>
-              <pc:sldMasterMk cId="750026568" sldId="2147483872"/>
-              <pc:sldLayoutMk cId="3849581779" sldId="2147483879"/>
-              <ac:picMk id="7" creationId="{00000000-0000-0000-0000-000000000000}"/>
-            </ac:picMkLst>
-          </pc:picChg>
         </pc:sldLayoutChg>
         <pc:sldLayoutChg chg="modSp">
           <pc:chgData name="Pablo Esteban Gutiérrez-Fonseca (he/him)" userId="25bdc618-995f-415b-9b28-31563f05eb38" providerId="ADAL" clId="{3B6BBC6A-93EF-4294-BF97-849CFD8902B4}" dt="2024-08-26T19:58:45.279" v="1225"/>
@@ -2722,42 +661,6 @@
             <pc:sldMasterMk cId="750026568" sldId="2147483872"/>
             <pc:sldLayoutMk cId="118279864" sldId="2147483880"/>
           </pc:sldLayoutMkLst>
-          <pc:spChg chg="mod">
-            <ac:chgData name="Pablo Esteban Gutiérrez-Fonseca (he/him)" userId="25bdc618-995f-415b-9b28-31563f05eb38" providerId="ADAL" clId="{3B6BBC6A-93EF-4294-BF97-849CFD8902B4}" dt="2024-08-26T19:58:45.279" v="1225"/>
-            <ac:spMkLst>
-              <pc:docMk/>
-              <pc:sldMasterMk cId="750026568" sldId="2147483872"/>
-              <pc:sldLayoutMk cId="118279864" sldId="2147483880"/>
-              <ac:spMk id="2" creationId="{00000000-0000-0000-0000-000000000000}"/>
-            </ac:spMkLst>
-          </pc:spChg>
-          <pc:spChg chg="mod">
-            <ac:chgData name="Pablo Esteban Gutiérrez-Fonseca (he/him)" userId="25bdc618-995f-415b-9b28-31563f05eb38" providerId="ADAL" clId="{3B6BBC6A-93EF-4294-BF97-849CFD8902B4}" dt="2024-08-26T19:58:45.279" v="1225"/>
-            <ac:spMkLst>
-              <pc:docMk/>
-              <pc:sldMasterMk cId="750026568" sldId="2147483872"/>
-              <pc:sldLayoutMk cId="118279864" sldId="2147483880"/>
-              <ac:spMk id="4" creationId="{00000000-0000-0000-0000-000000000000}"/>
-            </ac:spMkLst>
-          </pc:spChg>
-          <pc:spChg chg="mod">
-            <ac:chgData name="Pablo Esteban Gutiérrez-Fonseca (he/him)" userId="25bdc618-995f-415b-9b28-31563f05eb38" providerId="ADAL" clId="{3B6BBC6A-93EF-4294-BF97-849CFD8902B4}" dt="2024-08-26T19:58:45.279" v="1225"/>
-            <ac:spMkLst>
-              <pc:docMk/>
-              <pc:sldMasterMk cId="750026568" sldId="2147483872"/>
-              <pc:sldLayoutMk cId="118279864" sldId="2147483880"/>
-              <ac:spMk id="10" creationId="{00000000-0000-0000-0000-000000000000}"/>
-            </ac:spMkLst>
-          </pc:spChg>
-          <pc:picChg chg="mod">
-            <ac:chgData name="Pablo Esteban Gutiérrez-Fonseca (he/him)" userId="25bdc618-995f-415b-9b28-31563f05eb38" providerId="ADAL" clId="{3B6BBC6A-93EF-4294-BF97-849CFD8902B4}" dt="2024-08-26T19:58:45.279" v="1225"/>
-            <ac:picMkLst>
-              <pc:docMk/>
-              <pc:sldMasterMk cId="750026568" sldId="2147483872"/>
-              <pc:sldLayoutMk cId="118279864" sldId="2147483880"/>
-              <ac:picMk id="11" creationId="{00000000-0000-0000-0000-000000000000}"/>
-            </ac:picMkLst>
-          </pc:picChg>
         </pc:sldLayoutChg>
         <pc:sldLayoutChg chg="modSp">
           <pc:chgData name="Pablo Esteban Gutiérrez-Fonseca (he/him)" userId="25bdc618-995f-415b-9b28-31563f05eb38" providerId="ADAL" clId="{3B6BBC6A-93EF-4294-BF97-849CFD8902B4}" dt="2024-08-26T19:58:45.279" v="1225"/>
@@ -2766,42 +669,6 @@
             <pc:sldMasterMk cId="750026568" sldId="2147483872"/>
             <pc:sldLayoutMk cId="389540903" sldId="2147483881"/>
           </pc:sldLayoutMkLst>
-          <pc:spChg chg="mod">
-            <ac:chgData name="Pablo Esteban Gutiérrez-Fonseca (he/him)" userId="25bdc618-995f-415b-9b28-31563f05eb38" providerId="ADAL" clId="{3B6BBC6A-93EF-4294-BF97-849CFD8902B4}" dt="2024-08-26T19:58:45.279" v="1225"/>
-            <ac:spMkLst>
-              <pc:docMk/>
-              <pc:sldMasterMk cId="750026568" sldId="2147483872"/>
-              <pc:sldLayoutMk cId="389540903" sldId="2147483881"/>
-              <ac:spMk id="2" creationId="{00000000-0000-0000-0000-000000000000}"/>
-            </ac:spMkLst>
-          </pc:spChg>
-          <pc:spChg chg="mod">
-            <ac:chgData name="Pablo Esteban Gutiérrez-Fonseca (he/him)" userId="25bdc618-995f-415b-9b28-31563f05eb38" providerId="ADAL" clId="{3B6BBC6A-93EF-4294-BF97-849CFD8902B4}" dt="2024-08-26T19:58:45.279" v="1225"/>
-            <ac:spMkLst>
-              <pc:docMk/>
-              <pc:sldMasterMk cId="750026568" sldId="2147483872"/>
-              <pc:sldLayoutMk cId="389540903" sldId="2147483881"/>
-              <ac:spMk id="3" creationId="{00000000-0000-0000-0000-000000000000}"/>
-            </ac:spMkLst>
-          </pc:spChg>
-          <pc:spChg chg="mod">
-            <ac:chgData name="Pablo Esteban Gutiérrez-Fonseca (he/him)" userId="25bdc618-995f-415b-9b28-31563f05eb38" providerId="ADAL" clId="{3B6BBC6A-93EF-4294-BF97-849CFD8902B4}" dt="2024-08-26T19:58:45.279" v="1225"/>
-            <ac:spMkLst>
-              <pc:docMk/>
-              <pc:sldMasterMk cId="750026568" sldId="2147483872"/>
-              <pc:sldLayoutMk cId="389540903" sldId="2147483881"/>
-              <ac:spMk id="4" creationId="{00000000-0000-0000-0000-000000000000}"/>
-            </ac:spMkLst>
-          </pc:spChg>
-          <pc:picChg chg="mod">
-            <ac:chgData name="Pablo Esteban Gutiérrez-Fonseca (he/him)" userId="25bdc618-995f-415b-9b28-31563f05eb38" providerId="ADAL" clId="{3B6BBC6A-93EF-4294-BF97-849CFD8902B4}" dt="2024-08-26T19:58:45.279" v="1225"/>
-            <ac:picMkLst>
-              <pc:docMk/>
-              <pc:sldMasterMk cId="750026568" sldId="2147483872"/>
-              <pc:sldLayoutMk cId="389540903" sldId="2147483881"/>
-              <ac:picMk id="10" creationId="{00000000-0000-0000-0000-000000000000}"/>
-            </ac:picMkLst>
-          </pc:picChg>
         </pc:sldLayoutChg>
         <pc:sldLayoutChg chg="modSp">
           <pc:chgData name="Pablo Esteban Gutiérrez-Fonseca (he/him)" userId="25bdc618-995f-415b-9b28-31563f05eb38" providerId="ADAL" clId="{3B6BBC6A-93EF-4294-BF97-849CFD8902B4}" dt="2024-08-26T19:58:45.279" v="1225"/>
@@ -2810,42 +677,6 @@
             <pc:sldMasterMk cId="750026568" sldId="2147483872"/>
             <pc:sldLayoutMk cId="3389814524" sldId="2147483882"/>
           </pc:sldLayoutMkLst>
-          <pc:spChg chg="mod">
-            <ac:chgData name="Pablo Esteban Gutiérrez-Fonseca (he/him)" userId="25bdc618-995f-415b-9b28-31563f05eb38" providerId="ADAL" clId="{3B6BBC6A-93EF-4294-BF97-849CFD8902B4}" dt="2024-08-26T19:58:45.279" v="1225"/>
-            <ac:spMkLst>
-              <pc:docMk/>
-              <pc:sldMasterMk cId="750026568" sldId="2147483872"/>
-              <pc:sldLayoutMk cId="3389814524" sldId="2147483882"/>
-              <ac:spMk id="2" creationId="{00000000-0000-0000-0000-000000000000}"/>
-            </ac:spMkLst>
-          </pc:spChg>
-          <pc:spChg chg="mod">
-            <ac:chgData name="Pablo Esteban Gutiérrez-Fonseca (he/him)" userId="25bdc618-995f-415b-9b28-31563f05eb38" providerId="ADAL" clId="{3B6BBC6A-93EF-4294-BF97-849CFD8902B4}" dt="2024-08-26T19:58:45.279" v="1225"/>
-            <ac:spMkLst>
-              <pc:docMk/>
-              <pc:sldMasterMk cId="750026568" sldId="2147483872"/>
-              <pc:sldLayoutMk cId="3389814524" sldId="2147483882"/>
-              <ac:spMk id="3" creationId="{00000000-0000-0000-0000-000000000000}"/>
-            </ac:spMkLst>
-          </pc:spChg>
-          <pc:spChg chg="mod">
-            <ac:chgData name="Pablo Esteban Gutiérrez-Fonseca (he/him)" userId="25bdc618-995f-415b-9b28-31563f05eb38" providerId="ADAL" clId="{3B6BBC6A-93EF-4294-BF97-849CFD8902B4}" dt="2024-08-26T19:58:45.279" v="1225"/>
-            <ac:spMkLst>
-              <pc:docMk/>
-              <pc:sldMasterMk cId="750026568" sldId="2147483872"/>
-              <pc:sldLayoutMk cId="3389814524" sldId="2147483882"/>
-              <ac:spMk id="4" creationId="{00000000-0000-0000-0000-000000000000}"/>
-            </ac:spMkLst>
-          </pc:spChg>
-          <pc:picChg chg="mod">
-            <ac:chgData name="Pablo Esteban Gutiérrez-Fonseca (he/him)" userId="25bdc618-995f-415b-9b28-31563f05eb38" providerId="ADAL" clId="{3B6BBC6A-93EF-4294-BF97-849CFD8902B4}" dt="2024-08-26T19:58:45.279" v="1225"/>
-            <ac:picMkLst>
-              <pc:docMk/>
-              <pc:sldMasterMk cId="750026568" sldId="2147483872"/>
-              <pc:sldLayoutMk cId="3389814524" sldId="2147483882"/>
-              <ac:picMk id="10" creationId="{00000000-0000-0000-0000-000000000000}"/>
-            </ac:picMkLst>
-          </pc:picChg>
         </pc:sldLayoutChg>
         <pc:sldLayoutChg chg="modSp">
           <pc:chgData name="Pablo Esteban Gutiérrez-Fonseca (he/him)" userId="25bdc618-995f-415b-9b28-31563f05eb38" providerId="ADAL" clId="{3B6BBC6A-93EF-4294-BF97-849CFD8902B4}" dt="2024-08-26T19:58:45.279" v="1225"/>
@@ -2854,33 +685,6 @@
             <pc:sldMasterMk cId="750026568" sldId="2147483872"/>
             <pc:sldLayoutMk cId="3284642197" sldId="2147483883"/>
           </pc:sldLayoutMkLst>
-          <pc:spChg chg="mod">
-            <ac:chgData name="Pablo Esteban Gutiérrez-Fonseca (he/him)" userId="25bdc618-995f-415b-9b28-31563f05eb38" providerId="ADAL" clId="{3B6BBC6A-93EF-4294-BF97-849CFD8902B4}" dt="2024-08-26T19:58:45.279" v="1225"/>
-            <ac:spMkLst>
-              <pc:docMk/>
-              <pc:sldMasterMk cId="750026568" sldId="2147483872"/>
-              <pc:sldLayoutMk cId="3284642197" sldId="2147483883"/>
-              <ac:spMk id="2" creationId="{00000000-0000-0000-0000-000000000000}"/>
-            </ac:spMkLst>
-          </pc:spChg>
-          <pc:spChg chg="mod">
-            <ac:chgData name="Pablo Esteban Gutiérrez-Fonseca (he/him)" userId="25bdc618-995f-415b-9b28-31563f05eb38" providerId="ADAL" clId="{3B6BBC6A-93EF-4294-BF97-849CFD8902B4}" dt="2024-08-26T19:58:45.279" v="1225"/>
-            <ac:spMkLst>
-              <pc:docMk/>
-              <pc:sldMasterMk cId="750026568" sldId="2147483872"/>
-              <pc:sldLayoutMk cId="3284642197" sldId="2147483883"/>
-              <ac:spMk id="4" creationId="{00000000-0000-0000-0000-000000000000}"/>
-            </ac:spMkLst>
-          </pc:spChg>
-          <pc:picChg chg="mod">
-            <ac:chgData name="Pablo Esteban Gutiérrez-Fonseca (he/him)" userId="25bdc618-995f-415b-9b28-31563f05eb38" providerId="ADAL" clId="{3B6BBC6A-93EF-4294-BF97-849CFD8902B4}" dt="2024-08-26T19:58:45.279" v="1225"/>
-            <ac:picMkLst>
-              <pc:docMk/>
-              <pc:sldMasterMk cId="750026568" sldId="2147483872"/>
-              <pc:sldLayoutMk cId="3284642197" sldId="2147483883"/>
-              <ac:picMk id="8" creationId="{00000000-0000-0000-0000-000000000000}"/>
-            </ac:picMkLst>
-          </pc:picChg>
         </pc:sldLayoutChg>
         <pc:sldLayoutChg chg="modSp">
           <pc:chgData name="Pablo Esteban Gutiérrez-Fonseca (he/him)" userId="25bdc618-995f-415b-9b28-31563f05eb38" providerId="ADAL" clId="{3B6BBC6A-93EF-4294-BF97-849CFD8902B4}" dt="2024-08-26T19:58:45.279" v="1225"/>
@@ -2889,60 +693,6 @@
             <pc:sldMasterMk cId="750026568" sldId="2147483872"/>
             <pc:sldLayoutMk cId="887018819" sldId="2147483884"/>
           </pc:sldLayoutMkLst>
-          <pc:spChg chg="mod">
-            <ac:chgData name="Pablo Esteban Gutiérrez-Fonseca (he/him)" userId="25bdc618-995f-415b-9b28-31563f05eb38" providerId="ADAL" clId="{3B6BBC6A-93EF-4294-BF97-849CFD8902B4}" dt="2024-08-26T19:58:45.279" v="1225"/>
-            <ac:spMkLst>
-              <pc:docMk/>
-              <pc:sldMasterMk cId="750026568" sldId="2147483872"/>
-              <pc:sldLayoutMk cId="887018819" sldId="2147483884"/>
-              <ac:spMk id="2" creationId="{00000000-0000-0000-0000-000000000000}"/>
-            </ac:spMkLst>
-          </pc:spChg>
-          <pc:spChg chg="mod">
-            <ac:chgData name="Pablo Esteban Gutiérrez-Fonseca (he/him)" userId="25bdc618-995f-415b-9b28-31563f05eb38" providerId="ADAL" clId="{3B6BBC6A-93EF-4294-BF97-849CFD8902B4}" dt="2024-08-26T19:58:45.279" v="1225"/>
-            <ac:spMkLst>
-              <pc:docMk/>
-              <pc:sldMasterMk cId="750026568" sldId="2147483872"/>
-              <pc:sldLayoutMk cId="887018819" sldId="2147483884"/>
-              <ac:spMk id="4" creationId="{00000000-0000-0000-0000-000000000000}"/>
-            </ac:spMkLst>
-          </pc:spChg>
-          <pc:spChg chg="mod">
-            <ac:chgData name="Pablo Esteban Gutiérrez-Fonseca (he/him)" userId="25bdc618-995f-415b-9b28-31563f05eb38" providerId="ADAL" clId="{3B6BBC6A-93EF-4294-BF97-849CFD8902B4}" dt="2024-08-26T19:58:45.279" v="1225"/>
-            <ac:spMkLst>
-              <pc:docMk/>
-              <pc:sldMasterMk cId="750026568" sldId="2147483872"/>
-              <pc:sldLayoutMk cId="887018819" sldId="2147483884"/>
-              <ac:spMk id="12" creationId="{00000000-0000-0000-0000-000000000000}"/>
-            </ac:spMkLst>
-          </pc:spChg>
-          <pc:spChg chg="mod">
-            <ac:chgData name="Pablo Esteban Gutiérrez-Fonseca (he/him)" userId="25bdc618-995f-415b-9b28-31563f05eb38" providerId="ADAL" clId="{3B6BBC6A-93EF-4294-BF97-849CFD8902B4}" dt="2024-08-26T19:58:45.279" v="1225"/>
-            <ac:spMkLst>
-              <pc:docMk/>
-              <pc:sldMasterMk cId="750026568" sldId="2147483872"/>
-              <pc:sldLayoutMk cId="887018819" sldId="2147483884"/>
-              <ac:spMk id="13" creationId="{00000000-0000-0000-0000-000000000000}"/>
-            </ac:spMkLst>
-          </pc:spChg>
-          <pc:spChg chg="mod">
-            <ac:chgData name="Pablo Esteban Gutiérrez-Fonseca (he/him)" userId="25bdc618-995f-415b-9b28-31563f05eb38" providerId="ADAL" clId="{3B6BBC6A-93EF-4294-BF97-849CFD8902B4}" dt="2024-08-26T19:58:45.279" v="1225"/>
-            <ac:spMkLst>
-              <pc:docMk/>
-              <pc:sldMasterMk cId="750026568" sldId="2147483872"/>
-              <pc:sldLayoutMk cId="887018819" sldId="2147483884"/>
-              <ac:spMk id="14" creationId="{00000000-0000-0000-0000-000000000000}"/>
-            </ac:spMkLst>
-          </pc:spChg>
-          <pc:picChg chg="mod">
-            <ac:chgData name="Pablo Esteban Gutiérrez-Fonseca (he/him)" userId="25bdc618-995f-415b-9b28-31563f05eb38" providerId="ADAL" clId="{3B6BBC6A-93EF-4294-BF97-849CFD8902B4}" dt="2024-08-26T19:58:45.279" v="1225"/>
-            <ac:picMkLst>
-              <pc:docMk/>
-              <pc:sldMasterMk cId="750026568" sldId="2147483872"/>
-              <pc:sldLayoutMk cId="887018819" sldId="2147483884"/>
-              <ac:picMk id="11" creationId="{00000000-0000-0000-0000-000000000000}"/>
-            </ac:picMkLst>
-          </pc:picChg>
         </pc:sldLayoutChg>
         <pc:sldLayoutChg chg="modSp">
           <pc:chgData name="Pablo Esteban Gutiérrez-Fonseca (he/him)" userId="25bdc618-995f-415b-9b28-31563f05eb38" providerId="ADAL" clId="{3B6BBC6A-93EF-4294-BF97-849CFD8902B4}" dt="2024-08-26T19:58:45.279" v="1225"/>
@@ -2951,33 +701,6 @@
             <pc:sldMasterMk cId="750026568" sldId="2147483872"/>
             <pc:sldLayoutMk cId="1949230184" sldId="2147483885"/>
           </pc:sldLayoutMkLst>
-          <pc:spChg chg="mod">
-            <ac:chgData name="Pablo Esteban Gutiérrez-Fonseca (he/him)" userId="25bdc618-995f-415b-9b28-31563f05eb38" providerId="ADAL" clId="{3B6BBC6A-93EF-4294-BF97-849CFD8902B4}" dt="2024-08-26T19:58:45.279" v="1225"/>
-            <ac:spMkLst>
-              <pc:docMk/>
-              <pc:sldMasterMk cId="750026568" sldId="2147483872"/>
-              <pc:sldLayoutMk cId="1949230184" sldId="2147483885"/>
-              <ac:spMk id="2" creationId="{00000000-0000-0000-0000-000000000000}"/>
-            </ac:spMkLst>
-          </pc:spChg>
-          <pc:spChg chg="mod">
-            <ac:chgData name="Pablo Esteban Gutiérrez-Fonseca (he/him)" userId="25bdc618-995f-415b-9b28-31563f05eb38" providerId="ADAL" clId="{3B6BBC6A-93EF-4294-BF97-849CFD8902B4}" dt="2024-08-26T19:58:45.279" v="1225"/>
-            <ac:spMkLst>
-              <pc:docMk/>
-              <pc:sldMasterMk cId="750026568" sldId="2147483872"/>
-              <pc:sldLayoutMk cId="1949230184" sldId="2147483885"/>
-              <ac:spMk id="4" creationId="{00000000-0000-0000-0000-000000000000}"/>
-            </ac:spMkLst>
-          </pc:spChg>
-          <pc:picChg chg="mod">
-            <ac:chgData name="Pablo Esteban Gutiérrez-Fonseca (he/him)" userId="25bdc618-995f-415b-9b28-31563f05eb38" providerId="ADAL" clId="{3B6BBC6A-93EF-4294-BF97-849CFD8902B4}" dt="2024-08-26T19:58:45.279" v="1225"/>
-            <ac:picMkLst>
-              <pc:docMk/>
-              <pc:sldMasterMk cId="750026568" sldId="2147483872"/>
-              <pc:sldLayoutMk cId="1949230184" sldId="2147483885"/>
-              <ac:picMk id="8" creationId="{00000000-0000-0000-0000-000000000000}"/>
-            </ac:picMkLst>
-          </pc:picChg>
         </pc:sldLayoutChg>
         <pc:sldLayoutChg chg="modSp">
           <pc:chgData name="Pablo Esteban Gutiérrez-Fonseca (he/him)" userId="25bdc618-995f-415b-9b28-31563f05eb38" providerId="ADAL" clId="{3B6BBC6A-93EF-4294-BF97-849CFD8902B4}" dt="2024-08-26T19:58:45.279" v="1225"/>
@@ -2986,78 +709,6 @@
             <pc:sldMasterMk cId="750026568" sldId="2147483872"/>
             <pc:sldLayoutMk cId="131713023" sldId="2147483886"/>
           </pc:sldLayoutMkLst>
-          <pc:spChg chg="mod">
-            <ac:chgData name="Pablo Esteban Gutiérrez-Fonseca (he/him)" userId="25bdc618-995f-415b-9b28-31563f05eb38" providerId="ADAL" clId="{3B6BBC6A-93EF-4294-BF97-849CFD8902B4}" dt="2024-08-26T19:58:45.279" v="1225"/>
-            <ac:spMkLst>
-              <pc:docMk/>
-              <pc:sldMasterMk cId="750026568" sldId="2147483872"/>
-              <pc:sldLayoutMk cId="131713023" sldId="2147483886"/>
-              <ac:spMk id="7" creationId="{00000000-0000-0000-0000-000000000000}"/>
-            </ac:spMkLst>
-          </pc:spChg>
-          <pc:spChg chg="mod">
-            <ac:chgData name="Pablo Esteban Gutiérrez-Fonseca (he/him)" userId="25bdc618-995f-415b-9b28-31563f05eb38" providerId="ADAL" clId="{3B6BBC6A-93EF-4294-BF97-849CFD8902B4}" dt="2024-08-26T19:58:45.279" v="1225"/>
-            <ac:spMkLst>
-              <pc:docMk/>
-              <pc:sldMasterMk cId="750026568" sldId="2147483872"/>
-              <pc:sldLayoutMk cId="131713023" sldId="2147483886"/>
-              <ac:spMk id="8" creationId="{00000000-0000-0000-0000-000000000000}"/>
-            </ac:spMkLst>
-          </pc:spChg>
-          <pc:spChg chg="mod">
-            <ac:chgData name="Pablo Esteban Gutiérrez-Fonseca (he/him)" userId="25bdc618-995f-415b-9b28-31563f05eb38" providerId="ADAL" clId="{3B6BBC6A-93EF-4294-BF97-849CFD8902B4}" dt="2024-08-26T19:58:45.279" v="1225"/>
-            <ac:spMkLst>
-              <pc:docMk/>
-              <pc:sldMasterMk cId="750026568" sldId="2147483872"/>
-              <pc:sldLayoutMk cId="131713023" sldId="2147483886"/>
-              <ac:spMk id="9" creationId="{00000000-0000-0000-0000-000000000000}"/>
-            </ac:spMkLst>
-          </pc:spChg>
-          <pc:spChg chg="mod">
-            <ac:chgData name="Pablo Esteban Gutiérrez-Fonseca (he/him)" userId="25bdc618-995f-415b-9b28-31563f05eb38" providerId="ADAL" clId="{3B6BBC6A-93EF-4294-BF97-849CFD8902B4}" dt="2024-08-26T19:58:45.279" v="1225"/>
-            <ac:spMkLst>
-              <pc:docMk/>
-              <pc:sldMasterMk cId="750026568" sldId="2147483872"/>
-              <pc:sldLayoutMk cId="131713023" sldId="2147483886"/>
-              <ac:spMk id="10" creationId="{00000000-0000-0000-0000-000000000000}"/>
-            </ac:spMkLst>
-          </pc:spChg>
-          <pc:spChg chg="mod">
-            <ac:chgData name="Pablo Esteban Gutiérrez-Fonseca (he/him)" userId="25bdc618-995f-415b-9b28-31563f05eb38" providerId="ADAL" clId="{3B6BBC6A-93EF-4294-BF97-849CFD8902B4}" dt="2024-08-26T19:58:45.279" v="1225"/>
-            <ac:spMkLst>
-              <pc:docMk/>
-              <pc:sldMasterMk cId="750026568" sldId="2147483872"/>
-              <pc:sldLayoutMk cId="131713023" sldId="2147483886"/>
-              <ac:spMk id="11" creationId="{00000000-0000-0000-0000-000000000000}"/>
-            </ac:spMkLst>
-          </pc:spChg>
-          <pc:spChg chg="mod">
-            <ac:chgData name="Pablo Esteban Gutiérrez-Fonseca (he/him)" userId="25bdc618-995f-415b-9b28-31563f05eb38" providerId="ADAL" clId="{3B6BBC6A-93EF-4294-BF97-849CFD8902B4}" dt="2024-08-26T19:58:45.279" v="1225"/>
-            <ac:spMkLst>
-              <pc:docMk/>
-              <pc:sldMasterMk cId="750026568" sldId="2147483872"/>
-              <pc:sldLayoutMk cId="131713023" sldId="2147483886"/>
-              <ac:spMk id="12" creationId="{00000000-0000-0000-0000-000000000000}"/>
-            </ac:spMkLst>
-          </pc:spChg>
-          <pc:spChg chg="mod">
-            <ac:chgData name="Pablo Esteban Gutiérrez-Fonseca (he/him)" userId="25bdc618-995f-415b-9b28-31563f05eb38" providerId="ADAL" clId="{3B6BBC6A-93EF-4294-BF97-849CFD8902B4}" dt="2024-08-26T19:58:45.279" v="1225"/>
-            <ac:spMkLst>
-              <pc:docMk/>
-              <pc:sldMasterMk cId="750026568" sldId="2147483872"/>
-              <pc:sldLayoutMk cId="131713023" sldId="2147483886"/>
-              <ac:spMk id="15" creationId="{00000000-0000-0000-0000-000000000000}"/>
-            </ac:spMkLst>
-          </pc:spChg>
-          <pc:picChg chg="mod">
-            <ac:chgData name="Pablo Esteban Gutiérrez-Fonseca (he/him)" userId="25bdc618-995f-415b-9b28-31563f05eb38" providerId="ADAL" clId="{3B6BBC6A-93EF-4294-BF97-849CFD8902B4}" dt="2024-08-26T19:58:45.279" v="1225"/>
-            <ac:picMkLst>
-              <pc:docMk/>
-              <pc:sldMasterMk cId="750026568" sldId="2147483872"/>
-              <pc:sldLayoutMk cId="131713023" sldId="2147483886"/>
-              <ac:picMk id="13" creationId="{00000000-0000-0000-0000-000000000000}"/>
-            </ac:picMkLst>
-          </pc:picChg>
         </pc:sldLayoutChg>
         <pc:sldLayoutChg chg="modSp">
           <pc:chgData name="Pablo Esteban Gutiérrez-Fonseca (he/him)" userId="25bdc618-995f-415b-9b28-31563f05eb38" providerId="ADAL" clId="{3B6BBC6A-93EF-4294-BF97-849CFD8902B4}" dt="2024-08-26T19:58:45.279" v="1225"/>
@@ -3066,105 +717,6 @@
             <pc:sldMasterMk cId="750026568" sldId="2147483872"/>
             <pc:sldLayoutMk cId="2039803230" sldId="2147483887"/>
           </pc:sldLayoutMkLst>
-          <pc:spChg chg="mod">
-            <ac:chgData name="Pablo Esteban Gutiérrez-Fonseca (he/him)" userId="25bdc618-995f-415b-9b28-31563f05eb38" providerId="ADAL" clId="{3B6BBC6A-93EF-4294-BF97-849CFD8902B4}" dt="2024-08-26T19:58:45.279" v="1225"/>
-            <ac:spMkLst>
-              <pc:docMk/>
-              <pc:sldMasterMk cId="750026568" sldId="2147483872"/>
-              <pc:sldLayoutMk cId="2039803230" sldId="2147483887"/>
-              <ac:spMk id="19" creationId="{00000000-0000-0000-0000-000000000000}"/>
-            </ac:spMkLst>
-          </pc:spChg>
-          <pc:spChg chg="mod">
-            <ac:chgData name="Pablo Esteban Gutiérrez-Fonseca (he/him)" userId="25bdc618-995f-415b-9b28-31563f05eb38" providerId="ADAL" clId="{3B6BBC6A-93EF-4294-BF97-849CFD8902B4}" dt="2024-08-26T19:58:45.279" v="1225"/>
-            <ac:spMkLst>
-              <pc:docMk/>
-              <pc:sldMasterMk cId="750026568" sldId="2147483872"/>
-              <pc:sldLayoutMk cId="2039803230" sldId="2147483887"/>
-              <ac:spMk id="20" creationId="{00000000-0000-0000-0000-000000000000}"/>
-            </ac:spMkLst>
-          </pc:spChg>
-          <pc:spChg chg="mod">
-            <ac:chgData name="Pablo Esteban Gutiérrez-Fonseca (he/him)" userId="25bdc618-995f-415b-9b28-31563f05eb38" providerId="ADAL" clId="{3B6BBC6A-93EF-4294-BF97-849CFD8902B4}" dt="2024-08-26T19:58:45.279" v="1225"/>
-            <ac:spMkLst>
-              <pc:docMk/>
-              <pc:sldMasterMk cId="750026568" sldId="2147483872"/>
-              <pc:sldLayoutMk cId="2039803230" sldId="2147483887"/>
-              <ac:spMk id="21" creationId="{00000000-0000-0000-0000-000000000000}"/>
-            </ac:spMkLst>
-          </pc:spChg>
-          <pc:spChg chg="mod">
-            <ac:chgData name="Pablo Esteban Gutiérrez-Fonseca (he/him)" userId="25bdc618-995f-415b-9b28-31563f05eb38" providerId="ADAL" clId="{3B6BBC6A-93EF-4294-BF97-849CFD8902B4}" dt="2024-08-26T19:58:45.279" v="1225"/>
-            <ac:spMkLst>
-              <pc:docMk/>
-              <pc:sldMasterMk cId="750026568" sldId="2147483872"/>
-              <pc:sldLayoutMk cId="2039803230" sldId="2147483887"/>
-              <ac:spMk id="22" creationId="{00000000-0000-0000-0000-000000000000}"/>
-            </ac:spMkLst>
-          </pc:spChg>
-          <pc:spChg chg="mod">
-            <ac:chgData name="Pablo Esteban Gutiérrez-Fonseca (he/him)" userId="25bdc618-995f-415b-9b28-31563f05eb38" providerId="ADAL" clId="{3B6BBC6A-93EF-4294-BF97-849CFD8902B4}" dt="2024-08-26T19:58:45.279" v="1225"/>
-            <ac:spMkLst>
-              <pc:docMk/>
-              <pc:sldMasterMk cId="750026568" sldId="2147483872"/>
-              <pc:sldLayoutMk cId="2039803230" sldId="2147483887"/>
-              <ac:spMk id="23" creationId="{00000000-0000-0000-0000-000000000000}"/>
-            </ac:spMkLst>
-          </pc:spChg>
-          <pc:spChg chg="mod">
-            <ac:chgData name="Pablo Esteban Gutiérrez-Fonseca (he/him)" userId="25bdc618-995f-415b-9b28-31563f05eb38" providerId="ADAL" clId="{3B6BBC6A-93EF-4294-BF97-849CFD8902B4}" dt="2024-08-26T19:58:45.279" v="1225"/>
-            <ac:spMkLst>
-              <pc:docMk/>
-              <pc:sldMasterMk cId="750026568" sldId="2147483872"/>
-              <pc:sldLayoutMk cId="2039803230" sldId="2147483887"/>
-              <ac:spMk id="24" creationId="{00000000-0000-0000-0000-000000000000}"/>
-            </ac:spMkLst>
-          </pc:spChg>
-          <pc:spChg chg="mod">
-            <ac:chgData name="Pablo Esteban Gutiérrez-Fonseca (he/him)" userId="25bdc618-995f-415b-9b28-31563f05eb38" providerId="ADAL" clId="{3B6BBC6A-93EF-4294-BF97-849CFD8902B4}" dt="2024-08-26T19:58:45.279" v="1225"/>
-            <ac:spMkLst>
-              <pc:docMk/>
-              <pc:sldMasterMk cId="750026568" sldId="2147483872"/>
-              <pc:sldLayoutMk cId="2039803230" sldId="2147483887"/>
-              <ac:spMk id="25" creationId="{00000000-0000-0000-0000-000000000000}"/>
-            </ac:spMkLst>
-          </pc:spChg>
-          <pc:spChg chg="mod">
-            <ac:chgData name="Pablo Esteban Gutiérrez-Fonseca (he/him)" userId="25bdc618-995f-415b-9b28-31563f05eb38" providerId="ADAL" clId="{3B6BBC6A-93EF-4294-BF97-849CFD8902B4}" dt="2024-08-26T19:58:45.279" v="1225"/>
-            <ac:spMkLst>
-              <pc:docMk/>
-              <pc:sldMasterMk cId="750026568" sldId="2147483872"/>
-              <pc:sldLayoutMk cId="2039803230" sldId="2147483887"/>
-              <ac:spMk id="26" creationId="{00000000-0000-0000-0000-000000000000}"/>
-            </ac:spMkLst>
-          </pc:spChg>
-          <pc:spChg chg="mod">
-            <ac:chgData name="Pablo Esteban Gutiérrez-Fonseca (he/him)" userId="25bdc618-995f-415b-9b28-31563f05eb38" providerId="ADAL" clId="{3B6BBC6A-93EF-4294-BF97-849CFD8902B4}" dt="2024-08-26T19:58:45.279" v="1225"/>
-            <ac:spMkLst>
-              <pc:docMk/>
-              <pc:sldMasterMk cId="750026568" sldId="2147483872"/>
-              <pc:sldLayoutMk cId="2039803230" sldId="2147483887"/>
-              <ac:spMk id="27" creationId="{00000000-0000-0000-0000-000000000000}"/>
-            </ac:spMkLst>
-          </pc:spChg>
-          <pc:spChg chg="mod">
-            <ac:chgData name="Pablo Esteban Gutiérrez-Fonseca (he/him)" userId="25bdc618-995f-415b-9b28-31563f05eb38" providerId="ADAL" clId="{3B6BBC6A-93EF-4294-BF97-849CFD8902B4}" dt="2024-08-26T19:58:45.279" v="1225"/>
-            <ac:spMkLst>
-              <pc:docMk/>
-              <pc:sldMasterMk cId="750026568" sldId="2147483872"/>
-              <pc:sldLayoutMk cId="2039803230" sldId="2147483887"/>
-              <ac:spMk id="30" creationId="{00000000-0000-0000-0000-000000000000}"/>
-            </ac:spMkLst>
-          </pc:spChg>
-          <pc:picChg chg="mod">
-            <ac:chgData name="Pablo Esteban Gutiérrez-Fonseca (he/him)" userId="25bdc618-995f-415b-9b28-31563f05eb38" providerId="ADAL" clId="{3B6BBC6A-93EF-4294-BF97-849CFD8902B4}" dt="2024-08-26T19:58:45.279" v="1225"/>
-            <ac:picMkLst>
-              <pc:docMk/>
-              <pc:sldMasterMk cId="750026568" sldId="2147483872"/>
-              <pc:sldLayoutMk cId="2039803230" sldId="2147483887"/>
-              <ac:picMk id="16" creationId="{00000000-0000-0000-0000-000000000000}"/>
-            </ac:picMkLst>
-          </pc:picChg>
         </pc:sldLayoutChg>
         <pc:sldLayoutChg chg="modSp">
           <pc:chgData name="Pablo Esteban Gutiérrez-Fonseca (he/him)" userId="25bdc618-995f-415b-9b28-31563f05eb38" providerId="ADAL" clId="{3B6BBC6A-93EF-4294-BF97-849CFD8902B4}" dt="2024-08-26T19:58:45.279" v="1225"/>
@@ -3173,24 +725,6 @@
             <pc:sldMasterMk cId="750026568" sldId="2147483872"/>
             <pc:sldLayoutMk cId="4158401230" sldId="2147483888"/>
           </pc:sldLayoutMkLst>
-          <pc:spChg chg="mod">
-            <ac:chgData name="Pablo Esteban Gutiérrez-Fonseca (he/him)" userId="25bdc618-995f-415b-9b28-31563f05eb38" providerId="ADAL" clId="{3B6BBC6A-93EF-4294-BF97-849CFD8902B4}" dt="2024-08-26T19:58:45.279" v="1225"/>
-            <ac:spMkLst>
-              <pc:docMk/>
-              <pc:sldMasterMk cId="750026568" sldId="2147483872"/>
-              <pc:sldLayoutMk cId="4158401230" sldId="2147483888"/>
-              <ac:spMk id="11" creationId="{00000000-0000-0000-0000-000000000000}"/>
-            </ac:spMkLst>
-          </pc:spChg>
-          <pc:picChg chg="mod">
-            <ac:chgData name="Pablo Esteban Gutiérrez-Fonseca (he/him)" userId="25bdc618-995f-415b-9b28-31563f05eb38" providerId="ADAL" clId="{3B6BBC6A-93EF-4294-BF97-849CFD8902B4}" dt="2024-08-26T19:58:45.279" v="1225"/>
-            <ac:picMkLst>
-              <pc:docMk/>
-              <pc:sldMasterMk cId="750026568" sldId="2147483872"/>
-              <pc:sldLayoutMk cId="4158401230" sldId="2147483888"/>
-              <ac:picMk id="8" creationId="{00000000-0000-0000-0000-000000000000}"/>
-            </ac:picMkLst>
-          </pc:picChg>
         </pc:sldLayoutChg>
         <pc:sldLayoutChg chg="modSp">
           <pc:chgData name="Pablo Esteban Gutiérrez-Fonseca (he/him)" userId="25bdc618-995f-415b-9b28-31563f05eb38" providerId="ADAL" clId="{3B6BBC6A-93EF-4294-BF97-849CFD8902B4}" dt="2024-08-26T19:58:45.279" v="1225"/>
@@ -3199,33 +733,6 @@
             <pc:sldMasterMk cId="750026568" sldId="2147483872"/>
             <pc:sldLayoutMk cId="2009900409" sldId="2147483889"/>
           </pc:sldLayoutMkLst>
-          <pc:spChg chg="mod">
-            <ac:chgData name="Pablo Esteban Gutiérrez-Fonseca (he/him)" userId="25bdc618-995f-415b-9b28-31563f05eb38" providerId="ADAL" clId="{3B6BBC6A-93EF-4294-BF97-849CFD8902B4}" dt="2024-08-26T19:58:45.279" v="1225"/>
-            <ac:spMkLst>
-              <pc:docMk/>
-              <pc:sldMasterMk cId="750026568" sldId="2147483872"/>
-              <pc:sldLayoutMk cId="2009900409" sldId="2147483889"/>
-              <ac:spMk id="2" creationId="{00000000-0000-0000-0000-000000000000}"/>
-            </ac:spMkLst>
-          </pc:spChg>
-          <pc:spChg chg="mod">
-            <ac:chgData name="Pablo Esteban Gutiérrez-Fonseca (he/him)" userId="25bdc618-995f-415b-9b28-31563f05eb38" providerId="ADAL" clId="{3B6BBC6A-93EF-4294-BF97-849CFD8902B4}" dt="2024-08-26T19:58:45.279" v="1225"/>
-            <ac:spMkLst>
-              <pc:docMk/>
-              <pc:sldMasterMk cId="750026568" sldId="2147483872"/>
-              <pc:sldLayoutMk cId="2009900409" sldId="2147483889"/>
-              <ac:spMk id="8" creationId="{00000000-0000-0000-0000-000000000000}"/>
-            </ac:spMkLst>
-          </pc:spChg>
-          <pc:picChg chg="mod">
-            <ac:chgData name="Pablo Esteban Gutiérrez-Fonseca (he/him)" userId="25bdc618-995f-415b-9b28-31563f05eb38" providerId="ADAL" clId="{3B6BBC6A-93EF-4294-BF97-849CFD8902B4}" dt="2024-08-26T19:58:45.279" v="1225"/>
-            <ac:picMkLst>
-              <pc:docMk/>
-              <pc:sldMasterMk cId="750026568" sldId="2147483872"/>
-              <pc:sldLayoutMk cId="2009900409" sldId="2147483889"/>
-              <ac:picMk id="9" creationId="{00000000-0000-0000-0000-000000000000}"/>
-            </ac:picMkLst>
-          </pc:picChg>
         </pc:sldLayoutChg>
       </pc:sldMasterChg>
       <pc:sldMasterChg chg="del delSldLayout">
@@ -3377,46 +884,6 @@
           <pc:docMk/>
           <pc:sldMasterMk cId="1543298892" sldId="2147483908"/>
         </pc:sldMasterMkLst>
-        <pc:spChg chg="mod">
-          <ac:chgData name="Pablo Esteban Gutiérrez-Fonseca (he/him)" userId="25bdc618-995f-415b-9b28-31563f05eb38" providerId="ADAL" clId="{3B6BBC6A-93EF-4294-BF97-849CFD8902B4}" dt="2024-08-26T19:58:45.279" v="1225"/>
-          <ac:spMkLst>
-            <pc:docMk/>
-            <pc:sldMasterMk cId="1543298892" sldId="2147483908"/>
-            <ac:spMk id="2" creationId="{31EEC54D-F7B7-6F4B-A1F4-8F1BE459B91E}"/>
-          </ac:spMkLst>
-        </pc:spChg>
-        <pc:spChg chg="mod">
-          <ac:chgData name="Pablo Esteban Gutiérrez-Fonseca (he/him)" userId="25bdc618-995f-415b-9b28-31563f05eb38" providerId="ADAL" clId="{3B6BBC6A-93EF-4294-BF97-849CFD8902B4}" dt="2024-08-26T19:58:45.279" v="1225"/>
-          <ac:spMkLst>
-            <pc:docMk/>
-            <pc:sldMasterMk cId="1543298892" sldId="2147483908"/>
-            <ac:spMk id="3" creationId="{9CE88430-4C45-941F-9AE4-00FC4C02E4F8}"/>
-          </ac:spMkLst>
-        </pc:spChg>
-        <pc:spChg chg="mod">
-          <ac:chgData name="Pablo Esteban Gutiérrez-Fonseca (he/him)" userId="25bdc618-995f-415b-9b28-31563f05eb38" providerId="ADAL" clId="{3B6BBC6A-93EF-4294-BF97-849CFD8902B4}" dt="2024-08-26T19:58:45.279" v="1225"/>
-          <ac:spMkLst>
-            <pc:docMk/>
-            <pc:sldMasterMk cId="1543298892" sldId="2147483908"/>
-            <ac:spMk id="4" creationId="{0485DACF-DE3C-B376-1D5B-1D8B62D623F8}"/>
-          </ac:spMkLst>
-        </pc:spChg>
-        <pc:spChg chg="mod">
-          <ac:chgData name="Pablo Esteban Gutiérrez-Fonseca (he/him)" userId="25bdc618-995f-415b-9b28-31563f05eb38" providerId="ADAL" clId="{3B6BBC6A-93EF-4294-BF97-849CFD8902B4}" dt="2024-08-26T19:58:45.279" v="1225"/>
-          <ac:spMkLst>
-            <pc:docMk/>
-            <pc:sldMasterMk cId="1543298892" sldId="2147483908"/>
-            <ac:spMk id="5" creationId="{100DCBB1-869C-4ED4-337C-F7EE881D4C4B}"/>
-          </ac:spMkLst>
-        </pc:spChg>
-        <pc:spChg chg="mod">
-          <ac:chgData name="Pablo Esteban Gutiérrez-Fonseca (he/him)" userId="25bdc618-995f-415b-9b28-31563f05eb38" providerId="ADAL" clId="{3B6BBC6A-93EF-4294-BF97-849CFD8902B4}" dt="2024-08-26T19:58:45.279" v="1225"/>
-          <ac:spMkLst>
-            <pc:docMk/>
-            <pc:sldMasterMk cId="1543298892" sldId="2147483908"/>
-            <ac:spMk id="6" creationId="{07BA04AE-84F9-A9AE-5DBD-64E45061D043}"/>
-          </ac:spMkLst>
-        </pc:spChg>
         <pc:sldLayoutChg chg="modSp">
           <pc:chgData name="Pablo Esteban Gutiérrez-Fonseca (he/him)" userId="25bdc618-995f-415b-9b28-31563f05eb38" providerId="ADAL" clId="{3B6BBC6A-93EF-4294-BF97-849CFD8902B4}" dt="2024-08-26T19:58:45.279" v="1225"/>
           <pc:sldLayoutMkLst>
@@ -3424,24 +891,6 @@
             <pc:sldMasterMk cId="1543298892" sldId="2147483908"/>
             <pc:sldLayoutMk cId="3541822502" sldId="2147483909"/>
           </pc:sldLayoutMkLst>
-          <pc:spChg chg="mod">
-            <ac:chgData name="Pablo Esteban Gutiérrez-Fonseca (he/him)" userId="25bdc618-995f-415b-9b28-31563f05eb38" providerId="ADAL" clId="{3B6BBC6A-93EF-4294-BF97-849CFD8902B4}" dt="2024-08-26T19:58:45.279" v="1225"/>
-            <ac:spMkLst>
-              <pc:docMk/>
-              <pc:sldMasterMk cId="1543298892" sldId="2147483908"/>
-              <pc:sldLayoutMk cId="3541822502" sldId="2147483909"/>
-              <ac:spMk id="2" creationId="{80D3D0F6-F897-B6E8-3D80-F53A5096108A}"/>
-            </ac:spMkLst>
-          </pc:spChg>
-          <pc:spChg chg="mod">
-            <ac:chgData name="Pablo Esteban Gutiérrez-Fonseca (he/him)" userId="25bdc618-995f-415b-9b28-31563f05eb38" providerId="ADAL" clId="{3B6BBC6A-93EF-4294-BF97-849CFD8902B4}" dt="2024-08-26T19:58:45.279" v="1225"/>
-            <ac:spMkLst>
-              <pc:docMk/>
-              <pc:sldMasterMk cId="1543298892" sldId="2147483908"/>
-              <pc:sldLayoutMk cId="3541822502" sldId="2147483909"/>
-              <ac:spMk id="3" creationId="{FB3007B0-9B13-F3E0-A513-B671F48C0E36}"/>
-            </ac:spMkLst>
-          </pc:spChg>
         </pc:sldLayoutChg>
         <pc:sldLayoutChg chg="modSp">
           <pc:chgData name="Pablo Esteban Gutiérrez-Fonseca (he/him)" userId="25bdc618-995f-415b-9b28-31563f05eb38" providerId="ADAL" clId="{3B6BBC6A-93EF-4294-BF97-849CFD8902B4}" dt="2024-08-26T19:58:45.279" v="1225"/>
@@ -3450,24 +899,6 @@
             <pc:sldMasterMk cId="1543298892" sldId="2147483908"/>
             <pc:sldLayoutMk cId="2243027271" sldId="2147483911"/>
           </pc:sldLayoutMkLst>
-          <pc:spChg chg="mod">
-            <ac:chgData name="Pablo Esteban Gutiérrez-Fonseca (he/him)" userId="25bdc618-995f-415b-9b28-31563f05eb38" providerId="ADAL" clId="{3B6BBC6A-93EF-4294-BF97-849CFD8902B4}" dt="2024-08-26T19:58:45.279" v="1225"/>
-            <ac:spMkLst>
-              <pc:docMk/>
-              <pc:sldMasterMk cId="1543298892" sldId="2147483908"/>
-              <pc:sldLayoutMk cId="2243027271" sldId="2147483911"/>
-              <ac:spMk id="2" creationId="{F612DDD8-A20B-73C7-5B78-7CDC785AB767}"/>
-            </ac:spMkLst>
-          </pc:spChg>
-          <pc:spChg chg="mod">
-            <ac:chgData name="Pablo Esteban Gutiérrez-Fonseca (he/him)" userId="25bdc618-995f-415b-9b28-31563f05eb38" providerId="ADAL" clId="{3B6BBC6A-93EF-4294-BF97-849CFD8902B4}" dt="2024-08-26T19:58:45.279" v="1225"/>
-            <ac:spMkLst>
-              <pc:docMk/>
-              <pc:sldMasterMk cId="1543298892" sldId="2147483908"/>
-              <pc:sldLayoutMk cId="2243027271" sldId="2147483911"/>
-              <ac:spMk id="3" creationId="{2EB960A1-5B4D-52DF-443C-277BB78E2593}"/>
-            </ac:spMkLst>
-          </pc:spChg>
         </pc:sldLayoutChg>
         <pc:sldLayoutChg chg="modSp">
           <pc:chgData name="Pablo Esteban Gutiérrez-Fonseca (he/him)" userId="25bdc618-995f-415b-9b28-31563f05eb38" providerId="ADAL" clId="{3B6BBC6A-93EF-4294-BF97-849CFD8902B4}" dt="2024-08-26T19:58:45.279" v="1225"/>
@@ -3476,24 +907,6 @@
             <pc:sldMasterMk cId="1543298892" sldId="2147483908"/>
             <pc:sldLayoutMk cId="555356698" sldId="2147483912"/>
           </pc:sldLayoutMkLst>
-          <pc:spChg chg="mod">
-            <ac:chgData name="Pablo Esteban Gutiérrez-Fonseca (he/him)" userId="25bdc618-995f-415b-9b28-31563f05eb38" providerId="ADAL" clId="{3B6BBC6A-93EF-4294-BF97-849CFD8902B4}" dt="2024-08-26T19:58:45.279" v="1225"/>
-            <ac:spMkLst>
-              <pc:docMk/>
-              <pc:sldMasterMk cId="1543298892" sldId="2147483908"/>
-              <pc:sldLayoutMk cId="555356698" sldId="2147483912"/>
-              <ac:spMk id="3" creationId="{352C9364-A75B-9F00-C845-244E81758D96}"/>
-            </ac:spMkLst>
-          </pc:spChg>
-          <pc:spChg chg="mod">
-            <ac:chgData name="Pablo Esteban Gutiérrez-Fonseca (he/him)" userId="25bdc618-995f-415b-9b28-31563f05eb38" providerId="ADAL" clId="{3B6BBC6A-93EF-4294-BF97-849CFD8902B4}" dt="2024-08-26T19:58:45.279" v="1225"/>
-            <ac:spMkLst>
-              <pc:docMk/>
-              <pc:sldMasterMk cId="1543298892" sldId="2147483908"/>
-              <pc:sldLayoutMk cId="555356698" sldId="2147483912"/>
-              <ac:spMk id="4" creationId="{5D0F0510-15EF-2EE5-690C-EAAA158C1552}"/>
-            </ac:spMkLst>
-          </pc:spChg>
         </pc:sldLayoutChg>
         <pc:sldLayoutChg chg="modSp">
           <pc:chgData name="Pablo Esteban Gutiérrez-Fonseca (he/him)" userId="25bdc618-995f-415b-9b28-31563f05eb38" providerId="ADAL" clId="{3B6BBC6A-93EF-4294-BF97-849CFD8902B4}" dt="2024-08-26T19:58:45.279" v="1225"/>
@@ -3502,51 +915,6 @@
             <pc:sldMasterMk cId="1543298892" sldId="2147483908"/>
             <pc:sldLayoutMk cId="1068579342" sldId="2147483913"/>
           </pc:sldLayoutMkLst>
-          <pc:spChg chg="mod">
-            <ac:chgData name="Pablo Esteban Gutiérrez-Fonseca (he/him)" userId="25bdc618-995f-415b-9b28-31563f05eb38" providerId="ADAL" clId="{3B6BBC6A-93EF-4294-BF97-849CFD8902B4}" dt="2024-08-26T19:58:45.279" v="1225"/>
-            <ac:spMkLst>
-              <pc:docMk/>
-              <pc:sldMasterMk cId="1543298892" sldId="2147483908"/>
-              <pc:sldLayoutMk cId="1068579342" sldId="2147483913"/>
-              <ac:spMk id="2" creationId="{CFB4BA03-26C7-9D5E-D6D5-24B61620435F}"/>
-            </ac:spMkLst>
-          </pc:spChg>
-          <pc:spChg chg="mod">
-            <ac:chgData name="Pablo Esteban Gutiérrez-Fonseca (he/him)" userId="25bdc618-995f-415b-9b28-31563f05eb38" providerId="ADAL" clId="{3B6BBC6A-93EF-4294-BF97-849CFD8902B4}" dt="2024-08-26T19:58:45.279" v="1225"/>
-            <ac:spMkLst>
-              <pc:docMk/>
-              <pc:sldMasterMk cId="1543298892" sldId="2147483908"/>
-              <pc:sldLayoutMk cId="1068579342" sldId="2147483913"/>
-              <ac:spMk id="3" creationId="{099F865B-8F23-9F23-8032-8646115E4FEC}"/>
-            </ac:spMkLst>
-          </pc:spChg>
-          <pc:spChg chg="mod">
-            <ac:chgData name="Pablo Esteban Gutiérrez-Fonseca (he/him)" userId="25bdc618-995f-415b-9b28-31563f05eb38" providerId="ADAL" clId="{3B6BBC6A-93EF-4294-BF97-849CFD8902B4}" dt="2024-08-26T19:58:45.279" v="1225"/>
-            <ac:spMkLst>
-              <pc:docMk/>
-              <pc:sldMasterMk cId="1543298892" sldId="2147483908"/>
-              <pc:sldLayoutMk cId="1068579342" sldId="2147483913"/>
-              <ac:spMk id="4" creationId="{ABDFFC51-BB99-88EF-4D40-6B7101D24603}"/>
-            </ac:spMkLst>
-          </pc:spChg>
-          <pc:spChg chg="mod">
-            <ac:chgData name="Pablo Esteban Gutiérrez-Fonseca (he/him)" userId="25bdc618-995f-415b-9b28-31563f05eb38" providerId="ADAL" clId="{3B6BBC6A-93EF-4294-BF97-849CFD8902B4}" dt="2024-08-26T19:58:45.279" v="1225"/>
-            <ac:spMkLst>
-              <pc:docMk/>
-              <pc:sldMasterMk cId="1543298892" sldId="2147483908"/>
-              <pc:sldLayoutMk cId="1068579342" sldId="2147483913"/>
-              <ac:spMk id="5" creationId="{1EC5C571-38F7-1FBD-8AE9-750D44435A7F}"/>
-            </ac:spMkLst>
-          </pc:spChg>
-          <pc:spChg chg="mod">
-            <ac:chgData name="Pablo Esteban Gutiérrez-Fonseca (he/him)" userId="25bdc618-995f-415b-9b28-31563f05eb38" providerId="ADAL" clId="{3B6BBC6A-93EF-4294-BF97-849CFD8902B4}" dt="2024-08-26T19:58:45.279" v="1225"/>
-            <ac:spMkLst>
-              <pc:docMk/>
-              <pc:sldMasterMk cId="1543298892" sldId="2147483908"/>
-              <pc:sldLayoutMk cId="1068579342" sldId="2147483913"/>
-              <ac:spMk id="6" creationId="{B41CF9E8-79D8-10B0-F0AB-FF9599311410}"/>
-            </ac:spMkLst>
-          </pc:spChg>
         </pc:sldLayoutChg>
         <pc:sldLayoutChg chg="modSp">
           <pc:chgData name="Pablo Esteban Gutiérrez-Fonseca (he/him)" userId="25bdc618-995f-415b-9b28-31563f05eb38" providerId="ADAL" clId="{3B6BBC6A-93EF-4294-BF97-849CFD8902B4}" dt="2024-08-26T19:58:45.279" v="1225"/>
@@ -3555,33 +923,6 @@
             <pc:sldMasterMk cId="1543298892" sldId="2147483908"/>
             <pc:sldLayoutMk cId="545505351" sldId="2147483916"/>
           </pc:sldLayoutMkLst>
-          <pc:spChg chg="mod">
-            <ac:chgData name="Pablo Esteban Gutiérrez-Fonseca (he/him)" userId="25bdc618-995f-415b-9b28-31563f05eb38" providerId="ADAL" clId="{3B6BBC6A-93EF-4294-BF97-849CFD8902B4}" dt="2024-08-26T19:58:45.279" v="1225"/>
-            <ac:spMkLst>
-              <pc:docMk/>
-              <pc:sldMasterMk cId="1543298892" sldId="2147483908"/>
-              <pc:sldLayoutMk cId="545505351" sldId="2147483916"/>
-              <ac:spMk id="2" creationId="{D6F43C8F-57C3-A47F-8199-965D2462CE04}"/>
-            </ac:spMkLst>
-          </pc:spChg>
-          <pc:spChg chg="mod">
-            <ac:chgData name="Pablo Esteban Gutiérrez-Fonseca (he/him)" userId="25bdc618-995f-415b-9b28-31563f05eb38" providerId="ADAL" clId="{3B6BBC6A-93EF-4294-BF97-849CFD8902B4}" dt="2024-08-26T19:58:45.279" v="1225"/>
-            <ac:spMkLst>
-              <pc:docMk/>
-              <pc:sldMasterMk cId="1543298892" sldId="2147483908"/>
-              <pc:sldLayoutMk cId="545505351" sldId="2147483916"/>
-              <ac:spMk id="3" creationId="{BE864D47-D2E0-03E4-DB87-273FFBC27BF0}"/>
-            </ac:spMkLst>
-          </pc:spChg>
-          <pc:spChg chg="mod">
-            <ac:chgData name="Pablo Esteban Gutiérrez-Fonseca (he/him)" userId="25bdc618-995f-415b-9b28-31563f05eb38" providerId="ADAL" clId="{3B6BBC6A-93EF-4294-BF97-849CFD8902B4}" dt="2024-08-26T19:58:45.279" v="1225"/>
-            <ac:spMkLst>
-              <pc:docMk/>
-              <pc:sldMasterMk cId="1543298892" sldId="2147483908"/>
-              <pc:sldLayoutMk cId="545505351" sldId="2147483916"/>
-              <ac:spMk id="4" creationId="{A7C91AC0-7E18-60F4-C98D-23FC39FDCC9A}"/>
-            </ac:spMkLst>
-          </pc:spChg>
         </pc:sldLayoutChg>
         <pc:sldLayoutChg chg="modSp">
           <pc:chgData name="Pablo Esteban Gutiérrez-Fonseca (he/him)" userId="25bdc618-995f-415b-9b28-31563f05eb38" providerId="ADAL" clId="{3B6BBC6A-93EF-4294-BF97-849CFD8902B4}" dt="2024-08-26T19:58:45.279" v="1225"/>
@@ -3590,33 +931,6 @@
             <pc:sldMasterMk cId="1543298892" sldId="2147483908"/>
             <pc:sldLayoutMk cId="1306080547" sldId="2147483917"/>
           </pc:sldLayoutMkLst>
-          <pc:spChg chg="mod">
-            <ac:chgData name="Pablo Esteban Gutiérrez-Fonseca (he/him)" userId="25bdc618-995f-415b-9b28-31563f05eb38" providerId="ADAL" clId="{3B6BBC6A-93EF-4294-BF97-849CFD8902B4}" dt="2024-08-26T19:58:45.279" v="1225"/>
-            <ac:spMkLst>
-              <pc:docMk/>
-              <pc:sldMasterMk cId="1543298892" sldId="2147483908"/>
-              <pc:sldLayoutMk cId="1306080547" sldId="2147483917"/>
-              <ac:spMk id="2" creationId="{B37A79E3-0562-2F56-CB60-19232EC338D2}"/>
-            </ac:spMkLst>
-          </pc:spChg>
-          <pc:spChg chg="mod">
-            <ac:chgData name="Pablo Esteban Gutiérrez-Fonseca (he/him)" userId="25bdc618-995f-415b-9b28-31563f05eb38" providerId="ADAL" clId="{3B6BBC6A-93EF-4294-BF97-849CFD8902B4}" dt="2024-08-26T19:58:45.279" v="1225"/>
-            <ac:spMkLst>
-              <pc:docMk/>
-              <pc:sldMasterMk cId="1543298892" sldId="2147483908"/>
-              <pc:sldLayoutMk cId="1306080547" sldId="2147483917"/>
-              <ac:spMk id="3" creationId="{265C61D5-E6B7-3F96-18A7-C630B716CED3}"/>
-            </ac:spMkLst>
-          </pc:spChg>
-          <pc:spChg chg="mod">
-            <ac:chgData name="Pablo Esteban Gutiérrez-Fonseca (he/him)" userId="25bdc618-995f-415b-9b28-31563f05eb38" providerId="ADAL" clId="{3B6BBC6A-93EF-4294-BF97-849CFD8902B4}" dt="2024-08-26T19:58:45.279" v="1225"/>
-            <ac:spMkLst>
-              <pc:docMk/>
-              <pc:sldMasterMk cId="1543298892" sldId="2147483908"/>
-              <pc:sldLayoutMk cId="1306080547" sldId="2147483917"/>
-              <ac:spMk id="4" creationId="{015A8BD1-923D-4D99-6717-196D85C800F1}"/>
-            </ac:spMkLst>
-          </pc:spChg>
         </pc:sldLayoutChg>
         <pc:sldLayoutChg chg="modSp">
           <pc:chgData name="Pablo Esteban Gutiérrez-Fonseca (he/him)" userId="25bdc618-995f-415b-9b28-31563f05eb38" providerId="ADAL" clId="{3B6BBC6A-93EF-4294-BF97-849CFD8902B4}" dt="2024-08-26T19:58:45.279" v="1225"/>
@@ -3625,24 +939,6 @@
             <pc:sldMasterMk cId="1543298892" sldId="2147483908"/>
             <pc:sldLayoutMk cId="2775791925" sldId="2147483919"/>
           </pc:sldLayoutMkLst>
-          <pc:spChg chg="mod">
-            <ac:chgData name="Pablo Esteban Gutiérrez-Fonseca (he/him)" userId="25bdc618-995f-415b-9b28-31563f05eb38" providerId="ADAL" clId="{3B6BBC6A-93EF-4294-BF97-849CFD8902B4}" dt="2024-08-26T19:58:45.279" v="1225"/>
-            <ac:spMkLst>
-              <pc:docMk/>
-              <pc:sldMasterMk cId="1543298892" sldId="2147483908"/>
-              <pc:sldLayoutMk cId="2775791925" sldId="2147483919"/>
-              <ac:spMk id="2" creationId="{A3AB386B-60A3-2E06-EB28-3EC52D3B3BB3}"/>
-            </ac:spMkLst>
-          </pc:spChg>
-          <pc:spChg chg="mod">
-            <ac:chgData name="Pablo Esteban Gutiérrez-Fonseca (he/him)" userId="25bdc618-995f-415b-9b28-31563f05eb38" providerId="ADAL" clId="{3B6BBC6A-93EF-4294-BF97-849CFD8902B4}" dt="2024-08-26T19:58:45.279" v="1225"/>
-            <ac:spMkLst>
-              <pc:docMk/>
-              <pc:sldMasterMk cId="1543298892" sldId="2147483908"/>
-              <pc:sldLayoutMk cId="2775791925" sldId="2147483919"/>
-              <ac:spMk id="3" creationId="{C9C8EDD3-74FA-0EA7-3D9E-87B592B39AF7}"/>
-            </ac:spMkLst>
-          </pc:spChg>
         </pc:sldLayoutChg>
       </pc:sldMasterChg>
       <pc:sldMasterChg chg="modSldLayout">
@@ -3658,15 +954,6 @@
             <pc:sldMasterMk cId="719895899" sldId="2147483920"/>
             <pc:sldLayoutMk cId="604459388" sldId="2147483950"/>
           </pc:sldLayoutMkLst>
-          <pc:picChg chg="del">
-            <ac:chgData name="Pablo Esteban Gutiérrez-Fonseca (he/him)" userId="25bdc618-995f-415b-9b28-31563f05eb38" providerId="ADAL" clId="{3B6BBC6A-93EF-4294-BF97-849CFD8902B4}" dt="2024-08-26T20:45:08.109" v="1414"/>
-            <ac:picMkLst>
-              <pc:docMk/>
-              <pc:sldMasterMk cId="719895899" sldId="2147483920"/>
-              <pc:sldLayoutMk cId="604459388" sldId="2147483950"/>
-              <ac:picMk id="3" creationId="{00000000-0000-0000-0000-000000000000}"/>
-            </ac:picMkLst>
-          </pc:picChg>
         </pc:sldLayoutChg>
       </pc:sldMasterChg>
     </pc:docChg>
@@ -3684,14 +971,6 @@
           <pc:docMk/>
           <pc:sldMk cId="2295454701" sldId="420"/>
         </pc:sldMkLst>
-        <pc:spChg chg="mod">
-          <ac:chgData name="Pablo Gutiérrez-Fonseca" userId="25bdc618-995f-415b-9b28-31563f05eb38" providerId="ADAL" clId="{C3EE3D45-322B-4DC8-9516-C60CB2B24238}" dt="2023-06-20T01:05:46.691" v="0" actId="20577"/>
-          <ac:spMkLst>
-            <pc:docMk/>
-            <pc:sldMk cId="2295454701" sldId="420"/>
-            <ac:spMk id="40963" creationId="{00000000-0000-0000-0000-000000000000}"/>
-          </ac:spMkLst>
-        </pc:spChg>
       </pc:sldChg>
     </pc:docChg>
   </pc:docChgLst>
@@ -3708,78 +987,6 @@
           <pc:docMk/>
           <pc:sldMk cId="374054744" sldId="412"/>
         </pc:sldMkLst>
-        <pc:spChg chg="mod">
-          <ac:chgData name="Pablo Gutiérrez-Fonseca" userId="25bdc618-995f-415b-9b28-31563f05eb38" providerId="ADAL" clId="{B2BCF7D6-F4DF-4804-AFFC-A3E30798B188}" dt="2022-12-26T05:20:41.336" v="86" actId="1076"/>
-          <ac:spMkLst>
-            <pc:docMk/>
-            <pc:sldMk cId="374054744" sldId="412"/>
-            <ac:spMk id="4" creationId="{00000000-0000-0000-0000-000000000000}"/>
-          </ac:spMkLst>
-        </pc:spChg>
-        <pc:spChg chg="mod">
-          <ac:chgData name="Pablo Gutiérrez-Fonseca" userId="25bdc618-995f-415b-9b28-31563f05eb38" providerId="ADAL" clId="{B2BCF7D6-F4DF-4804-AFFC-A3E30798B188}" dt="2022-12-26T05:29:05.284" v="155" actId="108"/>
-          <ac:spMkLst>
-            <pc:docMk/>
-            <pc:sldMk cId="374054744" sldId="412"/>
-            <ac:spMk id="8" creationId="{00000000-0000-0000-0000-000000000000}"/>
-          </ac:spMkLst>
-        </pc:spChg>
-        <pc:spChg chg="mod">
-          <ac:chgData name="Pablo Gutiérrez-Fonseca" userId="25bdc618-995f-415b-9b28-31563f05eb38" providerId="ADAL" clId="{B2BCF7D6-F4DF-4804-AFFC-A3E30798B188}" dt="2022-12-26T05:25:58.276" v="148"/>
-          <ac:spMkLst>
-            <pc:docMk/>
-            <pc:sldMk cId="374054744" sldId="412"/>
-            <ac:spMk id="9" creationId="{00000000-0000-0000-0000-000000000000}"/>
-          </ac:spMkLst>
-        </pc:spChg>
-        <pc:spChg chg="mod">
-          <ac:chgData name="Pablo Gutiérrez-Fonseca" userId="25bdc618-995f-415b-9b28-31563f05eb38" providerId="ADAL" clId="{B2BCF7D6-F4DF-4804-AFFC-A3E30798B188}" dt="2022-12-26T05:25:53.616" v="147" actId="20577"/>
-          <ac:spMkLst>
-            <pc:docMk/>
-            <pc:sldMk cId="374054744" sldId="412"/>
-            <ac:spMk id="10" creationId="{00000000-0000-0000-0000-000000000000}"/>
-          </ac:spMkLst>
-        </pc:spChg>
-        <pc:spChg chg="mod">
-          <ac:chgData name="Pablo Gutiérrez-Fonseca" userId="25bdc618-995f-415b-9b28-31563f05eb38" providerId="ADAL" clId="{B2BCF7D6-F4DF-4804-AFFC-A3E30798B188}" dt="2022-12-26T05:28:45.505" v="153" actId="20577"/>
-          <ac:spMkLst>
-            <pc:docMk/>
-            <pc:sldMk cId="374054744" sldId="412"/>
-            <ac:spMk id="11" creationId="{00000000-0000-0000-0000-000000000000}"/>
-          </ac:spMkLst>
-        </pc:spChg>
-        <pc:spChg chg="mod">
-          <ac:chgData name="Pablo Gutiérrez-Fonseca" userId="25bdc618-995f-415b-9b28-31563f05eb38" providerId="ADAL" clId="{B2BCF7D6-F4DF-4804-AFFC-A3E30798B188}" dt="2022-12-26T05:23:42.903" v="142" actId="108"/>
-          <ac:spMkLst>
-            <pc:docMk/>
-            <pc:sldMk cId="374054744" sldId="412"/>
-            <ac:spMk id="12" creationId="{00000000-0000-0000-0000-000000000000}"/>
-          </ac:spMkLst>
-        </pc:spChg>
-        <pc:spChg chg="mod">
-          <ac:chgData name="Pablo Gutiérrez-Fonseca" userId="25bdc618-995f-415b-9b28-31563f05eb38" providerId="ADAL" clId="{B2BCF7D6-F4DF-4804-AFFC-A3E30798B188}" dt="2022-12-26T05:25:24.737" v="145" actId="20577"/>
-          <ac:spMkLst>
-            <pc:docMk/>
-            <pc:sldMk cId="374054744" sldId="412"/>
-            <ac:spMk id="13" creationId="{00000000-0000-0000-0000-000000000000}"/>
-          </ac:spMkLst>
-        </pc:spChg>
-        <pc:picChg chg="del">
-          <ac:chgData name="Pablo Gutiérrez-Fonseca" userId="25bdc618-995f-415b-9b28-31563f05eb38" providerId="ADAL" clId="{B2BCF7D6-F4DF-4804-AFFC-A3E30798B188}" dt="2022-12-26T05:20:32.116" v="85" actId="478"/>
-          <ac:picMkLst>
-            <pc:docMk/>
-            <pc:sldMk cId="374054744" sldId="412"/>
-            <ac:picMk id="5" creationId="{00000000-0000-0000-0000-000000000000}"/>
-          </ac:picMkLst>
-        </pc:picChg>
-        <pc:picChg chg="add mod">
-          <ac:chgData name="Pablo Gutiérrez-Fonseca" userId="25bdc618-995f-415b-9b28-31563f05eb38" providerId="ADAL" clId="{B2BCF7D6-F4DF-4804-AFFC-A3E30798B188}" dt="2022-12-26T05:26:55.657" v="151" actId="1076"/>
-          <ac:picMkLst>
-            <pc:docMk/>
-            <pc:sldMk cId="374054744" sldId="412"/>
-            <ac:picMk id="1026" creationId="{061A6EDB-C61A-B892-6B1A-B2D62D2139EA}"/>
-          </ac:picMkLst>
-        </pc:picChg>
       </pc:sldChg>
       <pc:sldChg chg="modSp">
         <pc:chgData name="Pablo Gutiérrez-Fonseca" userId="25bdc618-995f-415b-9b28-31563f05eb38" providerId="ADAL" clId="{B2BCF7D6-F4DF-4804-AFFC-A3E30798B188}" dt="2022-12-26T05:47:41.667" v="227" actId="313"/>
@@ -3787,14 +994,6 @@
           <pc:docMk/>
           <pc:sldMk cId="827436259" sldId="413"/>
         </pc:sldMkLst>
-        <pc:spChg chg="mod">
-          <ac:chgData name="Pablo Gutiérrez-Fonseca" userId="25bdc618-995f-415b-9b28-31563f05eb38" providerId="ADAL" clId="{B2BCF7D6-F4DF-4804-AFFC-A3E30798B188}" dt="2022-12-26T05:47:41.667" v="227" actId="313"/>
-          <ac:spMkLst>
-            <pc:docMk/>
-            <pc:sldMk cId="827436259" sldId="413"/>
-            <ac:spMk id="9" creationId="{00000000-0000-0000-0000-000000000000}"/>
-          </ac:spMkLst>
-        </pc:spChg>
       </pc:sldChg>
       <pc:sldChg chg="add del">
         <pc:chgData name="Pablo Gutiérrez-Fonseca" userId="25bdc618-995f-415b-9b28-31563f05eb38" providerId="ADAL" clId="{B2BCF7D6-F4DF-4804-AFFC-A3E30798B188}" dt="2022-12-26T05:41:33.144" v="180" actId="47"/>
@@ -3830,62 +1029,6 @@
           <pc:docMk/>
           <pc:sldMk cId="2295454701" sldId="420"/>
         </pc:sldMkLst>
-        <pc:spChg chg="del">
-          <ac:chgData name="Pablo Gutiérrez-Fonseca" userId="25bdc618-995f-415b-9b28-31563f05eb38" providerId="ADAL" clId="{B2BCF7D6-F4DF-4804-AFFC-A3E30798B188}" dt="2022-12-26T04:20:08.610" v="75" actId="478"/>
-          <ac:spMkLst>
-            <pc:docMk/>
-            <pc:sldMk cId="2295454701" sldId="420"/>
-            <ac:spMk id="6" creationId="{B689E623-C727-2E4F-B2DC-6977BC91DAFF}"/>
-          </ac:spMkLst>
-        </pc:spChg>
-        <pc:spChg chg="del">
-          <ac:chgData name="Pablo Gutiérrez-Fonseca" userId="25bdc618-995f-415b-9b28-31563f05eb38" providerId="ADAL" clId="{B2BCF7D6-F4DF-4804-AFFC-A3E30798B188}" dt="2022-12-26T04:20:08.610" v="75" actId="478"/>
-          <ac:spMkLst>
-            <pc:docMk/>
-            <pc:sldMk cId="2295454701" sldId="420"/>
-            <ac:spMk id="8" creationId="{6D39CD11-B3BA-2848-BB5E-873286073404}"/>
-          </ac:spMkLst>
-        </pc:spChg>
-        <pc:spChg chg="del">
-          <ac:chgData name="Pablo Gutiérrez-Fonseca" userId="25bdc618-995f-415b-9b28-31563f05eb38" providerId="ADAL" clId="{B2BCF7D6-F4DF-4804-AFFC-A3E30798B188}" dt="2022-12-26T04:20:08.610" v="75" actId="478"/>
-          <ac:spMkLst>
-            <pc:docMk/>
-            <pc:sldMk cId="2295454701" sldId="420"/>
-            <ac:spMk id="13" creationId="{DEFC8952-C6D6-1849-B359-F49BB0106A63}"/>
-          </ac:spMkLst>
-        </pc:spChg>
-        <pc:spChg chg="mod">
-          <ac:chgData name="Pablo Gutiérrez-Fonseca" userId="25bdc618-995f-415b-9b28-31563f05eb38" providerId="ADAL" clId="{B2BCF7D6-F4DF-4804-AFFC-A3E30798B188}" dt="2022-12-26T04:19:57.478" v="72" actId="20577"/>
-          <ac:spMkLst>
-            <pc:docMk/>
-            <pc:sldMk cId="2295454701" sldId="420"/>
-            <ac:spMk id="40963" creationId="{00000000-0000-0000-0000-000000000000}"/>
-          </ac:spMkLst>
-        </pc:spChg>
-        <pc:picChg chg="add mod">
-          <ac:chgData name="Pablo Gutiérrez-Fonseca" userId="25bdc618-995f-415b-9b28-31563f05eb38" providerId="ADAL" clId="{B2BCF7D6-F4DF-4804-AFFC-A3E30798B188}" dt="2022-12-26T04:21:16.110" v="81" actId="1076"/>
-          <ac:picMkLst>
-            <pc:docMk/>
-            <pc:sldMk cId="2295454701" sldId="420"/>
-            <ac:picMk id="3" creationId="{BF856059-4649-CD42-08E2-8C935A06AB02}"/>
-          </ac:picMkLst>
-        </pc:picChg>
-        <pc:picChg chg="del">
-          <ac:chgData name="Pablo Gutiérrez-Fonseca" userId="25bdc618-995f-415b-9b28-31563f05eb38" providerId="ADAL" clId="{B2BCF7D6-F4DF-4804-AFFC-A3E30798B188}" dt="2022-12-26T04:20:05.492" v="74" actId="478"/>
-          <ac:picMkLst>
-            <pc:docMk/>
-            <pc:sldMk cId="2295454701" sldId="420"/>
-            <ac:picMk id="5" creationId="{564006D1-7F69-1948-827C-6FABC7702C1F}"/>
-          </ac:picMkLst>
-        </pc:picChg>
-        <pc:picChg chg="del">
-          <ac:chgData name="Pablo Gutiérrez-Fonseca" userId="25bdc618-995f-415b-9b28-31563f05eb38" providerId="ADAL" clId="{B2BCF7D6-F4DF-4804-AFFC-A3E30798B188}" dt="2022-12-26T04:20:01.506" v="73" actId="478"/>
-          <ac:picMkLst>
-            <pc:docMk/>
-            <pc:sldMk cId="2295454701" sldId="420"/>
-            <ac:picMk id="7" creationId="{7AFA89D9-1DC1-0749-A064-D11195DA0F08}"/>
-          </ac:picMkLst>
-        </pc:picChg>
       </pc:sldChg>
       <pc:sldChg chg="del">
         <pc:chgData name="Pablo Gutiérrez-Fonseca" userId="25bdc618-995f-415b-9b28-31563f05eb38" providerId="ADAL" clId="{B2BCF7D6-F4DF-4804-AFFC-A3E30798B188}" dt="2022-12-26T04:20:34.596" v="76" actId="47"/>
@@ -3935,86 +1078,6 @@
           <pc:docMk/>
           <pc:sldMk cId="79022222" sldId="434"/>
         </pc:sldMkLst>
-        <pc:spChg chg="del">
-          <ac:chgData name="Pablo Gutiérrez-Fonseca" userId="25bdc618-995f-415b-9b28-31563f05eb38" providerId="ADAL" clId="{B2BCF7D6-F4DF-4804-AFFC-A3E30798B188}" dt="2022-12-26T05:42:14.853" v="181" actId="478"/>
-          <ac:spMkLst>
-            <pc:docMk/>
-            <pc:sldMk cId="79022222" sldId="434"/>
-            <ac:spMk id="4" creationId="{00000000-0000-0000-0000-000000000000}"/>
-          </ac:spMkLst>
-        </pc:spChg>
-        <pc:spChg chg="mod">
-          <ac:chgData name="Pablo Gutiérrez-Fonseca" userId="25bdc618-995f-415b-9b28-31563f05eb38" providerId="ADAL" clId="{B2BCF7D6-F4DF-4804-AFFC-A3E30798B188}" dt="2022-12-26T05:47:02.019" v="226"/>
-          <ac:spMkLst>
-            <pc:docMk/>
-            <pc:sldMk cId="79022222" sldId="434"/>
-            <ac:spMk id="8" creationId="{00000000-0000-0000-0000-000000000000}"/>
-          </ac:spMkLst>
-        </pc:spChg>
-        <pc:spChg chg="mod">
-          <ac:chgData name="Pablo Gutiérrez-Fonseca" userId="25bdc618-995f-415b-9b28-31563f05eb38" providerId="ADAL" clId="{B2BCF7D6-F4DF-4804-AFFC-A3E30798B188}" dt="2022-12-26T05:54:01.315" v="321" actId="20577"/>
-          <ac:spMkLst>
-            <pc:docMk/>
-            <pc:sldMk cId="79022222" sldId="434"/>
-            <ac:spMk id="9" creationId="{00000000-0000-0000-0000-000000000000}"/>
-          </ac:spMkLst>
-        </pc:spChg>
-        <pc:spChg chg="mod">
-          <ac:chgData name="Pablo Gutiérrez-Fonseca" userId="25bdc618-995f-415b-9b28-31563f05eb38" providerId="ADAL" clId="{B2BCF7D6-F4DF-4804-AFFC-A3E30798B188}" dt="2022-12-26T05:49:22.327" v="233" actId="20577"/>
-          <ac:spMkLst>
-            <pc:docMk/>
-            <pc:sldMk cId="79022222" sldId="434"/>
-            <ac:spMk id="10" creationId="{00000000-0000-0000-0000-000000000000}"/>
-          </ac:spMkLst>
-        </pc:spChg>
-        <pc:spChg chg="mod">
-          <ac:chgData name="Pablo Gutiérrez-Fonseca" userId="25bdc618-995f-415b-9b28-31563f05eb38" providerId="ADAL" clId="{B2BCF7D6-F4DF-4804-AFFC-A3E30798B188}" dt="2022-12-26T05:50:15.777" v="255" actId="33524"/>
-          <ac:spMkLst>
-            <pc:docMk/>
-            <pc:sldMk cId="79022222" sldId="434"/>
-            <ac:spMk id="11" creationId="{00000000-0000-0000-0000-000000000000}"/>
-          </ac:spMkLst>
-        </pc:spChg>
-        <pc:spChg chg="mod">
-          <ac:chgData name="Pablo Gutiérrez-Fonseca" userId="25bdc618-995f-415b-9b28-31563f05eb38" providerId="ADAL" clId="{B2BCF7D6-F4DF-4804-AFFC-A3E30798B188}" dt="2022-12-26T05:53:44.349" v="316" actId="20577"/>
-          <ac:spMkLst>
-            <pc:docMk/>
-            <pc:sldMk cId="79022222" sldId="434"/>
-            <ac:spMk id="12" creationId="{00000000-0000-0000-0000-000000000000}"/>
-          </ac:spMkLst>
-        </pc:spChg>
-        <pc:spChg chg="mod">
-          <ac:chgData name="Pablo Gutiérrez-Fonseca" userId="25bdc618-995f-415b-9b28-31563f05eb38" providerId="ADAL" clId="{B2BCF7D6-F4DF-4804-AFFC-A3E30798B188}" dt="2022-12-26T05:55:58.836" v="345" actId="20577"/>
-          <ac:spMkLst>
-            <pc:docMk/>
-            <pc:sldMk cId="79022222" sldId="434"/>
-            <ac:spMk id="13" creationId="{00000000-0000-0000-0000-000000000000}"/>
-          </ac:spMkLst>
-        </pc:spChg>
-        <pc:picChg chg="del">
-          <ac:chgData name="Pablo Gutiérrez-Fonseca" userId="25bdc618-995f-415b-9b28-31563f05eb38" providerId="ADAL" clId="{B2BCF7D6-F4DF-4804-AFFC-A3E30798B188}" dt="2022-12-26T05:42:27.618" v="184" actId="478"/>
-          <ac:picMkLst>
-            <pc:docMk/>
-            <pc:sldMk cId="79022222" sldId="434"/>
-            <ac:picMk id="5" creationId="{00000000-0000-0000-0000-000000000000}"/>
-          </ac:picMkLst>
-        </pc:picChg>
-        <pc:picChg chg="add mod modCrop">
-          <ac:chgData name="Pablo Gutiérrez-Fonseca" userId="25bdc618-995f-415b-9b28-31563f05eb38" providerId="ADAL" clId="{B2BCF7D6-F4DF-4804-AFFC-A3E30798B188}" dt="2022-12-26T05:43:03.819" v="195" actId="14100"/>
-          <ac:picMkLst>
-            <pc:docMk/>
-            <pc:sldMk cId="79022222" sldId="434"/>
-            <ac:picMk id="6" creationId="{650A53BC-904F-D793-DEF3-752D9BD3DFE3}"/>
-          </ac:picMkLst>
-        </pc:picChg>
-        <pc:picChg chg="add mod modCrop">
-          <ac:chgData name="Pablo Gutiérrez-Fonseca" userId="25bdc618-995f-415b-9b28-31563f05eb38" providerId="ADAL" clId="{B2BCF7D6-F4DF-4804-AFFC-A3E30798B188}" dt="2022-12-26T05:43:09.033" v="196" actId="1076"/>
-          <ac:picMkLst>
-            <pc:docMk/>
-            <pc:sldMk cId="79022222" sldId="434"/>
-            <ac:picMk id="14" creationId="{EB38E2E7-D5AA-57BF-F0FC-95D3E7639427}"/>
-          </ac:picMkLst>
-        </pc:picChg>
       </pc:sldChg>
       <pc:sldChg chg="del">
         <pc:chgData name="Pablo Gutiérrez-Fonseca" userId="25bdc618-995f-415b-9b28-31563f05eb38" providerId="ADAL" clId="{B2BCF7D6-F4DF-4804-AFFC-A3E30798B188}" dt="2022-12-26T04:16:19.772" v="0" actId="47"/>
@@ -4029,54 +1092,6 @@
           <pc:docMk/>
           <pc:sldMk cId="4033477927" sldId="435"/>
         </pc:sldMkLst>
-        <pc:spChg chg="mod">
-          <ac:chgData name="Pablo Gutiérrez-Fonseca" userId="25bdc618-995f-415b-9b28-31563f05eb38" providerId="ADAL" clId="{B2BCF7D6-F4DF-4804-AFFC-A3E30798B188}" dt="2022-12-26T05:30:23.997" v="162" actId="404"/>
-          <ac:spMkLst>
-            <pc:docMk/>
-            <pc:sldMk cId="4033477927" sldId="435"/>
-            <ac:spMk id="8" creationId="{00000000-0000-0000-0000-000000000000}"/>
-          </ac:spMkLst>
-        </pc:spChg>
-        <pc:spChg chg="mod">
-          <ac:chgData name="Pablo Gutiérrez-Fonseca" userId="25bdc618-995f-415b-9b28-31563f05eb38" providerId="ADAL" clId="{B2BCF7D6-F4DF-4804-AFFC-A3E30798B188}" dt="2022-12-26T05:30:26.881" v="163" actId="108"/>
-          <ac:spMkLst>
-            <pc:docMk/>
-            <pc:sldMk cId="4033477927" sldId="435"/>
-            <ac:spMk id="9" creationId="{00000000-0000-0000-0000-000000000000}"/>
-          </ac:spMkLst>
-        </pc:spChg>
-        <pc:spChg chg="mod">
-          <ac:chgData name="Pablo Gutiérrez-Fonseca" userId="25bdc618-995f-415b-9b28-31563f05eb38" providerId="ADAL" clId="{B2BCF7D6-F4DF-4804-AFFC-A3E30798B188}" dt="2022-12-26T05:30:29.887" v="164" actId="108"/>
-          <ac:spMkLst>
-            <pc:docMk/>
-            <pc:sldMk cId="4033477927" sldId="435"/>
-            <ac:spMk id="10" creationId="{00000000-0000-0000-0000-000000000000}"/>
-          </ac:spMkLst>
-        </pc:spChg>
-        <pc:spChg chg="mod">
-          <ac:chgData name="Pablo Gutiérrez-Fonseca" userId="25bdc618-995f-415b-9b28-31563f05eb38" providerId="ADAL" clId="{B2BCF7D6-F4DF-4804-AFFC-A3E30798B188}" dt="2022-12-26T05:30:38.581" v="167" actId="108"/>
-          <ac:spMkLst>
-            <pc:docMk/>
-            <pc:sldMk cId="4033477927" sldId="435"/>
-            <ac:spMk id="11" creationId="{00000000-0000-0000-0000-000000000000}"/>
-          </ac:spMkLst>
-        </pc:spChg>
-        <pc:spChg chg="mod">
-          <ac:chgData name="Pablo Gutiérrez-Fonseca" userId="25bdc618-995f-415b-9b28-31563f05eb38" providerId="ADAL" clId="{B2BCF7D6-F4DF-4804-AFFC-A3E30798B188}" dt="2022-12-26T05:30:42.449" v="168" actId="108"/>
-          <ac:spMkLst>
-            <pc:docMk/>
-            <pc:sldMk cId="4033477927" sldId="435"/>
-            <ac:spMk id="12" creationId="{00000000-0000-0000-0000-000000000000}"/>
-          </ac:spMkLst>
-        </pc:spChg>
-        <pc:spChg chg="mod">
-          <ac:chgData name="Pablo Gutiérrez-Fonseca" userId="25bdc618-995f-415b-9b28-31563f05eb38" providerId="ADAL" clId="{B2BCF7D6-F4DF-4804-AFFC-A3E30798B188}" dt="2022-12-26T05:30:45.775" v="169" actId="108"/>
-          <ac:spMkLst>
-            <pc:docMk/>
-            <pc:sldMk cId="4033477927" sldId="435"/>
-            <ac:spMk id="13" creationId="{00000000-0000-0000-0000-000000000000}"/>
-          </ac:spMkLst>
-        </pc:spChg>
       </pc:sldChg>
       <pc:sldChg chg="modSp add del">
         <pc:chgData name="Pablo Gutiérrez-Fonseca" userId="25bdc618-995f-415b-9b28-31563f05eb38" providerId="ADAL" clId="{B2BCF7D6-F4DF-4804-AFFC-A3E30798B188}" dt="2022-12-26T05:34:22.014" v="177" actId="47"/>
@@ -4084,14 +1099,6 @@
           <pc:docMk/>
           <pc:sldMk cId="2329478892" sldId="436"/>
         </pc:sldMkLst>
-        <pc:spChg chg="mod">
-          <ac:chgData name="Pablo Gutiérrez-Fonseca" userId="25bdc618-995f-415b-9b28-31563f05eb38" providerId="ADAL" clId="{B2BCF7D6-F4DF-4804-AFFC-A3E30798B188}" dt="2022-12-26T05:32:17.204" v="175" actId="20577"/>
-          <ac:spMkLst>
-            <pc:docMk/>
-            <pc:sldMk cId="2329478892" sldId="436"/>
-            <ac:spMk id="8" creationId="{00000000-0000-0000-0000-000000000000}"/>
-          </ac:spMkLst>
-        </pc:spChg>
       </pc:sldChg>
     </pc:docChg>
   </pc:docChgLst>
@@ -4189,7 +1196,7 @@
               <a:pPr>
                 <a:defRPr/>
               </a:pPr>
-              <a:t>8/27/2024</a:t>
+              <a:t>12/24/2024</a:t>
             </a:fld>
             <a:endParaRPr lang="en-US"/>
           </a:p>
@@ -4403,7 +1410,7 @@
               <a:pPr>
                 <a:defRPr/>
               </a:pPr>
-              <a:t>8/27/2024</a:t>
+              <a:t>12/24/2024</a:t>
             </a:fld>
             <a:endParaRPr lang="en-US"/>
           </a:p>
@@ -6156,7 +3163,7 @@
               <a:pPr>
                 <a:defRPr/>
               </a:pPr>
-              <a:t>8/27/2024</a:t>
+              <a:t>12/24/2024</a:t>
             </a:fld>
             <a:endParaRPr lang="en-US"/>
           </a:p>
@@ -6341,7 +3348,7 @@
               <a:pPr>
                 <a:defRPr/>
               </a:pPr>
-              <a:t>8/27/2024</a:t>
+              <a:t>12/24/2024</a:t>
             </a:fld>
             <a:endParaRPr lang="en-US"/>
           </a:p>
@@ -6536,7 +3543,7 @@
               <a:pPr>
                 <a:defRPr/>
               </a:pPr>
-              <a:t>8/27/2024</a:t>
+              <a:t>12/24/2024</a:t>
             </a:fld>
             <a:endParaRPr lang="en-US"/>
           </a:p>
@@ -6725,7 +3732,7 @@
                 </a:solidFill>
               </a:rPr>
               <a:pPr/>
-              <a:t>8/27/2024</a:t>
+              <a:t>12/24/2024</a:t>
             </a:fld>
             <a:endParaRPr lang="en-US" dirty="0">
               <a:solidFill>
@@ -6918,7 +3925,7 @@
               <a:pPr>
                 <a:defRPr/>
               </a:pPr>
-              <a:t>8/27/2024</a:t>
+              <a:t>12/24/2024</a:t>
             </a:fld>
             <a:endParaRPr lang="en-US"/>
           </a:p>
@@ -7179,7 +4186,7 @@
               <a:pPr>
                 <a:defRPr/>
               </a:pPr>
-              <a:t>8/27/2024</a:t>
+              <a:t>12/24/2024</a:t>
             </a:fld>
             <a:endParaRPr lang="en-US"/>
           </a:p>
@@ -7426,7 +4433,7 @@
               <a:pPr>
                 <a:defRPr/>
               </a:pPr>
-              <a:t>8/27/2024</a:t>
+              <a:t>12/24/2024</a:t>
             </a:fld>
             <a:endParaRPr lang="en-US"/>
           </a:p>
@@ -7808,7 +4815,7 @@
               <a:pPr>
                 <a:defRPr/>
               </a:pPr>
-              <a:t>8/27/2024</a:t>
+              <a:t>12/24/2024</a:t>
             </a:fld>
             <a:endParaRPr lang="en-US"/>
           </a:p>
@@ -7941,7 +4948,7 @@
               <a:pPr>
                 <a:defRPr/>
               </a:pPr>
-              <a:t>8/27/2024</a:t>
+              <a:t>12/24/2024</a:t>
             </a:fld>
             <a:endParaRPr lang="en-US"/>
           </a:p>
@@ -8051,7 +5058,7 @@
               <a:pPr>
                 <a:defRPr/>
               </a:pPr>
-              <a:t>8/27/2024</a:t>
+              <a:t>12/24/2024</a:t>
             </a:fld>
             <a:endParaRPr lang="en-US"/>
           </a:p>
@@ -8343,7 +5350,7 @@
               <a:pPr>
                 <a:defRPr/>
               </a:pPr>
-              <a:t>8/27/2024</a:t>
+              <a:t>12/24/2024</a:t>
             </a:fld>
             <a:endParaRPr lang="en-US"/>
           </a:p>
@@ -8615,7 +5622,7 @@
               <a:pPr>
                 <a:defRPr/>
               </a:pPr>
-              <a:t>8/27/2024</a:t>
+              <a:t>12/24/2024</a:t>
             </a:fld>
             <a:endParaRPr lang="en-US"/>
           </a:p>
@@ -8858,7 +5865,7 @@
                   <a:spcPts val="0"/>
                 </a:spcAft>
               </a:pPr>
-              <a:t>8/27/2024</a:t>
+              <a:t>12/24/2024</a:t>
             </a:fld>
             <a:endParaRPr lang="en-US" dirty="0">
               <a:solidFill>
@@ -11716,7 +8723,7 @@
               </a:spcBef>
             </a:pPr>
             <a:r>
-              <a:rPr lang="en-US" sz="1700" dirty="0">
+              <a:rPr lang="en-US" sz="1700">
                 <a:latin typeface="Times New Roman" pitchFamily="18" charset="0"/>
               </a:rPr>
               <a:t>We hypothesize that its value is dependent on the value of the other measured variables.</a:t>
